--- a/UI5con.pptx
+++ b/UI5con.pptx
@@ -5,16 +5,30 @@
     <p:sldMasterId id="2147483733" r:id="rId1"/>
   </p:sldMasterIdLst>
   <p:notesMasterIdLst>
-    <p:notesMasterId r:id="rId6"/>
+    <p:notesMasterId r:id="rId20"/>
   </p:notesMasterIdLst>
   <p:handoutMasterIdLst>
-    <p:handoutMasterId r:id="rId7"/>
+    <p:handoutMasterId r:id="rId21"/>
   </p:handoutMasterIdLst>
   <p:sldIdLst>
     <p:sldId id="434" r:id="rId2"/>
-    <p:sldId id="416" r:id="rId3"/>
+    <p:sldId id="440" r:id="rId3"/>
     <p:sldId id="436" r:id="rId4"/>
-    <p:sldId id="413" r:id="rId5"/>
+    <p:sldId id="437" r:id="rId5"/>
+    <p:sldId id="445" r:id="rId6"/>
+    <p:sldId id="443" r:id="rId7"/>
+    <p:sldId id="446" r:id="rId8"/>
+    <p:sldId id="416" r:id="rId9"/>
+    <p:sldId id="444" r:id="rId10"/>
+    <p:sldId id="438" r:id="rId11"/>
+    <p:sldId id="449" r:id="rId12"/>
+    <p:sldId id="447" r:id="rId13"/>
+    <p:sldId id="450" r:id="rId14"/>
+    <p:sldId id="451" r:id="rId15"/>
+    <p:sldId id="439" r:id="rId16"/>
+    <p:sldId id="441" r:id="rId17"/>
+    <p:sldId id="442" r:id="rId18"/>
+    <p:sldId id="413" r:id="rId19"/>
   </p:sldIdLst>
   <p:sldSz cx="12195175" cy="6858000"/>
   <p:notesSz cx="6797675" cy="9928225"/>
@@ -564,7 +578,92 @@
             <a:fld id="{7D8C2C35-2B8A-446E-BEC0-FD36716C29AC}" type="slidenum">
               <a:rPr lang="de-DE" smtClean="0"/>
               <a:pPr/>
-              <a:t>2</a:t>
+              <a:t>4</a:t>
+            </a:fld>
+            <a:endParaRPr lang="de-DE" dirty="0"/>
+          </a:p>
+        </p:txBody>
+      </p:sp>
+    </p:spTree>
+    <p:extLst>
+      <p:ext uri="{BB962C8B-B14F-4D97-AF65-F5344CB8AC3E}">
+        <p14:creationId xmlns:p14="http://schemas.microsoft.com/office/powerpoint/2010/main" val="2906112952"/>
+      </p:ext>
+    </p:extLst>
+  </p:cSld>
+  <p:clrMapOvr>
+    <a:masterClrMapping/>
+  </p:clrMapOvr>
+</p:notes>
+</file>
+
+<file path=ppt/notesSlides/notesSlide2.xml><?xml version="1.0" encoding="utf-8"?>
+<p:notes xmlns:a="http://schemas.openxmlformats.org/drawingml/2006/main" xmlns:r="http://schemas.openxmlformats.org/officeDocument/2006/relationships" xmlns:p="http://schemas.openxmlformats.org/presentationml/2006/main">
+  <p:cSld>
+    <p:spTree>
+      <p:nvGrpSpPr>
+        <p:cNvPr id="1" name=""/>
+        <p:cNvGrpSpPr/>
+        <p:nvPr/>
+      </p:nvGrpSpPr>
+      <p:grpSpPr>
+        <a:xfrm>
+          <a:off x="0" y="0"/>
+          <a:ext cx="0" cy="0"/>
+          <a:chOff x="0" y="0"/>
+          <a:chExt cx="0" cy="0"/>
+        </a:xfrm>
+      </p:grpSpPr>
+      <p:sp>
+        <p:nvSpPr>
+          <p:cNvPr id="2" name="Slide Image Placeholder 1"/>
+          <p:cNvSpPr>
+            <a:spLocks noGrp="1" noRot="1" noChangeAspect="1"/>
+          </p:cNvSpPr>
+          <p:nvPr>
+            <p:ph type="sldImg"/>
+          </p:nvPr>
+        </p:nvSpPr>
+        <p:spPr/>
+      </p:sp>
+      <p:sp>
+        <p:nvSpPr>
+          <p:cNvPr id="3" name="Notes Placeholder 2"/>
+          <p:cNvSpPr>
+            <a:spLocks noGrp="1"/>
+          </p:cNvSpPr>
+          <p:nvPr>
+            <p:ph type="body" idx="1"/>
+          </p:nvPr>
+        </p:nvSpPr>
+        <p:spPr/>
+        <p:txBody>
+          <a:bodyPr/>
+          <a:lstStyle/>
+          <a:p>
+            <a:endParaRPr lang="en-US" sz="900" dirty="0"/>
+          </a:p>
+        </p:txBody>
+      </p:sp>
+      <p:sp>
+        <p:nvSpPr>
+          <p:cNvPr id="4" name="Slide Number Placeholder 3"/>
+          <p:cNvSpPr>
+            <a:spLocks noGrp="1"/>
+          </p:cNvSpPr>
+          <p:nvPr>
+            <p:ph type="sldNum" sz="quarter" idx="10"/>
+          </p:nvPr>
+        </p:nvSpPr>
+        <p:spPr/>
+        <p:txBody>
+          <a:bodyPr/>
+          <a:lstStyle/>
+          <a:p>
+            <a:fld id="{7D8C2C35-2B8A-446E-BEC0-FD36716C29AC}" type="slidenum">
+              <a:rPr lang="de-DE" smtClean="0"/>
+              <a:pPr/>
+              <a:t>8</a:t>
             </a:fld>
             <a:endParaRPr lang="de-DE" dirty="0"/>
           </a:p>
@@ -574,6 +673,261 @@
     <p:extLst>
       <p:ext uri="{BB962C8B-B14F-4D97-AF65-F5344CB8AC3E}">
         <p14:creationId xmlns:p14="http://schemas.microsoft.com/office/powerpoint/2010/main" val="1278075918"/>
+      </p:ext>
+    </p:extLst>
+  </p:cSld>
+  <p:clrMapOvr>
+    <a:masterClrMapping/>
+  </p:clrMapOvr>
+</p:notes>
+</file>
+
+<file path=ppt/notesSlides/notesSlide3.xml><?xml version="1.0" encoding="utf-8"?>
+<p:notes xmlns:a="http://schemas.openxmlformats.org/drawingml/2006/main" xmlns:r="http://schemas.openxmlformats.org/officeDocument/2006/relationships" xmlns:p="http://schemas.openxmlformats.org/presentationml/2006/main">
+  <p:cSld>
+    <p:spTree>
+      <p:nvGrpSpPr>
+        <p:cNvPr id="1" name=""/>
+        <p:cNvGrpSpPr/>
+        <p:nvPr/>
+      </p:nvGrpSpPr>
+      <p:grpSpPr>
+        <a:xfrm>
+          <a:off x="0" y="0"/>
+          <a:ext cx="0" cy="0"/>
+          <a:chOff x="0" y="0"/>
+          <a:chExt cx="0" cy="0"/>
+        </a:xfrm>
+      </p:grpSpPr>
+      <p:sp>
+        <p:nvSpPr>
+          <p:cNvPr id="2" name="Slide Image Placeholder 1"/>
+          <p:cNvSpPr>
+            <a:spLocks noGrp="1" noRot="1" noChangeAspect="1"/>
+          </p:cNvSpPr>
+          <p:nvPr>
+            <p:ph type="sldImg"/>
+          </p:nvPr>
+        </p:nvSpPr>
+        <p:spPr/>
+      </p:sp>
+      <p:sp>
+        <p:nvSpPr>
+          <p:cNvPr id="3" name="Notes Placeholder 2"/>
+          <p:cNvSpPr>
+            <a:spLocks noGrp="1"/>
+          </p:cNvSpPr>
+          <p:nvPr>
+            <p:ph type="body" idx="1"/>
+          </p:nvPr>
+        </p:nvSpPr>
+        <p:spPr/>
+        <p:txBody>
+          <a:bodyPr/>
+          <a:lstStyle/>
+          <a:p>
+            <a:endParaRPr lang="en-US" sz="900" dirty="0"/>
+          </a:p>
+        </p:txBody>
+      </p:sp>
+      <p:sp>
+        <p:nvSpPr>
+          <p:cNvPr id="4" name="Slide Number Placeholder 3"/>
+          <p:cNvSpPr>
+            <a:spLocks noGrp="1"/>
+          </p:cNvSpPr>
+          <p:nvPr>
+            <p:ph type="sldNum" sz="quarter" idx="10"/>
+          </p:nvPr>
+        </p:nvSpPr>
+        <p:spPr/>
+        <p:txBody>
+          <a:bodyPr/>
+          <a:lstStyle/>
+          <a:p>
+            <a:fld id="{7D8C2C35-2B8A-446E-BEC0-FD36716C29AC}" type="slidenum">
+              <a:rPr lang="de-DE" smtClean="0"/>
+              <a:pPr/>
+              <a:t>10</a:t>
+            </a:fld>
+            <a:endParaRPr lang="de-DE" dirty="0"/>
+          </a:p>
+        </p:txBody>
+      </p:sp>
+    </p:spTree>
+    <p:extLst>
+      <p:ext uri="{BB962C8B-B14F-4D97-AF65-F5344CB8AC3E}">
+        <p14:creationId xmlns:p14="http://schemas.microsoft.com/office/powerpoint/2010/main" val="3589965063"/>
+      </p:ext>
+    </p:extLst>
+  </p:cSld>
+  <p:clrMapOvr>
+    <a:masterClrMapping/>
+  </p:clrMapOvr>
+</p:notes>
+</file>
+
+<file path=ppt/notesSlides/notesSlide4.xml><?xml version="1.0" encoding="utf-8"?>
+<p:notes xmlns:a="http://schemas.openxmlformats.org/drawingml/2006/main" xmlns:r="http://schemas.openxmlformats.org/officeDocument/2006/relationships" xmlns:p="http://schemas.openxmlformats.org/presentationml/2006/main">
+  <p:cSld>
+    <p:spTree>
+      <p:nvGrpSpPr>
+        <p:cNvPr id="1" name=""/>
+        <p:cNvGrpSpPr/>
+        <p:nvPr/>
+      </p:nvGrpSpPr>
+      <p:grpSpPr>
+        <a:xfrm>
+          <a:off x="0" y="0"/>
+          <a:ext cx="0" cy="0"/>
+          <a:chOff x="0" y="0"/>
+          <a:chExt cx="0" cy="0"/>
+        </a:xfrm>
+      </p:grpSpPr>
+      <p:sp>
+        <p:nvSpPr>
+          <p:cNvPr id="2" name="Slide Image Placeholder 1"/>
+          <p:cNvSpPr>
+            <a:spLocks noGrp="1" noRot="1" noChangeAspect="1"/>
+          </p:cNvSpPr>
+          <p:nvPr>
+            <p:ph type="sldImg"/>
+          </p:nvPr>
+        </p:nvSpPr>
+        <p:spPr/>
+      </p:sp>
+      <p:sp>
+        <p:nvSpPr>
+          <p:cNvPr id="3" name="Notes Placeholder 2"/>
+          <p:cNvSpPr>
+            <a:spLocks noGrp="1"/>
+          </p:cNvSpPr>
+          <p:nvPr>
+            <p:ph type="body" idx="1"/>
+          </p:nvPr>
+        </p:nvSpPr>
+        <p:spPr/>
+        <p:txBody>
+          <a:bodyPr/>
+          <a:lstStyle/>
+          <a:p>
+            <a:endParaRPr lang="en-US" sz="900" dirty="0"/>
+          </a:p>
+        </p:txBody>
+      </p:sp>
+      <p:sp>
+        <p:nvSpPr>
+          <p:cNvPr id="4" name="Slide Number Placeholder 3"/>
+          <p:cNvSpPr>
+            <a:spLocks noGrp="1"/>
+          </p:cNvSpPr>
+          <p:nvPr>
+            <p:ph type="sldNum" sz="quarter" idx="10"/>
+          </p:nvPr>
+        </p:nvSpPr>
+        <p:spPr/>
+        <p:txBody>
+          <a:bodyPr/>
+          <a:lstStyle/>
+          <a:p>
+            <a:fld id="{7D8C2C35-2B8A-446E-BEC0-FD36716C29AC}" type="slidenum">
+              <a:rPr lang="de-DE" smtClean="0"/>
+              <a:pPr/>
+              <a:t>15</a:t>
+            </a:fld>
+            <a:endParaRPr lang="de-DE" dirty="0"/>
+          </a:p>
+        </p:txBody>
+      </p:sp>
+    </p:spTree>
+    <p:extLst>
+      <p:ext uri="{BB962C8B-B14F-4D97-AF65-F5344CB8AC3E}">
+        <p14:creationId xmlns:p14="http://schemas.microsoft.com/office/powerpoint/2010/main" val="1913233472"/>
+      </p:ext>
+    </p:extLst>
+  </p:cSld>
+  <p:clrMapOvr>
+    <a:masterClrMapping/>
+  </p:clrMapOvr>
+</p:notes>
+</file>
+
+<file path=ppt/notesSlides/notesSlide5.xml><?xml version="1.0" encoding="utf-8"?>
+<p:notes xmlns:a="http://schemas.openxmlformats.org/drawingml/2006/main" xmlns:r="http://schemas.openxmlformats.org/officeDocument/2006/relationships" xmlns:p="http://schemas.openxmlformats.org/presentationml/2006/main">
+  <p:cSld>
+    <p:spTree>
+      <p:nvGrpSpPr>
+        <p:cNvPr id="1" name=""/>
+        <p:cNvGrpSpPr/>
+        <p:nvPr/>
+      </p:nvGrpSpPr>
+      <p:grpSpPr>
+        <a:xfrm>
+          <a:off x="0" y="0"/>
+          <a:ext cx="0" cy="0"/>
+          <a:chOff x="0" y="0"/>
+          <a:chExt cx="0" cy="0"/>
+        </a:xfrm>
+      </p:grpSpPr>
+      <p:sp>
+        <p:nvSpPr>
+          <p:cNvPr id="2" name="Slide Image Placeholder 1"/>
+          <p:cNvSpPr>
+            <a:spLocks noGrp="1" noRot="1" noChangeAspect="1"/>
+          </p:cNvSpPr>
+          <p:nvPr>
+            <p:ph type="sldImg"/>
+          </p:nvPr>
+        </p:nvSpPr>
+        <p:spPr/>
+      </p:sp>
+      <p:sp>
+        <p:nvSpPr>
+          <p:cNvPr id="3" name="Notes Placeholder 2"/>
+          <p:cNvSpPr>
+            <a:spLocks noGrp="1"/>
+          </p:cNvSpPr>
+          <p:nvPr>
+            <p:ph type="body" idx="1"/>
+          </p:nvPr>
+        </p:nvSpPr>
+        <p:spPr/>
+        <p:txBody>
+          <a:bodyPr/>
+          <a:lstStyle/>
+          <a:p>
+            <a:endParaRPr lang="en-US" sz="900" dirty="0"/>
+          </a:p>
+        </p:txBody>
+      </p:sp>
+      <p:sp>
+        <p:nvSpPr>
+          <p:cNvPr id="4" name="Slide Number Placeholder 3"/>
+          <p:cNvSpPr>
+            <a:spLocks noGrp="1"/>
+          </p:cNvSpPr>
+          <p:nvPr>
+            <p:ph type="sldNum" sz="quarter" idx="10"/>
+          </p:nvPr>
+        </p:nvSpPr>
+        <p:spPr/>
+        <p:txBody>
+          <a:bodyPr/>
+          <a:lstStyle/>
+          <a:p>
+            <a:fld id="{7D8C2C35-2B8A-446E-BEC0-FD36716C29AC}" type="slidenum">
+              <a:rPr lang="de-DE" smtClean="0"/>
+              <a:pPr/>
+              <a:t>16</a:t>
+            </a:fld>
+            <a:endParaRPr lang="de-DE" dirty="0"/>
+          </a:p>
+        </p:txBody>
+      </p:sp>
+    </p:spTree>
+    <p:extLst>
+      <p:ext uri="{BB962C8B-B14F-4D97-AF65-F5344CB8AC3E}">
+        <p14:creationId xmlns:p14="http://schemas.microsoft.com/office/powerpoint/2010/main" val="4219482598"/>
       </p:ext>
     </p:extLst>
   </p:cSld>
@@ -3637,7 +3991,7 @@
 </p:sld>
 </file>
 
-<file path=ppt/slides/slide2.xml><?xml version="1.0" encoding="utf-8"?>
+<file path=ppt/slides/slide10.xml><?xml version="1.0" encoding="utf-8"?>
 <p:sld xmlns:a="http://schemas.openxmlformats.org/drawingml/2006/main" xmlns:r="http://schemas.openxmlformats.org/officeDocument/2006/relationships" xmlns:p="http://schemas.openxmlformats.org/presentationml/2006/main">
   <p:cSld>
     <p:spTree>
@@ -3670,8 +4024,18 @@
           <a:lstStyle/>
           <a:p>
             <a:r>
+              <a:rPr lang="en-US" dirty="0">
+                <a:solidFill>
+                  <a:schemeClr val="accent4">
+                    <a:lumMod val="75000"/>
+                  </a:schemeClr>
+                </a:solidFill>
+              </a:rPr>
+              <a:t>UI5 vs </a:t>
+            </a:r>
+            <a:r>
               <a:rPr lang="en-US" dirty="0"/>
-              <a:t>Divider </a:t>
+              <a:t>UI5 web components vs </a:t>
             </a:r>
             <a:r>
               <a:rPr lang="en-US" dirty="0">
@@ -3679,15 +4043,2043 @@
                   <a:schemeClr val="accent1"/>
                 </a:solidFill>
               </a:rPr>
-              <a:t>page</a:t>
-            </a:r>
+              <a:t>Fiori fundamentals</a:t>
+            </a:r>
+            <a:br>
+              <a:rPr lang="en-US" dirty="0"/>
+            </a:br>
+            <a:endParaRPr lang="en-US" dirty="0">
+              <a:solidFill>
+                <a:schemeClr val="accent1"/>
+              </a:solidFill>
+            </a:endParaRPr>
           </a:p>
         </p:txBody>
       </p:sp>
     </p:spTree>
     <p:extLst>
       <p:ext uri="{BB962C8B-B14F-4D97-AF65-F5344CB8AC3E}">
-        <p14:creationId xmlns:p14="http://schemas.microsoft.com/office/powerpoint/2010/main" val="799205039"/>
+        <p14:creationId xmlns:p14="http://schemas.microsoft.com/office/powerpoint/2010/main" val="700625771"/>
+      </p:ext>
+    </p:extLst>
+  </p:cSld>
+  <p:clrMapOvr>
+    <a:masterClrMapping/>
+  </p:clrMapOvr>
+</p:sld>
+</file>
+
+<file path=ppt/slides/slide11.xml><?xml version="1.0" encoding="utf-8"?>
+<p:sld xmlns:a="http://schemas.openxmlformats.org/drawingml/2006/main" xmlns:r="http://schemas.openxmlformats.org/officeDocument/2006/relationships" xmlns:p="http://schemas.openxmlformats.org/presentationml/2006/main">
+  <p:cSld>
+    <p:spTree>
+      <p:nvGrpSpPr>
+        <p:cNvPr id="1" name=""/>
+        <p:cNvGrpSpPr/>
+        <p:nvPr/>
+      </p:nvGrpSpPr>
+      <p:grpSpPr>
+        <a:xfrm>
+          <a:off x="0" y="0"/>
+          <a:ext cx="0" cy="0"/>
+          <a:chOff x="0" y="0"/>
+          <a:chExt cx="0" cy="0"/>
+        </a:xfrm>
+      </p:grpSpPr>
+      <p:sp>
+        <p:nvSpPr>
+          <p:cNvPr id="4" name="Title 3"/>
+          <p:cNvSpPr>
+            <a:spLocks noGrp="1"/>
+          </p:cNvSpPr>
+          <p:nvPr>
+            <p:ph type="title"/>
+          </p:nvPr>
+        </p:nvSpPr>
+        <p:spPr>
+          <a:xfrm>
+            <a:off x="503999" y="529807"/>
+            <a:ext cx="11186476" cy="646331"/>
+          </a:xfrm>
+        </p:spPr>
+        <p:txBody>
+          <a:bodyPr/>
+          <a:lstStyle/>
+          <a:p>
+            <a:r>
+              <a:rPr lang="en-US" dirty="0"/>
+              <a:t>Ease of Development (If used on their own)</a:t>
+            </a:r>
+            <a:br>
+              <a:rPr lang="en-US" dirty="0"/>
+            </a:br>
+            <a:endParaRPr lang="en-US" sz="1800" b="0" dirty="0"/>
+          </a:p>
+        </p:txBody>
+      </p:sp>
+      <p:pic>
+        <p:nvPicPr>
+          <p:cNvPr id="1026" name="Picture 2" descr="Image result for ui5">
+            <a:extLst>
+              <a:ext uri="{FF2B5EF4-FFF2-40B4-BE49-F238E27FC236}">
+                <a16:creationId xmlns:a16="http://schemas.microsoft.com/office/drawing/2014/main" id="{0F0EAADC-2A0F-48A8-8AE3-C1093C1DD03C}"/>
+              </a:ext>
+            </a:extLst>
+          </p:cNvPr>
+          <p:cNvPicPr>
+            <a:picLocks noChangeAspect="1" noChangeArrowheads="1"/>
+          </p:cNvPicPr>
+          <p:nvPr/>
+        </p:nvPicPr>
+        <p:blipFill>
+          <a:blip r:embed="rId2">
+            <a:extLst>
+              <a:ext uri="{28A0092B-C50C-407E-A947-70E740481C1C}">
+                <a14:useLocalDpi xmlns:a14="http://schemas.microsoft.com/office/drawing/2010/main" val="0"/>
+              </a:ext>
+            </a:extLst>
+          </a:blip>
+          <a:srcRect/>
+          <a:stretch>
+            <a:fillRect/>
+          </a:stretch>
+        </p:blipFill>
+        <p:spPr bwMode="auto">
+          <a:xfrm>
+            <a:off x="5906934" y="1176138"/>
+            <a:ext cx="4002241" cy="1647589"/>
+          </a:xfrm>
+          <a:prstGeom prst="rect">
+            <a:avLst/>
+          </a:prstGeom>
+          <a:noFill/>
+          <a:extLst>
+            <a:ext uri="{909E8E84-426E-40DD-AFC4-6F175D3DCCD1}">
+              <a14:hiddenFill xmlns:a14="http://schemas.microsoft.com/office/drawing/2010/main">
+                <a:solidFill>
+                  <a:srgbClr val="FFFFFF"/>
+                </a:solidFill>
+              </a14:hiddenFill>
+            </a:ext>
+          </a:extLst>
+        </p:spPr>
+      </p:pic>
+      <p:pic>
+        <p:nvPicPr>
+          <p:cNvPr id="1030" name="Picture 6" descr="Image result for webcomponents">
+            <a:extLst>
+              <a:ext uri="{FF2B5EF4-FFF2-40B4-BE49-F238E27FC236}">
+                <a16:creationId xmlns:a16="http://schemas.microsoft.com/office/drawing/2014/main" id="{FAED3F3B-330B-4979-8DA1-5D0FF9536854}"/>
+              </a:ext>
+            </a:extLst>
+          </p:cNvPr>
+          <p:cNvPicPr>
+            <a:picLocks noChangeAspect="1" noChangeArrowheads="1"/>
+          </p:cNvPicPr>
+          <p:nvPr/>
+        </p:nvPicPr>
+        <p:blipFill rotWithShape="1">
+          <a:blip r:embed="rId3">
+            <a:extLst>
+              <a:ext uri="{28A0092B-C50C-407E-A947-70E740481C1C}">
+                <a14:useLocalDpi xmlns:a14="http://schemas.microsoft.com/office/drawing/2010/main" val="0"/>
+              </a:ext>
+            </a:extLst>
+          </a:blip>
+          <a:srcRect l="21308" t="32215" r="34196" b="32946"/>
+          <a:stretch/>
+        </p:blipFill>
+        <p:spPr bwMode="auto">
+          <a:xfrm>
+            <a:off x="6662393" y="3225094"/>
+            <a:ext cx="4250987" cy="992222"/>
+          </a:xfrm>
+          <a:prstGeom prst="rect">
+            <a:avLst/>
+          </a:prstGeom>
+          <a:noFill/>
+          <a:extLst>
+            <a:ext uri="{909E8E84-426E-40DD-AFC4-6F175D3DCCD1}">
+              <a14:hiddenFill xmlns:a14="http://schemas.microsoft.com/office/drawing/2010/main">
+                <a:solidFill>
+                  <a:srgbClr val="FFFFFF"/>
+                </a:solidFill>
+              </a14:hiddenFill>
+            </a:ext>
+          </a:extLst>
+        </p:spPr>
+      </p:pic>
+      <p:pic>
+        <p:nvPicPr>
+          <p:cNvPr id="2" name="Picture 1">
+            <a:extLst>
+              <a:ext uri="{FF2B5EF4-FFF2-40B4-BE49-F238E27FC236}">
+                <a16:creationId xmlns:a16="http://schemas.microsoft.com/office/drawing/2014/main" id="{9B998D16-931F-4FBF-8543-585B267D5410}"/>
+              </a:ext>
+            </a:extLst>
+          </p:cNvPr>
+          <p:cNvPicPr>
+            <a:picLocks noChangeAspect="1"/>
+          </p:cNvPicPr>
+          <p:nvPr/>
+        </p:nvPicPr>
+        <p:blipFill>
+          <a:blip r:embed="rId4"/>
+          <a:stretch>
+            <a:fillRect/>
+          </a:stretch>
+        </p:blipFill>
+        <p:spPr>
+          <a:xfrm>
+            <a:off x="6662393" y="4968352"/>
+            <a:ext cx="4067175" cy="1085850"/>
+          </a:xfrm>
+          <a:prstGeom prst="rect">
+            <a:avLst/>
+          </a:prstGeom>
+        </p:spPr>
+      </p:pic>
+      <p:sp>
+        <p:nvSpPr>
+          <p:cNvPr id="3" name="TextBox 2">
+            <a:extLst>
+              <a:ext uri="{FF2B5EF4-FFF2-40B4-BE49-F238E27FC236}">
+                <a16:creationId xmlns:a16="http://schemas.microsoft.com/office/drawing/2014/main" id="{815B524F-1C91-4FC5-A6FC-00A19F075B09}"/>
+              </a:ext>
+            </a:extLst>
+          </p:cNvPr>
+          <p:cNvSpPr txBox="1"/>
+          <p:nvPr/>
+        </p:nvSpPr>
+        <p:spPr>
+          <a:xfrm>
+            <a:off x="7312695" y="1999933"/>
+            <a:ext cx="65" cy="276999"/>
+          </a:xfrm>
+          <a:prstGeom prst="rect">
+            <a:avLst/>
+          </a:prstGeom>
+          <a:noFill/>
+        </p:spPr>
+        <p:txBody>
+          <a:bodyPr wrap="none" lIns="0" tIns="0" rIns="0" bIns="0" rtlCol="0">
+            <a:spAutoFit/>
+          </a:bodyPr>
+          <a:lstStyle/>
+          <a:p>
+            <a:pPr fontAlgn="base">
+              <a:spcBef>
+                <a:spcPct val="50000"/>
+              </a:spcBef>
+              <a:spcAft>
+                <a:spcPct val="0"/>
+              </a:spcAft>
+              <a:buClr>
+                <a:srgbClr val="F0AB00"/>
+              </a:buClr>
+              <a:buSzPct val="80000"/>
+            </a:pPr>
+            <a:endParaRPr lang="en-IN" sz="1800" kern="0" dirty="0" err="1">
+              <a:ea typeface="Arial Unicode MS" pitchFamily="34" charset="-128"/>
+              <a:cs typeface="Arial Unicode MS" pitchFamily="34" charset="-128"/>
+            </a:endParaRPr>
+          </a:p>
+        </p:txBody>
+      </p:sp>
+      <p:sp>
+        <p:nvSpPr>
+          <p:cNvPr id="6" name="Arrow: Down 5">
+            <a:extLst>
+              <a:ext uri="{FF2B5EF4-FFF2-40B4-BE49-F238E27FC236}">
+                <a16:creationId xmlns:a16="http://schemas.microsoft.com/office/drawing/2014/main" id="{83215E1C-B44F-4178-96C1-5ED7A6F76533}"/>
+              </a:ext>
+            </a:extLst>
+          </p:cNvPr>
+          <p:cNvSpPr/>
+          <p:nvPr/>
+        </p:nvSpPr>
+        <p:spPr bwMode="gray">
+          <a:xfrm>
+            <a:off x="3795110" y="1520365"/>
+            <a:ext cx="1457966" cy="4669828"/>
+          </a:xfrm>
+          <a:prstGeom prst="downArrow">
+            <a:avLst/>
+          </a:prstGeom>
+          <a:gradFill flip="none" rotWithShape="1">
+            <a:gsLst>
+              <a:gs pos="0">
+                <a:schemeClr val="accent5"/>
+              </a:gs>
+              <a:gs pos="23000">
+                <a:schemeClr val="accent5"/>
+              </a:gs>
+              <a:gs pos="100000">
+                <a:schemeClr val="accent4"/>
+              </a:gs>
+            </a:gsLst>
+            <a:lin ang="16200000" scaled="1"/>
+            <a:tileRect/>
+          </a:gradFill>
+          <a:ln w="25400" algn="ctr">
+            <a:solidFill>
+              <a:schemeClr val="tx1"/>
+            </a:solidFill>
+            <a:miter lim="800000"/>
+            <a:headEnd/>
+            <a:tailEnd/>
+          </a:ln>
+        </p:spPr>
+        <p:txBody>
+          <a:bodyPr lIns="90000" tIns="72000" rIns="90000" bIns="72000" rtlCol="0" anchor="ctr"/>
+          <a:lstStyle/>
+          <a:p>
+            <a:pPr marR="0" algn="ctr" defTabSz="914400" eaLnBrk="1" fontAlgn="base" latinLnBrk="0" hangingPunct="1">
+              <a:lnSpc>
+                <a:spcPct val="100000"/>
+              </a:lnSpc>
+              <a:spcBef>
+                <a:spcPct val="50000"/>
+              </a:spcBef>
+              <a:spcAft>
+                <a:spcPct val="0"/>
+              </a:spcAft>
+              <a:buClr>
+                <a:srgbClr val="F0AB00"/>
+              </a:buClr>
+              <a:buSzPct val="80000"/>
+              <a:tabLst/>
+            </a:pPr>
+            <a:endParaRPr kumimoji="0" lang="en-IN" sz="1800" b="0" i="0" u="none" strike="noStrike" kern="0" cap="none" spc="0" normalizeH="0" baseline="0" noProof="0" dirty="0" err="1">
+              <a:ln>
+                <a:noFill/>
+              </a:ln>
+              <a:effectLst/>
+              <a:uLnTx/>
+              <a:uFillTx/>
+              <a:ea typeface="Arial Unicode MS" pitchFamily="34" charset="-128"/>
+              <a:cs typeface="Arial Unicode MS" pitchFamily="34" charset="-128"/>
+            </a:endParaRPr>
+          </a:p>
+        </p:txBody>
+      </p:sp>
+      <p:sp>
+        <p:nvSpPr>
+          <p:cNvPr id="7" name="TextBox 6">
+            <a:extLst>
+              <a:ext uri="{FF2B5EF4-FFF2-40B4-BE49-F238E27FC236}">
+                <a16:creationId xmlns:a16="http://schemas.microsoft.com/office/drawing/2014/main" id="{8AE00B17-18C6-40F4-82CB-6F6E381FDE53}"/>
+              </a:ext>
+            </a:extLst>
+          </p:cNvPr>
+          <p:cNvSpPr txBox="1"/>
+          <p:nvPr/>
+        </p:nvSpPr>
+        <p:spPr>
+          <a:xfrm>
+            <a:off x="2286000" y="1569046"/>
+            <a:ext cx="798295" cy="430887"/>
+          </a:xfrm>
+          <a:prstGeom prst="rect">
+            <a:avLst/>
+          </a:prstGeom>
+          <a:noFill/>
+        </p:spPr>
+        <p:txBody>
+          <a:bodyPr wrap="none" lIns="0" tIns="0" rIns="0" bIns="0" rtlCol="0">
+            <a:spAutoFit/>
+          </a:bodyPr>
+          <a:lstStyle/>
+          <a:p>
+            <a:pPr fontAlgn="base">
+              <a:spcBef>
+                <a:spcPct val="50000"/>
+              </a:spcBef>
+              <a:spcAft>
+                <a:spcPct val="0"/>
+              </a:spcAft>
+              <a:buClr>
+                <a:srgbClr val="F0AB00"/>
+              </a:buClr>
+              <a:buSzPct val="80000"/>
+            </a:pPr>
+            <a:r>
+              <a:rPr lang="en-IN" sz="2800" kern="0" dirty="0">
+                <a:ea typeface="Arial Unicode MS" pitchFamily="34" charset="-128"/>
+                <a:cs typeface="Arial Unicode MS" pitchFamily="34" charset="-128"/>
+              </a:rPr>
+              <a:t>Easy</a:t>
+            </a:r>
+          </a:p>
+        </p:txBody>
+      </p:sp>
+      <p:sp>
+        <p:nvSpPr>
+          <p:cNvPr id="11" name="TextBox 10">
+            <a:extLst>
+              <a:ext uri="{FF2B5EF4-FFF2-40B4-BE49-F238E27FC236}">
+                <a16:creationId xmlns:a16="http://schemas.microsoft.com/office/drawing/2014/main" id="{71335BC2-956D-4036-BA65-E2AD2A069901}"/>
+              </a:ext>
+            </a:extLst>
+          </p:cNvPr>
+          <p:cNvSpPr txBox="1"/>
+          <p:nvPr/>
+        </p:nvSpPr>
+        <p:spPr>
+          <a:xfrm>
+            <a:off x="2309788" y="5295833"/>
+            <a:ext cx="780663" cy="430887"/>
+          </a:xfrm>
+          <a:prstGeom prst="rect">
+            <a:avLst/>
+          </a:prstGeom>
+          <a:noFill/>
+        </p:spPr>
+        <p:txBody>
+          <a:bodyPr wrap="none" lIns="0" tIns="0" rIns="0" bIns="0" rtlCol="0">
+            <a:spAutoFit/>
+          </a:bodyPr>
+          <a:lstStyle/>
+          <a:p>
+            <a:pPr fontAlgn="base">
+              <a:spcBef>
+                <a:spcPct val="50000"/>
+              </a:spcBef>
+              <a:spcAft>
+                <a:spcPct val="0"/>
+              </a:spcAft>
+              <a:buClr>
+                <a:srgbClr val="F0AB00"/>
+              </a:buClr>
+              <a:buSzPct val="80000"/>
+            </a:pPr>
+            <a:r>
+              <a:rPr lang="en-IN" sz="2800" kern="0" dirty="0">
+                <a:ea typeface="Arial Unicode MS" pitchFamily="34" charset="-128"/>
+                <a:cs typeface="Arial Unicode MS" pitchFamily="34" charset="-128"/>
+              </a:rPr>
+              <a:t>Hard</a:t>
+            </a:r>
+          </a:p>
+        </p:txBody>
+      </p:sp>
+    </p:spTree>
+    <p:extLst>
+      <p:ext uri="{BB962C8B-B14F-4D97-AF65-F5344CB8AC3E}">
+        <p14:creationId xmlns:p14="http://schemas.microsoft.com/office/powerpoint/2010/main" val="2667381140"/>
+      </p:ext>
+    </p:extLst>
+  </p:cSld>
+  <p:clrMapOvr>
+    <a:masterClrMapping/>
+  </p:clrMapOvr>
+</p:sld>
+</file>
+
+<file path=ppt/slides/slide12.xml><?xml version="1.0" encoding="utf-8"?>
+<p:sld xmlns:a="http://schemas.openxmlformats.org/drawingml/2006/main" xmlns:r="http://schemas.openxmlformats.org/officeDocument/2006/relationships" xmlns:p="http://schemas.openxmlformats.org/presentationml/2006/main">
+  <p:cSld>
+    <p:spTree>
+      <p:nvGrpSpPr>
+        <p:cNvPr id="1" name=""/>
+        <p:cNvGrpSpPr/>
+        <p:nvPr/>
+      </p:nvGrpSpPr>
+      <p:grpSpPr>
+        <a:xfrm>
+          <a:off x="0" y="0"/>
+          <a:ext cx="0" cy="0"/>
+          <a:chOff x="0" y="0"/>
+          <a:chExt cx="0" cy="0"/>
+        </a:xfrm>
+      </p:grpSpPr>
+      <p:sp>
+        <p:nvSpPr>
+          <p:cNvPr id="4" name="Title 3"/>
+          <p:cNvSpPr>
+            <a:spLocks noGrp="1"/>
+          </p:cNvSpPr>
+          <p:nvPr>
+            <p:ph type="title"/>
+          </p:nvPr>
+        </p:nvSpPr>
+        <p:spPr>
+          <a:xfrm>
+            <a:off x="503999" y="529807"/>
+            <a:ext cx="11186476" cy="646331"/>
+          </a:xfrm>
+        </p:spPr>
+        <p:txBody>
+          <a:bodyPr/>
+          <a:lstStyle/>
+          <a:p>
+            <a:r>
+              <a:rPr lang="en-US" dirty="0"/>
+              <a:t>Flexibility</a:t>
+            </a:r>
+            <a:br>
+              <a:rPr lang="en-US" dirty="0"/>
+            </a:br>
+            <a:endParaRPr lang="en-US" sz="1800" b="0" dirty="0"/>
+          </a:p>
+        </p:txBody>
+      </p:sp>
+      <p:pic>
+        <p:nvPicPr>
+          <p:cNvPr id="1026" name="Picture 2" descr="Image result for ui5">
+            <a:extLst>
+              <a:ext uri="{FF2B5EF4-FFF2-40B4-BE49-F238E27FC236}">
+                <a16:creationId xmlns:a16="http://schemas.microsoft.com/office/drawing/2014/main" id="{0F0EAADC-2A0F-48A8-8AE3-C1093C1DD03C}"/>
+              </a:ext>
+            </a:extLst>
+          </p:cNvPr>
+          <p:cNvPicPr>
+            <a:picLocks noChangeAspect="1" noChangeArrowheads="1"/>
+          </p:cNvPicPr>
+          <p:nvPr/>
+        </p:nvPicPr>
+        <p:blipFill>
+          <a:blip r:embed="rId2">
+            <a:extLst>
+              <a:ext uri="{28A0092B-C50C-407E-A947-70E740481C1C}">
+                <a14:useLocalDpi xmlns:a14="http://schemas.microsoft.com/office/drawing/2010/main" val="0"/>
+              </a:ext>
+            </a:extLst>
+          </a:blip>
+          <a:srcRect/>
+          <a:stretch>
+            <a:fillRect/>
+          </a:stretch>
+        </p:blipFill>
+        <p:spPr bwMode="auto">
+          <a:xfrm>
+            <a:off x="5957735" y="4325888"/>
+            <a:ext cx="4002241" cy="1647589"/>
+          </a:xfrm>
+          <a:prstGeom prst="rect">
+            <a:avLst/>
+          </a:prstGeom>
+          <a:noFill/>
+          <a:extLst>
+            <a:ext uri="{909E8E84-426E-40DD-AFC4-6F175D3DCCD1}">
+              <a14:hiddenFill xmlns:a14="http://schemas.microsoft.com/office/drawing/2010/main">
+                <a:solidFill>
+                  <a:srgbClr val="FFFFFF"/>
+                </a:solidFill>
+              </a14:hiddenFill>
+            </a:ext>
+          </a:extLst>
+        </p:spPr>
+      </p:pic>
+      <p:pic>
+        <p:nvPicPr>
+          <p:cNvPr id="1030" name="Picture 6" descr="Image result for webcomponents">
+            <a:extLst>
+              <a:ext uri="{FF2B5EF4-FFF2-40B4-BE49-F238E27FC236}">
+                <a16:creationId xmlns:a16="http://schemas.microsoft.com/office/drawing/2014/main" id="{FAED3F3B-330B-4979-8DA1-5D0FF9536854}"/>
+              </a:ext>
+            </a:extLst>
+          </p:cNvPr>
+          <p:cNvPicPr>
+            <a:picLocks noChangeAspect="1" noChangeArrowheads="1"/>
+          </p:cNvPicPr>
+          <p:nvPr/>
+        </p:nvPicPr>
+        <p:blipFill rotWithShape="1">
+          <a:blip r:embed="rId3">
+            <a:extLst>
+              <a:ext uri="{28A0092B-C50C-407E-A947-70E740481C1C}">
+                <a14:useLocalDpi xmlns:a14="http://schemas.microsoft.com/office/drawing/2010/main" val="0"/>
+              </a:ext>
+            </a:extLst>
+          </a:blip>
+          <a:srcRect l="21308" t="32215" r="34196" b="32946"/>
+          <a:stretch/>
+        </p:blipFill>
+        <p:spPr bwMode="auto">
+          <a:xfrm>
+            <a:off x="6662393" y="3129933"/>
+            <a:ext cx="4250987" cy="992222"/>
+          </a:xfrm>
+          <a:prstGeom prst="rect">
+            <a:avLst/>
+          </a:prstGeom>
+          <a:noFill/>
+          <a:extLst>
+            <a:ext uri="{909E8E84-426E-40DD-AFC4-6F175D3DCCD1}">
+              <a14:hiddenFill xmlns:a14="http://schemas.microsoft.com/office/drawing/2010/main">
+                <a:solidFill>
+                  <a:srgbClr val="FFFFFF"/>
+                </a:solidFill>
+              </a14:hiddenFill>
+            </a:ext>
+          </a:extLst>
+        </p:spPr>
+      </p:pic>
+      <p:pic>
+        <p:nvPicPr>
+          <p:cNvPr id="2" name="Picture 1">
+            <a:extLst>
+              <a:ext uri="{FF2B5EF4-FFF2-40B4-BE49-F238E27FC236}">
+                <a16:creationId xmlns:a16="http://schemas.microsoft.com/office/drawing/2014/main" id="{9B998D16-931F-4FBF-8543-585B267D5410}"/>
+              </a:ext>
+            </a:extLst>
+          </p:cNvPr>
+          <p:cNvPicPr>
+            <a:picLocks noChangeAspect="1"/>
+          </p:cNvPicPr>
+          <p:nvPr/>
+        </p:nvPicPr>
+        <p:blipFill>
+          <a:blip r:embed="rId4"/>
+          <a:stretch>
+            <a:fillRect/>
+          </a:stretch>
+        </p:blipFill>
+        <p:spPr>
+          <a:xfrm>
+            <a:off x="6662393" y="1546452"/>
+            <a:ext cx="4067175" cy="1085850"/>
+          </a:xfrm>
+          <a:prstGeom prst="rect">
+            <a:avLst/>
+          </a:prstGeom>
+        </p:spPr>
+      </p:pic>
+      <p:sp>
+        <p:nvSpPr>
+          <p:cNvPr id="3" name="TextBox 2">
+            <a:extLst>
+              <a:ext uri="{FF2B5EF4-FFF2-40B4-BE49-F238E27FC236}">
+                <a16:creationId xmlns:a16="http://schemas.microsoft.com/office/drawing/2014/main" id="{815B524F-1C91-4FC5-A6FC-00A19F075B09}"/>
+              </a:ext>
+            </a:extLst>
+          </p:cNvPr>
+          <p:cNvSpPr txBox="1"/>
+          <p:nvPr/>
+        </p:nvSpPr>
+        <p:spPr>
+          <a:xfrm>
+            <a:off x="7312695" y="1999933"/>
+            <a:ext cx="65" cy="276999"/>
+          </a:xfrm>
+          <a:prstGeom prst="rect">
+            <a:avLst/>
+          </a:prstGeom>
+          <a:noFill/>
+        </p:spPr>
+        <p:txBody>
+          <a:bodyPr wrap="none" lIns="0" tIns="0" rIns="0" bIns="0" rtlCol="0">
+            <a:spAutoFit/>
+          </a:bodyPr>
+          <a:lstStyle/>
+          <a:p>
+            <a:pPr fontAlgn="base">
+              <a:spcBef>
+                <a:spcPct val="50000"/>
+              </a:spcBef>
+              <a:spcAft>
+                <a:spcPct val="0"/>
+              </a:spcAft>
+              <a:buClr>
+                <a:srgbClr val="F0AB00"/>
+              </a:buClr>
+              <a:buSzPct val="80000"/>
+            </a:pPr>
+            <a:endParaRPr lang="en-IN" sz="1800" kern="0" dirty="0" err="1">
+              <a:ea typeface="Arial Unicode MS" pitchFamily="34" charset="-128"/>
+              <a:cs typeface="Arial Unicode MS" pitchFamily="34" charset="-128"/>
+            </a:endParaRPr>
+          </a:p>
+        </p:txBody>
+      </p:sp>
+      <p:sp>
+        <p:nvSpPr>
+          <p:cNvPr id="6" name="Arrow: Down 5">
+            <a:extLst>
+              <a:ext uri="{FF2B5EF4-FFF2-40B4-BE49-F238E27FC236}">
+                <a16:creationId xmlns:a16="http://schemas.microsoft.com/office/drawing/2014/main" id="{83215E1C-B44F-4178-96C1-5ED7A6F76533}"/>
+              </a:ext>
+            </a:extLst>
+          </p:cNvPr>
+          <p:cNvSpPr/>
+          <p:nvPr/>
+        </p:nvSpPr>
+        <p:spPr bwMode="gray">
+          <a:xfrm>
+            <a:off x="3795110" y="1520365"/>
+            <a:ext cx="1457966" cy="4669828"/>
+          </a:xfrm>
+          <a:prstGeom prst="downArrow">
+            <a:avLst/>
+          </a:prstGeom>
+          <a:gradFill flip="none" rotWithShape="1">
+            <a:gsLst>
+              <a:gs pos="0">
+                <a:schemeClr val="accent5"/>
+              </a:gs>
+              <a:gs pos="23000">
+                <a:schemeClr val="accent5"/>
+              </a:gs>
+              <a:gs pos="100000">
+                <a:schemeClr val="accent4"/>
+              </a:gs>
+            </a:gsLst>
+            <a:lin ang="16200000" scaled="1"/>
+            <a:tileRect/>
+          </a:gradFill>
+          <a:ln w="25400" algn="ctr">
+            <a:solidFill>
+              <a:schemeClr val="tx1"/>
+            </a:solidFill>
+            <a:miter lim="800000"/>
+            <a:headEnd/>
+            <a:tailEnd/>
+          </a:ln>
+        </p:spPr>
+        <p:txBody>
+          <a:bodyPr lIns="90000" tIns="72000" rIns="90000" bIns="72000" rtlCol="0" anchor="ctr"/>
+          <a:lstStyle/>
+          <a:p>
+            <a:pPr marR="0" algn="ctr" defTabSz="914400" eaLnBrk="1" fontAlgn="base" latinLnBrk="0" hangingPunct="1">
+              <a:lnSpc>
+                <a:spcPct val="100000"/>
+              </a:lnSpc>
+              <a:spcBef>
+                <a:spcPct val="50000"/>
+              </a:spcBef>
+              <a:spcAft>
+                <a:spcPct val="0"/>
+              </a:spcAft>
+              <a:buClr>
+                <a:srgbClr val="F0AB00"/>
+              </a:buClr>
+              <a:buSzPct val="80000"/>
+              <a:tabLst/>
+            </a:pPr>
+            <a:endParaRPr kumimoji="0" lang="en-IN" sz="1800" b="0" i="0" u="none" strike="noStrike" kern="0" cap="none" spc="0" normalizeH="0" baseline="0" noProof="0" dirty="0" err="1">
+              <a:ln>
+                <a:noFill/>
+              </a:ln>
+              <a:effectLst/>
+              <a:uLnTx/>
+              <a:uFillTx/>
+              <a:ea typeface="Arial Unicode MS" pitchFamily="34" charset="-128"/>
+              <a:cs typeface="Arial Unicode MS" pitchFamily="34" charset="-128"/>
+            </a:endParaRPr>
+          </a:p>
+        </p:txBody>
+      </p:sp>
+      <p:sp>
+        <p:nvSpPr>
+          <p:cNvPr id="7" name="TextBox 6">
+            <a:extLst>
+              <a:ext uri="{FF2B5EF4-FFF2-40B4-BE49-F238E27FC236}">
+                <a16:creationId xmlns:a16="http://schemas.microsoft.com/office/drawing/2014/main" id="{8AE00B17-18C6-40F4-82CB-6F6E381FDE53}"/>
+              </a:ext>
+            </a:extLst>
+          </p:cNvPr>
+          <p:cNvSpPr txBox="1"/>
+          <p:nvPr/>
+        </p:nvSpPr>
+        <p:spPr>
+          <a:xfrm>
+            <a:off x="2286000" y="1569046"/>
+            <a:ext cx="820738" cy="430887"/>
+          </a:xfrm>
+          <a:prstGeom prst="rect">
+            <a:avLst/>
+          </a:prstGeom>
+          <a:noFill/>
+        </p:spPr>
+        <p:txBody>
+          <a:bodyPr wrap="none" lIns="0" tIns="0" rIns="0" bIns="0" rtlCol="0">
+            <a:spAutoFit/>
+          </a:bodyPr>
+          <a:lstStyle/>
+          <a:p>
+            <a:pPr fontAlgn="base">
+              <a:spcBef>
+                <a:spcPct val="50000"/>
+              </a:spcBef>
+              <a:spcAft>
+                <a:spcPct val="0"/>
+              </a:spcAft>
+              <a:buClr>
+                <a:srgbClr val="F0AB00"/>
+              </a:buClr>
+              <a:buSzPct val="80000"/>
+            </a:pPr>
+            <a:r>
+              <a:rPr lang="en-IN" sz="2800" kern="0" dirty="0">
+                <a:ea typeface="Arial Unicode MS" pitchFamily="34" charset="-128"/>
+                <a:cs typeface="Arial Unicode MS" pitchFamily="34" charset="-128"/>
+              </a:rPr>
+              <a:t>More</a:t>
+            </a:r>
+          </a:p>
+        </p:txBody>
+      </p:sp>
+      <p:sp>
+        <p:nvSpPr>
+          <p:cNvPr id="11" name="TextBox 10">
+            <a:extLst>
+              <a:ext uri="{FF2B5EF4-FFF2-40B4-BE49-F238E27FC236}">
+                <a16:creationId xmlns:a16="http://schemas.microsoft.com/office/drawing/2014/main" id="{71335BC2-956D-4036-BA65-E2AD2A069901}"/>
+              </a:ext>
+            </a:extLst>
+          </p:cNvPr>
+          <p:cNvSpPr txBox="1"/>
+          <p:nvPr/>
+        </p:nvSpPr>
+        <p:spPr>
+          <a:xfrm>
+            <a:off x="2309788" y="5295833"/>
+            <a:ext cx="759823" cy="430887"/>
+          </a:xfrm>
+          <a:prstGeom prst="rect">
+            <a:avLst/>
+          </a:prstGeom>
+          <a:noFill/>
+        </p:spPr>
+        <p:txBody>
+          <a:bodyPr wrap="none" lIns="0" tIns="0" rIns="0" bIns="0" rtlCol="0">
+            <a:spAutoFit/>
+          </a:bodyPr>
+          <a:lstStyle/>
+          <a:p>
+            <a:pPr fontAlgn="base">
+              <a:spcBef>
+                <a:spcPct val="50000"/>
+              </a:spcBef>
+              <a:spcAft>
+                <a:spcPct val="0"/>
+              </a:spcAft>
+              <a:buClr>
+                <a:srgbClr val="F0AB00"/>
+              </a:buClr>
+              <a:buSzPct val="80000"/>
+            </a:pPr>
+            <a:r>
+              <a:rPr lang="en-IN" sz="2800" kern="0" dirty="0">
+                <a:ea typeface="Arial Unicode MS" pitchFamily="34" charset="-128"/>
+                <a:cs typeface="Arial Unicode MS" pitchFamily="34" charset="-128"/>
+              </a:rPr>
+              <a:t>Less</a:t>
+            </a:r>
+          </a:p>
+        </p:txBody>
+      </p:sp>
+    </p:spTree>
+    <p:extLst>
+      <p:ext uri="{BB962C8B-B14F-4D97-AF65-F5344CB8AC3E}">
+        <p14:creationId xmlns:p14="http://schemas.microsoft.com/office/powerpoint/2010/main" val="3119565167"/>
+      </p:ext>
+    </p:extLst>
+  </p:cSld>
+  <p:clrMapOvr>
+    <a:masterClrMapping/>
+  </p:clrMapOvr>
+</p:sld>
+</file>
+
+<file path=ppt/slides/slide13.xml><?xml version="1.0" encoding="utf-8"?>
+<p:sld xmlns:a="http://schemas.openxmlformats.org/drawingml/2006/main" xmlns:r="http://schemas.openxmlformats.org/officeDocument/2006/relationships" xmlns:p="http://schemas.openxmlformats.org/presentationml/2006/main">
+  <p:cSld>
+    <p:spTree>
+      <p:nvGrpSpPr>
+        <p:cNvPr id="1" name=""/>
+        <p:cNvGrpSpPr/>
+        <p:nvPr/>
+      </p:nvGrpSpPr>
+      <p:grpSpPr>
+        <a:xfrm>
+          <a:off x="0" y="0"/>
+          <a:ext cx="0" cy="0"/>
+          <a:chOff x="0" y="0"/>
+          <a:chExt cx="0" cy="0"/>
+        </a:xfrm>
+      </p:grpSpPr>
+      <p:sp>
+        <p:nvSpPr>
+          <p:cNvPr id="4" name="Title 3"/>
+          <p:cNvSpPr>
+            <a:spLocks noGrp="1"/>
+          </p:cNvSpPr>
+          <p:nvPr>
+            <p:ph type="title"/>
+          </p:nvPr>
+        </p:nvSpPr>
+        <p:spPr>
+          <a:xfrm>
+            <a:off x="503999" y="529807"/>
+            <a:ext cx="11186476" cy="646331"/>
+          </a:xfrm>
+        </p:spPr>
+        <p:txBody>
+          <a:bodyPr/>
+          <a:lstStyle/>
+          <a:p>
+            <a:r>
+              <a:rPr lang="en-US" dirty="0"/>
+              <a:t>Performance</a:t>
+            </a:r>
+            <a:br>
+              <a:rPr lang="en-US" dirty="0"/>
+            </a:br>
+            <a:endParaRPr lang="en-US" sz="1800" b="0" dirty="0"/>
+          </a:p>
+        </p:txBody>
+      </p:sp>
+      <p:pic>
+        <p:nvPicPr>
+          <p:cNvPr id="1026" name="Picture 2" descr="Image result for ui5">
+            <a:extLst>
+              <a:ext uri="{FF2B5EF4-FFF2-40B4-BE49-F238E27FC236}">
+                <a16:creationId xmlns:a16="http://schemas.microsoft.com/office/drawing/2014/main" id="{0F0EAADC-2A0F-48A8-8AE3-C1093C1DD03C}"/>
+              </a:ext>
+            </a:extLst>
+          </p:cNvPr>
+          <p:cNvPicPr>
+            <a:picLocks noChangeAspect="1" noChangeArrowheads="1"/>
+          </p:cNvPicPr>
+          <p:nvPr/>
+        </p:nvPicPr>
+        <p:blipFill>
+          <a:blip r:embed="rId2">
+            <a:extLst>
+              <a:ext uri="{28A0092B-C50C-407E-A947-70E740481C1C}">
+                <a14:useLocalDpi xmlns:a14="http://schemas.microsoft.com/office/drawing/2010/main" val="0"/>
+              </a:ext>
+            </a:extLst>
+          </a:blip>
+          <a:srcRect/>
+          <a:stretch>
+            <a:fillRect/>
+          </a:stretch>
+        </p:blipFill>
+        <p:spPr bwMode="auto">
+          <a:xfrm>
+            <a:off x="5957735" y="4325888"/>
+            <a:ext cx="4002241" cy="1647589"/>
+          </a:xfrm>
+          <a:prstGeom prst="rect">
+            <a:avLst/>
+          </a:prstGeom>
+          <a:noFill/>
+          <a:extLst>
+            <a:ext uri="{909E8E84-426E-40DD-AFC4-6F175D3DCCD1}">
+              <a14:hiddenFill xmlns:a14="http://schemas.microsoft.com/office/drawing/2010/main">
+                <a:solidFill>
+                  <a:srgbClr val="FFFFFF"/>
+                </a:solidFill>
+              </a14:hiddenFill>
+            </a:ext>
+          </a:extLst>
+        </p:spPr>
+      </p:pic>
+      <p:pic>
+        <p:nvPicPr>
+          <p:cNvPr id="1030" name="Picture 6" descr="Image result for webcomponents">
+            <a:extLst>
+              <a:ext uri="{FF2B5EF4-FFF2-40B4-BE49-F238E27FC236}">
+                <a16:creationId xmlns:a16="http://schemas.microsoft.com/office/drawing/2014/main" id="{FAED3F3B-330B-4979-8DA1-5D0FF9536854}"/>
+              </a:ext>
+            </a:extLst>
+          </p:cNvPr>
+          <p:cNvPicPr>
+            <a:picLocks noChangeAspect="1" noChangeArrowheads="1"/>
+          </p:cNvPicPr>
+          <p:nvPr/>
+        </p:nvPicPr>
+        <p:blipFill rotWithShape="1">
+          <a:blip r:embed="rId3">
+            <a:extLst>
+              <a:ext uri="{28A0092B-C50C-407E-A947-70E740481C1C}">
+                <a14:useLocalDpi xmlns:a14="http://schemas.microsoft.com/office/drawing/2010/main" val="0"/>
+              </a:ext>
+            </a:extLst>
+          </a:blip>
+          <a:srcRect l="21308" t="32215" r="34196" b="32946"/>
+          <a:stretch/>
+        </p:blipFill>
+        <p:spPr bwMode="auto">
+          <a:xfrm>
+            <a:off x="6662393" y="3129933"/>
+            <a:ext cx="4250987" cy="992222"/>
+          </a:xfrm>
+          <a:prstGeom prst="rect">
+            <a:avLst/>
+          </a:prstGeom>
+          <a:noFill/>
+          <a:extLst>
+            <a:ext uri="{909E8E84-426E-40DD-AFC4-6F175D3DCCD1}">
+              <a14:hiddenFill xmlns:a14="http://schemas.microsoft.com/office/drawing/2010/main">
+                <a:solidFill>
+                  <a:srgbClr val="FFFFFF"/>
+                </a:solidFill>
+              </a14:hiddenFill>
+            </a:ext>
+          </a:extLst>
+        </p:spPr>
+      </p:pic>
+      <p:pic>
+        <p:nvPicPr>
+          <p:cNvPr id="2" name="Picture 1">
+            <a:extLst>
+              <a:ext uri="{FF2B5EF4-FFF2-40B4-BE49-F238E27FC236}">
+                <a16:creationId xmlns:a16="http://schemas.microsoft.com/office/drawing/2014/main" id="{9B998D16-931F-4FBF-8543-585B267D5410}"/>
+              </a:ext>
+            </a:extLst>
+          </p:cNvPr>
+          <p:cNvPicPr>
+            <a:picLocks noChangeAspect="1"/>
+          </p:cNvPicPr>
+          <p:nvPr/>
+        </p:nvPicPr>
+        <p:blipFill>
+          <a:blip r:embed="rId4"/>
+          <a:stretch>
+            <a:fillRect/>
+          </a:stretch>
+        </p:blipFill>
+        <p:spPr>
+          <a:xfrm>
+            <a:off x="6662393" y="1546452"/>
+            <a:ext cx="4067175" cy="1085850"/>
+          </a:xfrm>
+          <a:prstGeom prst="rect">
+            <a:avLst/>
+          </a:prstGeom>
+        </p:spPr>
+      </p:pic>
+      <p:sp>
+        <p:nvSpPr>
+          <p:cNvPr id="3" name="TextBox 2">
+            <a:extLst>
+              <a:ext uri="{FF2B5EF4-FFF2-40B4-BE49-F238E27FC236}">
+                <a16:creationId xmlns:a16="http://schemas.microsoft.com/office/drawing/2014/main" id="{815B524F-1C91-4FC5-A6FC-00A19F075B09}"/>
+              </a:ext>
+            </a:extLst>
+          </p:cNvPr>
+          <p:cNvSpPr txBox="1"/>
+          <p:nvPr/>
+        </p:nvSpPr>
+        <p:spPr>
+          <a:xfrm>
+            <a:off x="7312695" y="1999933"/>
+            <a:ext cx="65" cy="276999"/>
+          </a:xfrm>
+          <a:prstGeom prst="rect">
+            <a:avLst/>
+          </a:prstGeom>
+          <a:noFill/>
+        </p:spPr>
+        <p:txBody>
+          <a:bodyPr wrap="none" lIns="0" tIns="0" rIns="0" bIns="0" rtlCol="0">
+            <a:spAutoFit/>
+          </a:bodyPr>
+          <a:lstStyle/>
+          <a:p>
+            <a:pPr fontAlgn="base">
+              <a:spcBef>
+                <a:spcPct val="50000"/>
+              </a:spcBef>
+              <a:spcAft>
+                <a:spcPct val="0"/>
+              </a:spcAft>
+              <a:buClr>
+                <a:srgbClr val="F0AB00"/>
+              </a:buClr>
+              <a:buSzPct val="80000"/>
+            </a:pPr>
+            <a:endParaRPr lang="en-IN" sz="1800" kern="0" dirty="0" err="1">
+              <a:ea typeface="Arial Unicode MS" pitchFamily="34" charset="-128"/>
+              <a:cs typeface="Arial Unicode MS" pitchFamily="34" charset="-128"/>
+            </a:endParaRPr>
+          </a:p>
+        </p:txBody>
+      </p:sp>
+      <p:sp>
+        <p:nvSpPr>
+          <p:cNvPr id="6" name="Arrow: Down 5">
+            <a:extLst>
+              <a:ext uri="{FF2B5EF4-FFF2-40B4-BE49-F238E27FC236}">
+                <a16:creationId xmlns:a16="http://schemas.microsoft.com/office/drawing/2014/main" id="{83215E1C-B44F-4178-96C1-5ED7A6F76533}"/>
+              </a:ext>
+            </a:extLst>
+          </p:cNvPr>
+          <p:cNvSpPr/>
+          <p:nvPr/>
+        </p:nvSpPr>
+        <p:spPr bwMode="gray">
+          <a:xfrm>
+            <a:off x="3795110" y="1520365"/>
+            <a:ext cx="1457966" cy="4669828"/>
+          </a:xfrm>
+          <a:prstGeom prst="downArrow">
+            <a:avLst/>
+          </a:prstGeom>
+          <a:gradFill flip="none" rotWithShape="1">
+            <a:gsLst>
+              <a:gs pos="0">
+                <a:schemeClr val="accent5"/>
+              </a:gs>
+              <a:gs pos="23000">
+                <a:schemeClr val="accent5"/>
+              </a:gs>
+              <a:gs pos="100000">
+                <a:schemeClr val="accent4"/>
+              </a:gs>
+            </a:gsLst>
+            <a:lin ang="16200000" scaled="1"/>
+            <a:tileRect/>
+          </a:gradFill>
+          <a:ln w="25400" algn="ctr">
+            <a:solidFill>
+              <a:schemeClr val="tx1"/>
+            </a:solidFill>
+            <a:miter lim="800000"/>
+            <a:headEnd/>
+            <a:tailEnd/>
+          </a:ln>
+        </p:spPr>
+        <p:txBody>
+          <a:bodyPr lIns="90000" tIns="72000" rIns="90000" bIns="72000" rtlCol="0" anchor="ctr"/>
+          <a:lstStyle/>
+          <a:p>
+            <a:pPr marR="0" algn="ctr" defTabSz="914400" eaLnBrk="1" fontAlgn="base" latinLnBrk="0" hangingPunct="1">
+              <a:lnSpc>
+                <a:spcPct val="100000"/>
+              </a:lnSpc>
+              <a:spcBef>
+                <a:spcPct val="50000"/>
+              </a:spcBef>
+              <a:spcAft>
+                <a:spcPct val="0"/>
+              </a:spcAft>
+              <a:buClr>
+                <a:srgbClr val="F0AB00"/>
+              </a:buClr>
+              <a:buSzPct val="80000"/>
+              <a:tabLst/>
+            </a:pPr>
+            <a:endParaRPr kumimoji="0" lang="en-IN" sz="1800" b="0" i="0" u="none" strike="noStrike" kern="0" cap="none" spc="0" normalizeH="0" baseline="0" noProof="0" dirty="0" err="1">
+              <a:ln>
+                <a:noFill/>
+              </a:ln>
+              <a:effectLst/>
+              <a:uLnTx/>
+              <a:uFillTx/>
+              <a:ea typeface="Arial Unicode MS" pitchFamily="34" charset="-128"/>
+              <a:cs typeface="Arial Unicode MS" pitchFamily="34" charset="-128"/>
+            </a:endParaRPr>
+          </a:p>
+        </p:txBody>
+      </p:sp>
+      <p:sp>
+        <p:nvSpPr>
+          <p:cNvPr id="7" name="TextBox 6">
+            <a:extLst>
+              <a:ext uri="{FF2B5EF4-FFF2-40B4-BE49-F238E27FC236}">
+                <a16:creationId xmlns:a16="http://schemas.microsoft.com/office/drawing/2014/main" id="{8AE00B17-18C6-40F4-82CB-6F6E381FDE53}"/>
+              </a:ext>
+            </a:extLst>
+          </p:cNvPr>
+          <p:cNvSpPr txBox="1"/>
+          <p:nvPr/>
+        </p:nvSpPr>
+        <p:spPr>
+          <a:xfrm>
+            <a:off x="2286000" y="1569046"/>
+            <a:ext cx="698909" cy="430887"/>
+          </a:xfrm>
+          <a:prstGeom prst="rect">
+            <a:avLst/>
+          </a:prstGeom>
+          <a:noFill/>
+        </p:spPr>
+        <p:txBody>
+          <a:bodyPr wrap="none" lIns="0" tIns="0" rIns="0" bIns="0" rtlCol="0">
+            <a:spAutoFit/>
+          </a:bodyPr>
+          <a:lstStyle/>
+          <a:p>
+            <a:pPr fontAlgn="base">
+              <a:spcBef>
+                <a:spcPct val="50000"/>
+              </a:spcBef>
+              <a:spcAft>
+                <a:spcPct val="0"/>
+              </a:spcAft>
+              <a:buClr>
+                <a:srgbClr val="F0AB00"/>
+              </a:buClr>
+              <a:buSzPct val="80000"/>
+            </a:pPr>
+            <a:r>
+              <a:rPr lang="en-IN" sz="2800" kern="0" dirty="0">
+                <a:ea typeface="Arial Unicode MS" pitchFamily="34" charset="-128"/>
+                <a:cs typeface="Arial Unicode MS" pitchFamily="34" charset="-128"/>
+              </a:rPr>
+              <a:t>Fast</a:t>
+            </a:r>
+          </a:p>
+        </p:txBody>
+      </p:sp>
+      <p:sp>
+        <p:nvSpPr>
+          <p:cNvPr id="11" name="TextBox 10">
+            <a:extLst>
+              <a:ext uri="{FF2B5EF4-FFF2-40B4-BE49-F238E27FC236}">
+                <a16:creationId xmlns:a16="http://schemas.microsoft.com/office/drawing/2014/main" id="{71335BC2-956D-4036-BA65-E2AD2A069901}"/>
+              </a:ext>
+            </a:extLst>
+          </p:cNvPr>
+          <p:cNvSpPr txBox="1"/>
+          <p:nvPr/>
+        </p:nvSpPr>
+        <p:spPr>
+          <a:xfrm>
+            <a:off x="2309788" y="5295833"/>
+            <a:ext cx="779059" cy="430887"/>
+          </a:xfrm>
+          <a:prstGeom prst="rect">
+            <a:avLst/>
+          </a:prstGeom>
+          <a:noFill/>
+        </p:spPr>
+        <p:txBody>
+          <a:bodyPr wrap="none" lIns="0" tIns="0" rIns="0" bIns="0" rtlCol="0">
+            <a:spAutoFit/>
+          </a:bodyPr>
+          <a:lstStyle/>
+          <a:p>
+            <a:pPr fontAlgn="base">
+              <a:spcBef>
+                <a:spcPct val="50000"/>
+              </a:spcBef>
+              <a:spcAft>
+                <a:spcPct val="0"/>
+              </a:spcAft>
+              <a:buClr>
+                <a:srgbClr val="F0AB00"/>
+              </a:buClr>
+              <a:buSzPct val="80000"/>
+            </a:pPr>
+            <a:r>
+              <a:rPr lang="en-IN" sz="2800" kern="0" dirty="0">
+                <a:ea typeface="Arial Unicode MS" pitchFamily="34" charset="-128"/>
+                <a:cs typeface="Arial Unicode MS" pitchFamily="34" charset="-128"/>
+              </a:rPr>
+              <a:t>Slow</a:t>
+            </a:r>
+          </a:p>
+        </p:txBody>
+      </p:sp>
+    </p:spTree>
+    <p:extLst>
+      <p:ext uri="{BB962C8B-B14F-4D97-AF65-F5344CB8AC3E}">
+        <p14:creationId xmlns:p14="http://schemas.microsoft.com/office/powerpoint/2010/main" val="4200486556"/>
+      </p:ext>
+    </p:extLst>
+  </p:cSld>
+  <p:clrMapOvr>
+    <a:masterClrMapping/>
+  </p:clrMapOvr>
+</p:sld>
+</file>
+
+<file path=ppt/slides/slide14.xml><?xml version="1.0" encoding="utf-8"?>
+<p:sld xmlns:a="http://schemas.openxmlformats.org/drawingml/2006/main" xmlns:r="http://schemas.openxmlformats.org/officeDocument/2006/relationships" xmlns:p="http://schemas.openxmlformats.org/presentationml/2006/main">
+  <p:cSld>
+    <p:spTree>
+      <p:nvGrpSpPr>
+        <p:cNvPr id="1" name=""/>
+        <p:cNvGrpSpPr/>
+        <p:nvPr/>
+      </p:nvGrpSpPr>
+      <p:grpSpPr>
+        <a:xfrm>
+          <a:off x="0" y="0"/>
+          <a:ext cx="0" cy="0"/>
+          <a:chOff x="0" y="0"/>
+          <a:chExt cx="0" cy="0"/>
+        </a:xfrm>
+      </p:grpSpPr>
+      <p:sp>
+        <p:nvSpPr>
+          <p:cNvPr id="4" name="Title 3"/>
+          <p:cNvSpPr>
+            <a:spLocks noGrp="1"/>
+          </p:cNvSpPr>
+          <p:nvPr>
+            <p:ph type="title"/>
+          </p:nvPr>
+        </p:nvSpPr>
+        <p:spPr>
+          <a:xfrm>
+            <a:off x="503999" y="529807"/>
+            <a:ext cx="11186476" cy="369332"/>
+          </a:xfrm>
+        </p:spPr>
+        <p:txBody>
+          <a:bodyPr/>
+          <a:lstStyle/>
+          <a:p>
+            <a:r>
+              <a:rPr lang="en-US" dirty="0"/>
+              <a:t>Maturity of technology</a:t>
+            </a:r>
+            <a:endParaRPr lang="en-US" sz="1800" b="0" dirty="0"/>
+          </a:p>
+        </p:txBody>
+      </p:sp>
+      <p:sp>
+        <p:nvSpPr>
+          <p:cNvPr id="3" name="TextBox 2">
+            <a:extLst>
+              <a:ext uri="{FF2B5EF4-FFF2-40B4-BE49-F238E27FC236}">
+                <a16:creationId xmlns:a16="http://schemas.microsoft.com/office/drawing/2014/main" id="{815B524F-1C91-4FC5-A6FC-00A19F075B09}"/>
+              </a:ext>
+            </a:extLst>
+          </p:cNvPr>
+          <p:cNvSpPr txBox="1"/>
+          <p:nvPr/>
+        </p:nvSpPr>
+        <p:spPr>
+          <a:xfrm>
+            <a:off x="7312695" y="1999933"/>
+            <a:ext cx="65" cy="276999"/>
+          </a:xfrm>
+          <a:prstGeom prst="rect">
+            <a:avLst/>
+          </a:prstGeom>
+          <a:noFill/>
+        </p:spPr>
+        <p:txBody>
+          <a:bodyPr wrap="none" lIns="0" tIns="0" rIns="0" bIns="0" rtlCol="0">
+            <a:spAutoFit/>
+          </a:bodyPr>
+          <a:lstStyle/>
+          <a:p>
+            <a:pPr fontAlgn="base">
+              <a:spcBef>
+                <a:spcPct val="50000"/>
+              </a:spcBef>
+              <a:spcAft>
+                <a:spcPct val="0"/>
+              </a:spcAft>
+              <a:buClr>
+                <a:srgbClr val="F0AB00"/>
+              </a:buClr>
+              <a:buSzPct val="80000"/>
+            </a:pPr>
+            <a:endParaRPr lang="en-IN" sz="1800" kern="0" dirty="0" err="1">
+              <a:ea typeface="Arial Unicode MS" pitchFamily="34" charset="-128"/>
+              <a:cs typeface="Arial Unicode MS" pitchFamily="34" charset="-128"/>
+            </a:endParaRPr>
+          </a:p>
+        </p:txBody>
+      </p:sp>
+      <p:sp>
+        <p:nvSpPr>
+          <p:cNvPr id="10" name="Text Placeholder 10">
+            <a:extLst>
+              <a:ext uri="{FF2B5EF4-FFF2-40B4-BE49-F238E27FC236}">
+                <a16:creationId xmlns:a16="http://schemas.microsoft.com/office/drawing/2014/main" id="{1E703474-2FCD-4F5F-BCD4-1ABA450AD245}"/>
+              </a:ext>
+            </a:extLst>
+          </p:cNvPr>
+          <p:cNvSpPr>
+            <a:spLocks noGrp="1"/>
+          </p:cNvSpPr>
+          <p:nvPr>
+            <p:ph type="body" sz="quarter" idx="10"/>
+          </p:nvPr>
+        </p:nvSpPr>
+        <p:spPr>
+          <a:xfrm>
+            <a:off x="396995" y="1631315"/>
+            <a:ext cx="11186477" cy="4632790"/>
+          </a:xfrm>
+        </p:spPr>
+        <p:txBody>
+          <a:bodyPr>
+            <a:normAutofit/>
+          </a:bodyPr>
+          <a:lstStyle/>
+          <a:p>
+            <a:pPr marL="342900" lvl="0" indent="-342900">
+              <a:buFont typeface="Arial" panose="020B0604020202020204" pitchFamily="34" charset="0"/>
+              <a:buChar char="•"/>
+            </a:pPr>
+            <a:r>
+              <a:rPr lang="en-US" dirty="0"/>
+              <a:t>While </a:t>
+            </a:r>
+            <a:r>
+              <a:rPr lang="en-US" b="1" dirty="0"/>
+              <a:t>UI5</a:t>
+            </a:r>
+            <a:r>
+              <a:rPr lang="en-US" dirty="0"/>
+              <a:t> itself is quite mature framework, </a:t>
+            </a:r>
+            <a:r>
+              <a:rPr lang="en-US" b="1" dirty="0"/>
+              <a:t>UI5 web components </a:t>
+            </a:r>
+            <a:r>
+              <a:rPr lang="en-US" dirty="0"/>
+              <a:t>and </a:t>
+            </a:r>
+            <a:r>
+              <a:rPr lang="en-US" b="1" dirty="0"/>
+              <a:t>Fiori fundamentals </a:t>
+            </a:r>
+            <a:r>
+              <a:rPr lang="en-US" dirty="0"/>
+              <a:t>are not.</a:t>
+            </a:r>
+          </a:p>
+          <a:p>
+            <a:pPr marL="342900" lvl="0" indent="-342900">
+              <a:buFont typeface="Arial" panose="020B0604020202020204" pitchFamily="34" charset="0"/>
+              <a:buChar char="•"/>
+            </a:pPr>
+            <a:endParaRPr lang="en-US" dirty="0"/>
+          </a:p>
+          <a:p>
+            <a:pPr marL="342900" lvl="0" indent="-342900">
+              <a:buFont typeface="Arial" panose="020B0604020202020204" pitchFamily="34" charset="0"/>
+              <a:buChar char="•"/>
+            </a:pPr>
+            <a:r>
+              <a:rPr lang="en-US" dirty="0"/>
+              <a:t>There are some noticeable design inconsistencies between the three.</a:t>
+            </a:r>
+          </a:p>
+          <a:p>
+            <a:pPr marL="342900" lvl="0" indent="-342900">
+              <a:buFont typeface="Arial" panose="020B0604020202020204" pitchFamily="34" charset="0"/>
+              <a:buChar char="•"/>
+            </a:pPr>
+            <a:endParaRPr lang="en-US" dirty="0"/>
+          </a:p>
+          <a:p>
+            <a:pPr marL="342900" lvl="0" indent="-342900">
+              <a:buFont typeface="Arial" panose="020B0604020202020204" pitchFamily="34" charset="0"/>
+              <a:buChar char="•"/>
+            </a:pPr>
+            <a:r>
+              <a:rPr lang="en-US" dirty="0"/>
+              <a:t>Latter 2 have less number of UI controls compared to </a:t>
+            </a:r>
+            <a:r>
+              <a:rPr lang="en-US" b="1" dirty="0"/>
+              <a:t>UI5.</a:t>
+            </a:r>
+          </a:p>
+        </p:txBody>
+      </p:sp>
+    </p:spTree>
+    <p:extLst>
+      <p:ext uri="{BB962C8B-B14F-4D97-AF65-F5344CB8AC3E}">
+        <p14:creationId xmlns:p14="http://schemas.microsoft.com/office/powerpoint/2010/main" val="877190410"/>
+      </p:ext>
+    </p:extLst>
+  </p:cSld>
+  <p:clrMapOvr>
+    <a:masterClrMapping/>
+  </p:clrMapOvr>
+</p:sld>
+</file>
+
+<file path=ppt/slides/slide15.xml><?xml version="1.0" encoding="utf-8"?>
+<p:sld xmlns:a="http://schemas.openxmlformats.org/drawingml/2006/main" xmlns:r="http://schemas.openxmlformats.org/officeDocument/2006/relationships" xmlns:p="http://schemas.openxmlformats.org/presentationml/2006/main">
+  <p:cSld>
+    <p:spTree>
+      <p:nvGrpSpPr>
+        <p:cNvPr id="1" name=""/>
+        <p:cNvGrpSpPr/>
+        <p:nvPr/>
+      </p:nvGrpSpPr>
+      <p:grpSpPr>
+        <a:xfrm>
+          <a:off x="0" y="0"/>
+          <a:ext cx="0" cy="0"/>
+          <a:chOff x="0" y="0"/>
+          <a:chExt cx="0" cy="0"/>
+        </a:xfrm>
+      </p:grpSpPr>
+      <p:sp>
+        <p:nvSpPr>
+          <p:cNvPr id="2" name="Divider"/>
+          <p:cNvSpPr>
+            <a:spLocks noGrp="1"/>
+          </p:cNvSpPr>
+          <p:nvPr>
+            <p:ph type="ctrTitle"/>
+          </p:nvPr>
+        </p:nvSpPr>
+        <p:spPr/>
+        <p:txBody>
+          <a:bodyPr/>
+          <a:lstStyle/>
+          <a:p>
+            <a:r>
+              <a:rPr lang="en-US" dirty="0">
+                <a:solidFill>
+                  <a:schemeClr val="accent1"/>
+                </a:solidFill>
+              </a:rPr>
+              <a:t>Demo</a:t>
+            </a:r>
+          </a:p>
+        </p:txBody>
+      </p:sp>
+    </p:spTree>
+    <p:extLst>
+      <p:ext uri="{BB962C8B-B14F-4D97-AF65-F5344CB8AC3E}">
+        <p14:creationId xmlns:p14="http://schemas.microsoft.com/office/powerpoint/2010/main" val="2914631666"/>
+      </p:ext>
+    </p:extLst>
+  </p:cSld>
+  <p:clrMapOvr>
+    <a:masterClrMapping/>
+  </p:clrMapOvr>
+</p:sld>
+</file>
+
+<file path=ppt/slides/slide16.xml><?xml version="1.0" encoding="utf-8"?>
+<p:sld xmlns:a="http://schemas.openxmlformats.org/drawingml/2006/main" xmlns:r="http://schemas.openxmlformats.org/officeDocument/2006/relationships" xmlns:p="http://schemas.openxmlformats.org/presentationml/2006/main">
+  <p:cSld>
+    <p:spTree>
+      <p:nvGrpSpPr>
+        <p:cNvPr id="1" name=""/>
+        <p:cNvGrpSpPr/>
+        <p:nvPr/>
+      </p:nvGrpSpPr>
+      <p:grpSpPr>
+        <a:xfrm>
+          <a:off x="0" y="0"/>
+          <a:ext cx="0" cy="0"/>
+          <a:chOff x="0" y="0"/>
+          <a:chExt cx="0" cy="0"/>
+        </a:xfrm>
+      </p:grpSpPr>
+      <p:sp>
+        <p:nvSpPr>
+          <p:cNvPr id="2" name="Divider"/>
+          <p:cNvSpPr>
+            <a:spLocks noGrp="1"/>
+          </p:cNvSpPr>
+          <p:nvPr>
+            <p:ph type="ctrTitle"/>
+          </p:nvPr>
+        </p:nvSpPr>
+        <p:spPr/>
+        <p:txBody>
+          <a:bodyPr/>
+          <a:lstStyle/>
+          <a:p>
+            <a:r>
+              <a:rPr lang="en-US" dirty="0"/>
+              <a:t>Where do I go </a:t>
+            </a:r>
+            <a:r>
+              <a:rPr lang="en-US" dirty="0">
+                <a:solidFill>
+                  <a:schemeClr val="accent1"/>
+                </a:solidFill>
+              </a:rPr>
+              <a:t>from</a:t>
+            </a:r>
+            <a:r>
+              <a:rPr lang="en-US" dirty="0"/>
+              <a:t> </a:t>
+            </a:r>
+            <a:r>
+              <a:rPr lang="en-US" dirty="0">
+                <a:solidFill>
+                  <a:schemeClr val="accent1"/>
+                </a:solidFill>
+              </a:rPr>
+              <a:t>here?</a:t>
+            </a:r>
+          </a:p>
+        </p:txBody>
+      </p:sp>
+    </p:spTree>
+    <p:extLst>
+      <p:ext uri="{BB962C8B-B14F-4D97-AF65-F5344CB8AC3E}">
+        <p14:creationId xmlns:p14="http://schemas.microsoft.com/office/powerpoint/2010/main" val="3425652957"/>
+      </p:ext>
+    </p:extLst>
+  </p:cSld>
+  <p:clrMapOvr>
+    <a:masterClrMapping/>
+  </p:clrMapOvr>
+</p:sld>
+</file>
+
+<file path=ppt/slides/slide17.xml><?xml version="1.0" encoding="utf-8"?>
+<p:sld xmlns:a="http://schemas.openxmlformats.org/drawingml/2006/main" xmlns:r="http://schemas.openxmlformats.org/officeDocument/2006/relationships" xmlns:p="http://schemas.openxmlformats.org/presentationml/2006/main">
+  <p:cSld>
+    <p:spTree>
+      <p:nvGrpSpPr>
+        <p:cNvPr id="1" name=""/>
+        <p:cNvGrpSpPr/>
+        <p:nvPr/>
+      </p:nvGrpSpPr>
+      <p:grpSpPr>
+        <a:xfrm>
+          <a:off x="0" y="0"/>
+          <a:ext cx="0" cy="0"/>
+          <a:chOff x="0" y="0"/>
+          <a:chExt cx="0" cy="0"/>
+        </a:xfrm>
+      </p:grpSpPr>
+      <p:sp>
+        <p:nvSpPr>
+          <p:cNvPr id="11" name="Text Placeholder 10"/>
+          <p:cNvSpPr>
+            <a:spLocks noGrp="1"/>
+          </p:cNvSpPr>
+          <p:nvPr>
+            <p:ph type="body" sz="quarter" idx="10"/>
+          </p:nvPr>
+        </p:nvSpPr>
+        <p:spPr>
+          <a:xfrm>
+            <a:off x="503999" y="1225118"/>
+            <a:ext cx="11186477" cy="5110882"/>
+          </a:xfrm>
+        </p:spPr>
+        <p:txBody>
+          <a:bodyPr>
+            <a:normAutofit/>
+          </a:bodyPr>
+          <a:lstStyle/>
+          <a:p>
+            <a:pPr marL="342900" lvl="0" indent="-342900">
+              <a:buFont typeface="Arial" panose="020B0604020202020204" pitchFamily="34" charset="0"/>
+              <a:buChar char="•"/>
+            </a:pPr>
+            <a:r>
+              <a:rPr lang="en-US" dirty="0"/>
+              <a:t>Web components</a:t>
+            </a:r>
+          </a:p>
+          <a:p>
+            <a:pPr marL="522864" lvl="1" indent="-342900">
+              <a:buFont typeface="Arial" panose="020B0604020202020204" pitchFamily="34" charset="0"/>
+              <a:buChar char="•"/>
+            </a:pPr>
+            <a:r>
+              <a:rPr lang="en-IN" dirty="0">
+                <a:hlinkClick r:id="rId2"/>
+              </a:rPr>
+              <a:t>https://www.webcomponents.org/</a:t>
+            </a:r>
+            <a:endParaRPr lang="en-IN" dirty="0"/>
+          </a:p>
+          <a:p>
+            <a:pPr marL="522864" lvl="1" indent="-342900">
+              <a:buFont typeface="Arial" panose="020B0604020202020204" pitchFamily="34" charset="0"/>
+              <a:buChar char="•"/>
+            </a:pPr>
+            <a:r>
+              <a:rPr lang="en-IN" dirty="0">
+                <a:hlinkClick r:id="rId3"/>
+              </a:rPr>
+              <a:t>https://developer.mozilla.org/en-US/docs/Web/Web_Components</a:t>
+            </a:r>
+            <a:endParaRPr lang="en-IN" dirty="0"/>
+          </a:p>
+          <a:p>
+            <a:pPr marL="522864" lvl="1" indent="-342900">
+              <a:buFont typeface="Arial" panose="020B0604020202020204" pitchFamily="34" charset="0"/>
+              <a:buChar char="•"/>
+            </a:pPr>
+            <a:r>
+              <a:rPr lang="en-IN" dirty="0">
+                <a:hlinkClick r:id="rId4"/>
+              </a:rPr>
+              <a:t>https://sap.github.io/ui5-webcomponents/</a:t>
+            </a:r>
+            <a:endParaRPr lang="en-IN" dirty="0"/>
+          </a:p>
+          <a:p>
+            <a:pPr marL="342900" indent="-342900">
+              <a:buFont typeface="Arial" panose="020B0604020202020204" pitchFamily="34" charset="0"/>
+              <a:buChar char="•"/>
+            </a:pPr>
+            <a:r>
+              <a:rPr lang="en-IN" dirty="0"/>
+              <a:t>Fiori fundamentals</a:t>
+            </a:r>
+          </a:p>
+          <a:p>
+            <a:pPr marL="522864" lvl="1" indent="-342900">
+              <a:buFont typeface="Arial" panose="020B0604020202020204" pitchFamily="34" charset="0"/>
+              <a:buChar char="•"/>
+            </a:pPr>
+            <a:r>
+              <a:rPr lang="en-IN" dirty="0">
+                <a:hlinkClick r:id="rId5"/>
+              </a:rPr>
+              <a:t>https://sap.github.io/fundamental/</a:t>
+            </a:r>
+            <a:endParaRPr lang="en-IN" dirty="0"/>
+          </a:p>
+          <a:p>
+            <a:pPr marL="342900" indent="-342900">
+              <a:buFont typeface="Arial" panose="020B0604020202020204" pitchFamily="34" charset="0"/>
+              <a:buChar char="•"/>
+            </a:pPr>
+            <a:r>
+              <a:rPr lang="en-IN" dirty="0"/>
+              <a:t>Demo apps and examples</a:t>
+            </a:r>
+          </a:p>
+          <a:p>
+            <a:pPr marL="522864" lvl="1" indent="-342900">
+              <a:buFont typeface="Arial" panose="020B0604020202020204" pitchFamily="34" charset="0"/>
+              <a:buChar char="•"/>
+            </a:pPr>
+            <a:r>
+              <a:rPr lang="en-IN" dirty="0">
+                <a:hlinkClick r:id="rId6"/>
+              </a:rPr>
+              <a:t>https://github.com/rishabh62/UI5con</a:t>
+            </a:r>
+            <a:endParaRPr lang="en-IN" dirty="0"/>
+          </a:p>
+          <a:p>
+            <a:pPr marL="522864" lvl="1" indent="-342900">
+              <a:buFont typeface="Arial" panose="020B0604020202020204" pitchFamily="34" charset="0"/>
+              <a:buChar char="•"/>
+            </a:pPr>
+            <a:endParaRPr lang="en-US" b="1" dirty="0"/>
+          </a:p>
+        </p:txBody>
+      </p:sp>
+      <p:sp>
+        <p:nvSpPr>
+          <p:cNvPr id="4" name="Title 3"/>
+          <p:cNvSpPr>
+            <a:spLocks noGrp="1"/>
+          </p:cNvSpPr>
+          <p:nvPr>
+            <p:ph type="title"/>
+          </p:nvPr>
+        </p:nvSpPr>
+        <p:spPr>
+          <a:xfrm>
+            <a:off x="504001" y="504000"/>
+            <a:ext cx="11186476" cy="646331"/>
+          </a:xfrm>
+        </p:spPr>
+        <p:txBody>
+          <a:bodyPr/>
+          <a:lstStyle/>
+          <a:p>
+            <a:r>
+              <a:rPr lang="en-US" dirty="0"/>
+              <a:t>Some useful links</a:t>
+            </a:r>
+            <a:br>
+              <a:rPr lang="en-US" dirty="0"/>
+            </a:br>
+            <a:endParaRPr lang="en-US" sz="1800" b="0" dirty="0"/>
+          </a:p>
+        </p:txBody>
+      </p:sp>
+    </p:spTree>
+    <p:extLst>
+      <p:ext uri="{BB962C8B-B14F-4D97-AF65-F5344CB8AC3E}">
+        <p14:creationId xmlns:p14="http://schemas.microsoft.com/office/powerpoint/2010/main" val="44299804"/>
+      </p:ext>
+    </p:extLst>
+  </p:cSld>
+  <p:clrMapOvr>
+    <a:masterClrMapping/>
+  </p:clrMapOvr>
+</p:sld>
+</file>
+
+<file path=ppt/slides/slide18.xml><?xml version="1.0" encoding="utf-8"?>
+<p:sld xmlns:a="http://schemas.openxmlformats.org/drawingml/2006/main" xmlns:r="http://schemas.openxmlformats.org/officeDocument/2006/relationships" xmlns:p="http://schemas.openxmlformats.org/presentationml/2006/main">
+  <p:cSld>
+    <p:spTree>
+      <p:nvGrpSpPr>
+        <p:cNvPr id="1" name=""/>
+        <p:cNvGrpSpPr/>
+        <p:nvPr/>
+      </p:nvGrpSpPr>
+      <p:grpSpPr>
+        <a:xfrm>
+          <a:off x="0" y="0"/>
+          <a:ext cx="0" cy="0"/>
+          <a:chOff x="0" y="0"/>
+          <a:chExt cx="0" cy="0"/>
+        </a:xfrm>
+      </p:grpSpPr>
+      <p:sp>
+        <p:nvSpPr>
+          <p:cNvPr id="2" name="Thank you"/>
+          <p:cNvSpPr>
+            <a:spLocks noGrp="1"/>
+          </p:cNvSpPr>
+          <p:nvPr>
+            <p:ph type="ctrTitle"/>
+          </p:nvPr>
+        </p:nvSpPr>
+        <p:spPr/>
+        <p:txBody>
+          <a:bodyPr/>
+          <a:lstStyle/>
+          <a:p>
+            <a:r>
+              <a:rPr lang="en-US" dirty="0"/>
+              <a:t>Thank you </a:t>
+            </a:r>
+            <a:r>
+              <a:rPr lang="en-US" dirty="0">
+                <a:sym typeface="Wingdings" panose="05000000000000000000" pitchFamily="2" charset="2"/>
+              </a:rPr>
+              <a:t></a:t>
+            </a:r>
+            <a:endParaRPr lang="en-US" dirty="0"/>
+          </a:p>
+        </p:txBody>
+      </p:sp>
+      <p:sp>
+        <p:nvSpPr>
+          <p:cNvPr id="3" name="Contact information"/>
+          <p:cNvSpPr>
+            <a:spLocks noGrp="1"/>
+          </p:cNvSpPr>
+          <p:nvPr>
+            <p:ph type="body" sz="quarter" idx="10"/>
+          </p:nvPr>
+        </p:nvSpPr>
+        <p:spPr>
+          <a:xfrm>
+            <a:off x="504000" y="2905487"/>
+            <a:ext cx="5593588" cy="2501010"/>
+          </a:xfrm>
+        </p:spPr>
+        <p:txBody>
+          <a:bodyPr/>
+          <a:lstStyle/>
+          <a:p>
+            <a:r>
+              <a:rPr lang="en-US" dirty="0"/>
+              <a:t>Contact information:</a:t>
+            </a:r>
+          </a:p>
+          <a:p>
+            <a:pPr lvl="1"/>
+            <a:r>
+              <a:rPr lang="en-US" b="1" dirty="0">
+                <a:solidFill>
+                  <a:schemeClr val="accent4">
+                    <a:lumMod val="75000"/>
+                  </a:schemeClr>
+                </a:solidFill>
+              </a:rPr>
+              <a:t>Rishabh Gour</a:t>
+            </a:r>
+          </a:p>
+          <a:p>
+            <a:pPr lvl="1"/>
+            <a:r>
+              <a:rPr lang="en-US" dirty="0"/>
+              <a:t>UI5 consultant</a:t>
+            </a:r>
+          </a:p>
+          <a:p>
+            <a:pPr lvl="1"/>
+            <a:r>
+              <a:rPr lang="en-US" dirty="0">
+                <a:solidFill>
+                  <a:schemeClr val="accent1"/>
+                </a:solidFill>
+              </a:rPr>
+              <a:t>rishabhgour62@gmail.com</a:t>
+            </a:r>
+          </a:p>
+          <a:p>
+            <a:pPr lvl="1"/>
+            <a:endParaRPr lang="en-US" dirty="0">
+              <a:solidFill>
+                <a:schemeClr val="accent1"/>
+              </a:solidFill>
+            </a:endParaRPr>
+          </a:p>
+        </p:txBody>
+      </p:sp>
+      <p:pic>
+        <p:nvPicPr>
+          <p:cNvPr id="6" name="Picture 5">
+            <a:extLst>
+              <a:ext uri="{FF2B5EF4-FFF2-40B4-BE49-F238E27FC236}">
+                <a16:creationId xmlns:a16="http://schemas.microsoft.com/office/drawing/2014/main" id="{7CAFE5C7-8118-7B4A-821C-4150598BEB48}"/>
+              </a:ext>
+            </a:extLst>
+          </p:cNvPr>
+          <p:cNvPicPr>
+            <a:picLocks noChangeAspect="1"/>
+          </p:cNvPicPr>
+          <p:nvPr/>
+        </p:nvPicPr>
+        <p:blipFill>
+          <a:blip r:embed="rId2"/>
+          <a:stretch>
+            <a:fillRect/>
+          </a:stretch>
+        </p:blipFill>
+        <p:spPr>
+          <a:xfrm>
+            <a:off x="4828207" y="1250609"/>
+            <a:ext cx="7256701" cy="3553723"/>
+          </a:xfrm>
+          <a:prstGeom prst="rect">
+            <a:avLst/>
+          </a:prstGeom>
+        </p:spPr>
+      </p:pic>
+    </p:spTree>
+    <p:extLst>
+      <p:ext uri="{BB962C8B-B14F-4D97-AF65-F5344CB8AC3E}">
+        <p14:creationId xmlns:p14="http://schemas.microsoft.com/office/powerpoint/2010/main" val="1881851238"/>
+      </p:ext>
+    </p:extLst>
+  </p:cSld>
+  <p:clrMapOvr>
+    <a:masterClrMapping/>
+  </p:clrMapOvr>
+</p:sld>
+</file>
+
+<file path=ppt/slides/slide2.xml><?xml version="1.0" encoding="utf-8"?>
+<p:sld xmlns:a="http://schemas.openxmlformats.org/drawingml/2006/main" xmlns:r="http://schemas.openxmlformats.org/officeDocument/2006/relationships" xmlns:p="http://schemas.openxmlformats.org/presentationml/2006/main">
+  <p:cSld>
+    <p:spTree>
+      <p:nvGrpSpPr>
+        <p:cNvPr id="1" name=""/>
+        <p:cNvGrpSpPr/>
+        <p:nvPr/>
+      </p:nvGrpSpPr>
+      <p:grpSpPr>
+        <a:xfrm>
+          <a:off x="0" y="0"/>
+          <a:ext cx="0" cy="0"/>
+          <a:chOff x="0" y="0"/>
+          <a:chExt cx="0" cy="0"/>
+        </a:xfrm>
+      </p:grpSpPr>
+      <p:sp>
+        <p:nvSpPr>
+          <p:cNvPr id="2" name="Text Placeholder 1">
+            <a:extLst>
+              <a:ext uri="{FF2B5EF4-FFF2-40B4-BE49-F238E27FC236}">
+                <a16:creationId xmlns:a16="http://schemas.microsoft.com/office/drawing/2014/main" id="{A7ABE2D9-6B14-464B-8BF4-BB828D412A48}"/>
+              </a:ext>
+            </a:extLst>
+          </p:cNvPr>
+          <p:cNvSpPr>
+            <a:spLocks noGrp="1"/>
+          </p:cNvSpPr>
+          <p:nvPr>
+            <p:ph type="body" sz="quarter" idx="10"/>
+          </p:nvPr>
+        </p:nvSpPr>
+        <p:spPr/>
+        <p:txBody>
+          <a:bodyPr/>
+          <a:lstStyle/>
+          <a:p>
+            <a:pPr marL="342900" indent="-342900">
+              <a:buFont typeface="Arial" panose="020B0604020202020204" pitchFamily="34" charset="0"/>
+              <a:buChar char="•"/>
+            </a:pPr>
+            <a:r>
+              <a:rPr lang="en-IN" dirty="0"/>
+              <a:t>A web development enthusiast.</a:t>
+            </a:r>
+          </a:p>
+          <a:p>
+            <a:pPr marL="342900" indent="-342900">
+              <a:buFont typeface="Arial" panose="020B0604020202020204" pitchFamily="34" charset="0"/>
+              <a:buChar char="•"/>
+            </a:pPr>
+            <a:r>
+              <a:rPr lang="en-IN" dirty="0"/>
+              <a:t>Started my career with SAP Labs (July ‘16 – Sept ‘18).</a:t>
+            </a:r>
+          </a:p>
+          <a:p>
+            <a:pPr marL="342900" indent="-342900">
+              <a:buFont typeface="Arial" panose="020B0604020202020204" pitchFamily="34" charset="0"/>
+              <a:buChar char="•"/>
+            </a:pPr>
+            <a:r>
+              <a:rPr lang="en-IN" dirty="0"/>
+              <a:t>Currently working as a UI5 consultant for Evora IT solutions.</a:t>
+            </a:r>
+          </a:p>
+          <a:p>
+            <a:pPr marL="342900" indent="-342900">
+              <a:buFont typeface="Arial" panose="020B0604020202020204" pitchFamily="34" charset="0"/>
+              <a:buChar char="•"/>
+            </a:pPr>
+            <a:r>
+              <a:rPr lang="en-IN" dirty="0"/>
+              <a:t>Have 3 years of experience working with SAP UI5.</a:t>
+            </a:r>
+          </a:p>
+        </p:txBody>
+      </p:sp>
+      <p:sp>
+        <p:nvSpPr>
+          <p:cNvPr id="3" name="Title 2">
+            <a:extLst>
+              <a:ext uri="{FF2B5EF4-FFF2-40B4-BE49-F238E27FC236}">
+                <a16:creationId xmlns:a16="http://schemas.microsoft.com/office/drawing/2014/main" id="{368CE0D2-075C-4C4D-AED8-20E7FDCB2BD2}"/>
+              </a:ext>
+            </a:extLst>
+          </p:cNvPr>
+          <p:cNvSpPr>
+            <a:spLocks noGrp="1"/>
+          </p:cNvSpPr>
+          <p:nvPr>
+            <p:ph type="title"/>
+          </p:nvPr>
+        </p:nvSpPr>
+        <p:spPr/>
+        <p:txBody>
+          <a:bodyPr/>
+          <a:lstStyle/>
+          <a:p>
+            <a:r>
+              <a:rPr lang="en-IN" dirty="0">
+                <a:solidFill>
+                  <a:schemeClr val="accent1"/>
+                </a:solidFill>
+              </a:rPr>
+              <a:t>About me</a:t>
+            </a:r>
+          </a:p>
+        </p:txBody>
+      </p:sp>
+    </p:spTree>
+    <p:extLst>
+      <p:ext uri="{BB962C8B-B14F-4D97-AF65-F5344CB8AC3E}">
+        <p14:creationId xmlns:p14="http://schemas.microsoft.com/office/powerpoint/2010/main" val="4013321441"/>
       </p:ext>
     </p:extLst>
   </p:cSld>
@@ -3724,29 +6116,128 @@
             <p:ph type="body" sz="quarter" idx="10"/>
           </p:nvPr>
         </p:nvSpPr>
-        <p:spPr/>
+        <p:spPr>
+          <a:xfrm>
+            <a:off x="503999" y="1225118"/>
+            <a:ext cx="11186477" cy="5110882"/>
+          </a:xfrm>
+        </p:spPr>
         <p:txBody>
-          <a:bodyPr/>
+          <a:bodyPr>
+            <a:normAutofit/>
+          </a:bodyPr>
           <a:lstStyle/>
           <a:p>
             <a:pPr lvl="0"/>
             <a:r>
+              <a:rPr lang="en-US" b="1" dirty="0"/>
+              <a:t>Building up the foundation</a:t>
+            </a:r>
+          </a:p>
+          <a:p>
+            <a:pPr lvl="1"/>
+            <a:r>
               <a:rPr lang="en-US" dirty="0"/>
-              <a:t>First level</a:t>
+              <a:t>Explaining some fundamental terminologies</a:t>
+            </a:r>
+          </a:p>
+          <a:p>
+            <a:pPr lvl="2"/>
+            <a:r>
+              <a:rPr lang="en-US" dirty="0"/>
+              <a:t>Fiori</a:t>
+            </a:r>
+          </a:p>
+          <a:p>
+            <a:pPr lvl="2"/>
+            <a:r>
+              <a:rPr lang="en-US" dirty="0"/>
+              <a:t>UI5</a:t>
+            </a:r>
+          </a:p>
+          <a:p>
+            <a:pPr lvl="2"/>
+            <a:r>
+              <a:rPr lang="en-US" dirty="0"/>
+              <a:t>Web components </a:t>
+            </a:r>
+          </a:p>
+          <a:p>
+            <a:pPr lvl="3"/>
+            <a:r>
+              <a:rPr lang="en-US" dirty="0"/>
+              <a:t>UI5 web components</a:t>
+            </a:r>
+          </a:p>
+          <a:p>
+            <a:pPr lvl="2"/>
+            <a:r>
+              <a:rPr lang="en-US" dirty="0"/>
+              <a:t>Fiori fundamentals</a:t>
+            </a:r>
+          </a:p>
+          <a:p>
+            <a:pPr marL="576" lvl="1" indent="0">
+              <a:buNone/>
+            </a:pPr>
+            <a:r>
+              <a:rPr lang="en-US" b="1" dirty="0"/>
+              <a:t>Why UI5 web components and Fiori fundamentals</a:t>
+            </a:r>
+          </a:p>
+          <a:p>
+            <a:pPr marL="0" lvl="1" indent="0">
+              <a:buNone/>
+            </a:pPr>
+            <a:r>
+              <a:rPr lang="en-US" b="1" dirty="0"/>
+              <a:t>UI5 vs UI5 web components vs Fiori fundamentals</a:t>
             </a:r>
           </a:p>
           <a:p>
             <a:pPr lvl="1"/>
             <a:r>
               <a:rPr lang="en-US" dirty="0"/>
-              <a:t>Second level</a:t>
-            </a:r>
-          </a:p>
-          <a:p>
-            <a:pPr lvl="2"/>
+              <a:t>Ease of development</a:t>
+            </a:r>
+          </a:p>
+          <a:p>
+            <a:pPr lvl="1"/>
             <a:r>
               <a:rPr lang="en-US" dirty="0"/>
-              <a:t>Third level</a:t>
+              <a:t>Flexibility</a:t>
+            </a:r>
+          </a:p>
+          <a:p>
+            <a:pPr lvl="1"/>
+            <a:r>
+              <a:rPr lang="en-US" dirty="0"/>
+              <a:t>Performance</a:t>
+            </a:r>
+          </a:p>
+          <a:p>
+            <a:pPr lvl="1"/>
+            <a:r>
+              <a:rPr lang="en-US" dirty="0"/>
+              <a:t>Maturity</a:t>
+            </a:r>
+          </a:p>
+          <a:p>
+            <a:pPr marL="0" lvl="1" indent="0">
+              <a:buNone/>
+            </a:pPr>
+            <a:r>
+              <a:rPr lang="en-US" b="1" dirty="0"/>
+              <a:t>Demo</a:t>
+            </a:r>
+          </a:p>
+          <a:p>
+            <a:pPr marL="0" lvl="1" indent="0">
+              <a:buNone/>
+            </a:pPr>
+            <a:r>
+              <a:rPr lang="en-US" b="1" dirty="0"/>
+              <a:t>Where do I go from here?</a:t>
             </a:r>
           </a:p>
         </p:txBody>
@@ -3761,30 +6252,24 @@
             <p:ph type="title"/>
           </p:nvPr>
         </p:nvSpPr>
-        <p:spPr/>
+        <p:spPr>
+          <a:xfrm>
+            <a:off x="504001" y="504000"/>
+            <a:ext cx="11186476" cy="646331"/>
+          </a:xfrm>
+        </p:spPr>
         <p:txBody>
           <a:bodyPr/>
           <a:lstStyle/>
           <a:p>
             <a:r>
               <a:rPr lang="en-US" dirty="0"/>
-              <a:t>&lt;page title&gt;</a:t>
+              <a:t>Agenda</a:t>
             </a:r>
             <a:br>
               <a:rPr lang="en-US" dirty="0"/>
             </a:br>
-            <a:r>
-              <a:rPr lang="en-US" sz="1800" b="0" dirty="0"/>
-              <a:t>&lt;optional </a:t>
-            </a:r>
-            <a:r>
-              <a:rPr lang="en-US" sz="1800" b="0" dirty="0" err="1"/>
-              <a:t>subheadline</a:t>
-            </a:r>
-            <a:r>
-              <a:rPr lang="en-US" sz="1800" b="0" dirty="0"/>
-              <a:t>&gt;</a:t>
-            </a:r>
+            <a:endParaRPr lang="en-US" sz="1800" b="0" dirty="0"/>
           </a:p>
         </p:txBody>
       </p:sp>
@@ -3820,7 +6305,7 @@
       </p:grpSpPr>
       <p:sp>
         <p:nvSpPr>
-          <p:cNvPr id="2" name="Thank you"/>
+          <p:cNvPr id="2" name="Divider"/>
           <p:cNvSpPr>
             <a:spLocks noGrp="1"/>
           </p:cNvSpPr>
@@ -3835,65 +6320,2370 @@
           <a:p>
             <a:r>
               <a:rPr lang="en-US" dirty="0"/>
-              <a:t>Thank you.</a:t>
-            </a:r>
+              <a:t>Building up the </a:t>
+            </a:r>
+            <a:r>
+              <a:rPr lang="en-US" dirty="0">
+                <a:solidFill>
+                  <a:schemeClr val="accent1"/>
+                </a:solidFill>
+              </a:rPr>
+              <a:t>foundation</a:t>
+            </a:r>
+          </a:p>
+        </p:txBody>
+      </p:sp>
+    </p:spTree>
+    <p:extLst>
+      <p:ext uri="{BB962C8B-B14F-4D97-AF65-F5344CB8AC3E}">
+        <p14:creationId xmlns:p14="http://schemas.microsoft.com/office/powerpoint/2010/main" val="4036859107"/>
+      </p:ext>
+    </p:extLst>
+  </p:cSld>
+  <p:clrMapOvr>
+    <a:masterClrMapping/>
+  </p:clrMapOvr>
+</p:sld>
+</file>
+
+<file path=ppt/slides/slide5.xml><?xml version="1.0" encoding="utf-8"?>
+<p:sld xmlns:a="http://schemas.openxmlformats.org/drawingml/2006/main" xmlns:r="http://schemas.openxmlformats.org/officeDocument/2006/relationships" xmlns:p="http://schemas.openxmlformats.org/presentationml/2006/main">
+  <p:cSld>
+    <p:spTree>
+      <p:nvGrpSpPr>
+        <p:cNvPr id="1" name=""/>
+        <p:cNvGrpSpPr/>
+        <p:nvPr/>
+      </p:nvGrpSpPr>
+      <p:grpSpPr>
+        <a:xfrm>
+          <a:off x="0" y="0"/>
+          <a:ext cx="0" cy="0"/>
+          <a:chOff x="0" y="0"/>
+          <a:chExt cx="0" cy="0"/>
+        </a:xfrm>
+      </p:grpSpPr>
+      <p:sp>
+        <p:nvSpPr>
+          <p:cNvPr id="3" name="TextBox 2">
+            <a:extLst>
+              <a:ext uri="{FF2B5EF4-FFF2-40B4-BE49-F238E27FC236}">
+                <a16:creationId xmlns:a16="http://schemas.microsoft.com/office/drawing/2014/main" id="{815B524F-1C91-4FC5-A6FC-00A19F075B09}"/>
+              </a:ext>
+            </a:extLst>
+          </p:cNvPr>
+          <p:cNvSpPr txBox="1"/>
+          <p:nvPr/>
+        </p:nvSpPr>
+        <p:spPr>
+          <a:xfrm>
+            <a:off x="4021584" y="1988598"/>
+            <a:ext cx="65" cy="276999"/>
+          </a:xfrm>
+          <a:prstGeom prst="rect">
+            <a:avLst/>
+          </a:prstGeom>
+          <a:noFill/>
+        </p:spPr>
+        <p:txBody>
+          <a:bodyPr wrap="none" lIns="0" tIns="0" rIns="0" bIns="0" rtlCol="0">
+            <a:spAutoFit/>
+          </a:bodyPr>
+          <a:lstStyle/>
+          <a:p>
+            <a:pPr fontAlgn="base">
+              <a:spcBef>
+                <a:spcPct val="50000"/>
+              </a:spcBef>
+              <a:spcAft>
+                <a:spcPct val="0"/>
+              </a:spcAft>
+              <a:buClr>
+                <a:srgbClr val="F0AB00"/>
+              </a:buClr>
+              <a:buSzPct val="80000"/>
+            </a:pPr>
+            <a:endParaRPr lang="en-IN" sz="1800" kern="0" dirty="0" err="1">
+              <a:ea typeface="Arial Unicode MS" pitchFamily="34" charset="-128"/>
+              <a:cs typeface="Arial Unicode MS" pitchFamily="34" charset="-128"/>
+            </a:endParaRPr>
           </a:p>
         </p:txBody>
       </p:sp>
       <p:sp>
         <p:nvSpPr>
-          <p:cNvPr id="3" name="Contact information"/>
-          <p:cNvSpPr>
-            <a:spLocks noGrp="1"/>
+          <p:cNvPr id="10" name="Title 2">
+            <a:extLst>
+              <a:ext uri="{FF2B5EF4-FFF2-40B4-BE49-F238E27FC236}">
+                <a16:creationId xmlns:a16="http://schemas.microsoft.com/office/drawing/2014/main" id="{1B4AD625-4DE3-4182-95F0-F645D966DABA}"/>
+              </a:ext>
+            </a:extLst>
+          </p:cNvPr>
+          <p:cNvSpPr txBox="1">
+            <a:spLocks/>
           </p:cNvSpPr>
-          <p:nvPr>
-            <p:ph type="body" sz="quarter" idx="10"/>
-          </p:nvPr>
+          <p:nvPr/>
         </p:nvSpPr>
-        <p:spPr>
+        <p:spPr bwMode="black">
           <a:xfrm>
-            <a:off x="504000" y="2905487"/>
-            <a:ext cx="5593588" cy="2501010"/>
-          </a:xfrm>
+            <a:off x="349333" y="535070"/>
+            <a:ext cx="11496507" cy="594439"/>
+          </a:xfrm>
+          <a:prstGeom prst="rect">
+            <a:avLst/>
+          </a:prstGeom>
         </p:spPr>
         <p:txBody>
-          <a:bodyPr/>
-          <a:lstStyle/>
-          <a:p>
-            <a:r>
-              <a:rPr lang="en-US" dirty="0"/>
-              <a:t>Contact information:</a:t>
-            </a:r>
-          </a:p>
-          <a:p>
-            <a:pPr lvl="1"/>
-            <a:r>
-              <a:rPr lang="en-US" b="1" dirty="0"/>
-              <a:t>&lt;F name L name&gt;</a:t>
-            </a:r>
-          </a:p>
-          <a:p>
-            <a:pPr lvl="1"/>
-            <a:r>
-              <a:rPr lang="en-US" dirty="0"/>
-              <a:t>&lt;title&gt;</a:t>
-            </a:r>
-          </a:p>
-          <a:p>
-            <a:pPr lvl="1"/>
-            <a:r>
-              <a:rPr lang="en-US" dirty="0"/>
-              <a:t>&lt;contact data&gt;</a:t>
+          <a:bodyPr vert="horz" wrap="square" lIns="0" tIns="0" rIns="0" bIns="0" rtlCol="0" anchor="t" anchorCtr="0">
+            <a:normAutofit fontScale="97500"/>
+          </a:bodyPr>
+          <a:lstStyle>
+            <a:lvl1pPr algn="l" defTabSz="1088558" rtl="0" eaLnBrk="1" latinLnBrk="0" hangingPunct="1">
+              <a:spcBef>
+                <a:spcPct val="0"/>
+              </a:spcBef>
+              <a:buNone/>
+              <a:defRPr sz="2400" b="1" kern="1200" baseline="0">
+                <a:solidFill>
+                  <a:schemeClr val="tx1"/>
+                </a:solidFill>
+                <a:latin typeface="+mj-lt"/>
+                <a:ea typeface="+mj-ea"/>
+                <a:cs typeface="+mj-cs"/>
+              </a:defRPr>
+            </a:lvl1pPr>
+          </a:lstStyle>
+          <a:p>
+            <a:r>
+              <a:rPr lang="en-IN" dirty="0"/>
+              <a:t>UI5 vs Fiori</a:t>
             </a:r>
           </a:p>
         </p:txBody>
       </p:sp>
       <p:pic>
         <p:nvPicPr>
-          <p:cNvPr id="6" name="Picture 5">
+          <p:cNvPr id="13" name="Picture 8" descr="Image result for angular logo">
             <a:extLst>
               <a:ext uri="{FF2B5EF4-FFF2-40B4-BE49-F238E27FC236}">
-                <a16:creationId xmlns:a16="http://schemas.microsoft.com/office/drawing/2014/main" id="{7CAFE5C7-8118-7B4A-821C-4150598BEB48}"/>
+                <a16:creationId xmlns:a16="http://schemas.microsoft.com/office/drawing/2014/main" id="{CF4636F5-DE8F-43B3-B1BB-CA345B360E58}"/>
+              </a:ext>
+            </a:extLst>
+          </p:cNvPr>
+          <p:cNvPicPr>
+            <a:picLocks noChangeAspect="1" noChangeArrowheads="1"/>
+          </p:cNvPicPr>
+          <p:nvPr/>
+        </p:nvPicPr>
+        <p:blipFill>
+          <a:blip r:embed="rId2">
+            <a:extLst>
+              <a:ext uri="{28A0092B-C50C-407E-A947-70E740481C1C}">
+                <a14:useLocalDpi xmlns:a14="http://schemas.microsoft.com/office/drawing/2010/main" val="0"/>
+              </a:ext>
+            </a:extLst>
+          </a:blip>
+          <a:srcRect/>
+          <a:stretch>
+            <a:fillRect/>
+          </a:stretch>
+        </p:blipFill>
+        <p:spPr bwMode="auto">
+          <a:xfrm>
+            <a:off x="6846372" y="2085865"/>
+            <a:ext cx="1885682" cy="1885682"/>
+          </a:xfrm>
+          <a:prstGeom prst="rect">
+            <a:avLst/>
+          </a:prstGeom>
+          <a:noFill/>
+          <a:extLst>
+            <a:ext uri="{909E8E84-426E-40DD-AFC4-6F175D3DCCD1}">
+              <a14:hiddenFill xmlns:a14="http://schemas.microsoft.com/office/drawing/2010/main">
+                <a:solidFill>
+                  <a:srgbClr val="FFFFFF"/>
+                </a:solidFill>
+              </a14:hiddenFill>
+            </a:ext>
+          </a:extLst>
+        </p:spPr>
+      </p:pic>
+      <p:pic>
+        <p:nvPicPr>
+          <p:cNvPr id="14" name="Picture 12" descr="Image result for material design logo">
+            <a:extLst>
+              <a:ext uri="{FF2B5EF4-FFF2-40B4-BE49-F238E27FC236}">
+                <a16:creationId xmlns:a16="http://schemas.microsoft.com/office/drawing/2014/main" id="{C9BCE07D-B0FF-4563-BF11-5F602714C4FF}"/>
+              </a:ext>
+            </a:extLst>
+          </p:cNvPr>
+          <p:cNvPicPr>
+            <a:picLocks noChangeAspect="1" noChangeArrowheads="1"/>
+          </p:cNvPicPr>
+          <p:nvPr/>
+        </p:nvPicPr>
+        <p:blipFill>
+          <a:blip r:embed="rId3">
+            <a:extLst>
+              <a:ext uri="{28A0092B-C50C-407E-A947-70E740481C1C}">
+                <a14:useLocalDpi xmlns:a14="http://schemas.microsoft.com/office/drawing/2010/main" val="0"/>
+              </a:ext>
+            </a:extLst>
+          </a:blip>
+          <a:srcRect/>
+          <a:stretch>
+            <a:fillRect/>
+          </a:stretch>
+        </p:blipFill>
+        <p:spPr bwMode="auto">
+          <a:xfrm>
+            <a:off x="6748716" y="4252403"/>
+            <a:ext cx="2136551" cy="2136551"/>
+          </a:xfrm>
+          <a:prstGeom prst="rect">
+            <a:avLst/>
+          </a:prstGeom>
+          <a:noFill/>
+          <a:extLst>
+            <a:ext uri="{909E8E84-426E-40DD-AFC4-6F175D3DCCD1}">
+              <a14:hiddenFill xmlns:a14="http://schemas.microsoft.com/office/drawing/2010/main">
+                <a:solidFill>
+                  <a:srgbClr val="FFFFFF"/>
+                </a:solidFill>
+              </a14:hiddenFill>
+            </a:ext>
+          </a:extLst>
+        </p:spPr>
+      </p:pic>
+      <p:sp>
+        <p:nvSpPr>
+          <p:cNvPr id="15" name="Arrow: Left-Right 14">
+            <a:extLst>
+              <a:ext uri="{FF2B5EF4-FFF2-40B4-BE49-F238E27FC236}">
+                <a16:creationId xmlns:a16="http://schemas.microsoft.com/office/drawing/2014/main" id="{00E23513-532B-487B-8BB6-24C7D41CA4E8}"/>
+              </a:ext>
+            </a:extLst>
+          </p:cNvPr>
+          <p:cNvSpPr/>
+          <p:nvPr/>
+        </p:nvSpPr>
+        <p:spPr>
+          <a:xfrm>
+            <a:off x="4574831" y="2954739"/>
+            <a:ext cx="2109152" cy="400294"/>
+          </a:xfrm>
+          <a:prstGeom prst="leftRightArrow">
+            <a:avLst/>
+          </a:prstGeom>
+        </p:spPr>
+        <p:style>
+          <a:lnRef idx="2">
+            <a:schemeClr val="accent1">
+              <a:shade val="50000"/>
+            </a:schemeClr>
+          </a:lnRef>
+          <a:fillRef idx="1">
+            <a:schemeClr val="accent1"/>
+          </a:fillRef>
+          <a:effectRef idx="0">
+            <a:schemeClr val="accent1"/>
+          </a:effectRef>
+          <a:fontRef idx="minor">
+            <a:schemeClr val="lt1"/>
+          </a:fontRef>
+        </p:style>
+        <p:txBody>
+          <a:bodyPr rtlCol="0" anchor="ctr"/>
+          <a:lstStyle/>
+          <a:p>
+            <a:pPr algn="ctr"/>
+            <a:endParaRPr lang="en-IN"/>
+          </a:p>
+        </p:txBody>
+      </p:sp>
+      <p:sp>
+        <p:nvSpPr>
+          <p:cNvPr id="16" name="Arrow: Left-Right 15">
+            <a:extLst>
+              <a:ext uri="{FF2B5EF4-FFF2-40B4-BE49-F238E27FC236}">
+                <a16:creationId xmlns:a16="http://schemas.microsoft.com/office/drawing/2014/main" id="{8E03B0A5-198C-4946-A7F0-B09EF09FC675}"/>
+              </a:ext>
+            </a:extLst>
+          </p:cNvPr>
+          <p:cNvSpPr/>
+          <p:nvPr/>
+        </p:nvSpPr>
+        <p:spPr>
+          <a:xfrm>
+            <a:off x="4574831" y="5120529"/>
+            <a:ext cx="2109152" cy="400294"/>
+          </a:xfrm>
+          <a:prstGeom prst="leftRightArrow">
+            <a:avLst/>
+          </a:prstGeom>
+        </p:spPr>
+        <p:style>
+          <a:lnRef idx="2">
+            <a:schemeClr val="accent1">
+              <a:shade val="50000"/>
+            </a:schemeClr>
+          </a:lnRef>
+          <a:fillRef idx="1">
+            <a:schemeClr val="accent1"/>
+          </a:fillRef>
+          <a:effectRef idx="0">
+            <a:schemeClr val="accent1"/>
+          </a:effectRef>
+          <a:fontRef idx="minor">
+            <a:schemeClr val="lt1"/>
+          </a:fontRef>
+        </p:style>
+        <p:txBody>
+          <a:bodyPr rtlCol="0" anchor="ctr"/>
+          <a:lstStyle/>
+          <a:p>
+            <a:pPr algn="ctr"/>
+            <a:endParaRPr lang="en-IN"/>
+          </a:p>
+        </p:txBody>
+      </p:sp>
+      <p:sp>
+        <p:nvSpPr>
+          <p:cNvPr id="17" name="Rectangle 16">
+            <a:extLst>
+              <a:ext uri="{FF2B5EF4-FFF2-40B4-BE49-F238E27FC236}">
+                <a16:creationId xmlns:a16="http://schemas.microsoft.com/office/drawing/2014/main" id="{54237934-F0EC-462E-9AE6-B2F12F781516}"/>
+              </a:ext>
+            </a:extLst>
+          </p:cNvPr>
+          <p:cNvSpPr/>
+          <p:nvPr/>
+        </p:nvSpPr>
+        <p:spPr>
+          <a:xfrm>
+            <a:off x="9226838" y="2721114"/>
+            <a:ext cx="1803699" cy="707886"/>
+          </a:xfrm>
+          <a:prstGeom prst="rect">
+            <a:avLst/>
+          </a:prstGeom>
+          <a:noFill/>
+        </p:spPr>
+        <p:txBody>
+          <a:bodyPr wrap="none" lIns="91440" tIns="45720" rIns="91440" bIns="45720">
+            <a:spAutoFit/>
+          </a:bodyPr>
+          <a:lstStyle/>
+          <a:p>
+            <a:pPr algn="ctr"/>
+            <a:r>
+              <a:rPr lang="en-US" sz="4000" dirty="0">
+                <a:ln w="0"/>
+                <a:effectLst>
+                  <a:outerShdw blurRad="38100" dist="19050" dir="2700000" algn="tl" rotWithShape="0">
+                    <a:schemeClr val="dk1">
+                      <a:alpha val="40000"/>
+                    </a:schemeClr>
+                  </a:outerShdw>
+                </a:effectLst>
+              </a:rPr>
+              <a:t>Angular</a:t>
+            </a:r>
+            <a:endParaRPr lang="en-US" sz="4000" b="0" cap="none" spc="0" dirty="0">
+              <a:ln w="0"/>
+              <a:solidFill>
+                <a:schemeClr val="tx1"/>
+              </a:solidFill>
+              <a:effectLst>
+                <a:outerShdw blurRad="38100" dist="19050" dir="2700000" algn="tl" rotWithShape="0">
+                  <a:schemeClr val="dk1">
+                    <a:alpha val="40000"/>
+                  </a:schemeClr>
+                </a:outerShdw>
+              </a:effectLst>
+            </a:endParaRPr>
+          </a:p>
+        </p:txBody>
+      </p:sp>
+      <p:sp>
+        <p:nvSpPr>
+          <p:cNvPr id="18" name="Rectangle 17">
+            <a:extLst>
+              <a:ext uri="{FF2B5EF4-FFF2-40B4-BE49-F238E27FC236}">
+                <a16:creationId xmlns:a16="http://schemas.microsoft.com/office/drawing/2014/main" id="{95CCCF25-7E02-41D9-BDDC-5D6811C89EA8}"/>
+              </a:ext>
+            </a:extLst>
+          </p:cNvPr>
+          <p:cNvSpPr/>
+          <p:nvPr/>
+        </p:nvSpPr>
+        <p:spPr>
+          <a:xfrm>
+            <a:off x="8471592" y="4658957"/>
+            <a:ext cx="3390682" cy="1323439"/>
+          </a:xfrm>
+          <a:prstGeom prst="rect">
+            <a:avLst/>
+          </a:prstGeom>
+          <a:noFill/>
+        </p:spPr>
+        <p:txBody>
+          <a:bodyPr wrap="square" lIns="91440" tIns="45720" rIns="91440" bIns="45720">
+            <a:spAutoFit/>
+          </a:bodyPr>
+          <a:lstStyle/>
+          <a:p>
+            <a:pPr algn="ctr"/>
+            <a:r>
+              <a:rPr lang="en-US" sz="4000" dirty="0">
+                <a:ln w="0"/>
+                <a:effectLst>
+                  <a:outerShdw blurRad="38100" dist="19050" dir="2700000" algn="tl" rotWithShape="0">
+                    <a:schemeClr val="dk1">
+                      <a:alpha val="40000"/>
+                    </a:schemeClr>
+                  </a:outerShdw>
+                </a:effectLst>
+              </a:rPr>
+              <a:t>Material Design</a:t>
+            </a:r>
+            <a:endParaRPr lang="en-US" sz="4000" b="0" cap="none" spc="0" dirty="0">
+              <a:ln w="0"/>
+              <a:solidFill>
+                <a:schemeClr val="tx1"/>
+              </a:solidFill>
+              <a:effectLst>
+                <a:outerShdw blurRad="38100" dist="19050" dir="2700000" algn="tl" rotWithShape="0">
+                  <a:schemeClr val="dk1">
+                    <a:alpha val="40000"/>
+                  </a:schemeClr>
+                </a:outerShdw>
+              </a:effectLst>
+            </a:endParaRPr>
+          </a:p>
+        </p:txBody>
+      </p:sp>
+      <p:sp>
+        <p:nvSpPr>
+          <p:cNvPr id="19" name="Rectangle 18">
+            <a:extLst>
+              <a:ext uri="{FF2B5EF4-FFF2-40B4-BE49-F238E27FC236}">
+                <a16:creationId xmlns:a16="http://schemas.microsoft.com/office/drawing/2014/main" id="{B52C2080-ACCB-48C6-B09A-21CEAC116DC7}"/>
+              </a:ext>
+            </a:extLst>
+          </p:cNvPr>
+          <p:cNvSpPr/>
+          <p:nvPr/>
+        </p:nvSpPr>
+        <p:spPr>
+          <a:xfrm>
+            <a:off x="630557" y="2721114"/>
+            <a:ext cx="1811137" cy="707886"/>
+          </a:xfrm>
+          <a:prstGeom prst="rect">
+            <a:avLst/>
+          </a:prstGeom>
+          <a:noFill/>
+        </p:spPr>
+        <p:txBody>
+          <a:bodyPr wrap="none" lIns="91440" tIns="45720" rIns="91440" bIns="45720">
+            <a:spAutoFit/>
+          </a:bodyPr>
+          <a:lstStyle/>
+          <a:p>
+            <a:pPr algn="ctr"/>
+            <a:r>
+              <a:rPr lang="en-US" sz="4000" dirty="0">
+                <a:ln w="0"/>
+                <a:effectLst>
+                  <a:outerShdw blurRad="38100" dist="19050" dir="2700000" algn="tl" rotWithShape="0">
+                    <a:schemeClr val="dk1">
+                      <a:alpha val="40000"/>
+                    </a:schemeClr>
+                  </a:outerShdw>
+                </a:effectLst>
+              </a:rPr>
+              <a:t>SAP UI5</a:t>
+            </a:r>
+            <a:endParaRPr lang="en-US" sz="4000" b="0" cap="none" spc="0" dirty="0">
+              <a:ln w="0"/>
+              <a:solidFill>
+                <a:schemeClr val="tx1"/>
+              </a:solidFill>
+              <a:effectLst>
+                <a:outerShdw blurRad="38100" dist="19050" dir="2700000" algn="tl" rotWithShape="0">
+                  <a:schemeClr val="dk1">
+                    <a:alpha val="40000"/>
+                  </a:schemeClr>
+                </a:outerShdw>
+              </a:effectLst>
+            </a:endParaRPr>
+          </a:p>
+        </p:txBody>
+      </p:sp>
+      <p:sp>
+        <p:nvSpPr>
+          <p:cNvPr id="20" name="Rectangle 19">
+            <a:extLst>
+              <a:ext uri="{FF2B5EF4-FFF2-40B4-BE49-F238E27FC236}">
+                <a16:creationId xmlns:a16="http://schemas.microsoft.com/office/drawing/2014/main" id="{5BAEE609-A28B-4F04-8DDD-8B665253F48E}"/>
+              </a:ext>
+            </a:extLst>
+          </p:cNvPr>
+          <p:cNvSpPr/>
+          <p:nvPr/>
+        </p:nvSpPr>
+        <p:spPr>
+          <a:xfrm>
+            <a:off x="428579" y="4966734"/>
+            <a:ext cx="2013115" cy="707886"/>
+          </a:xfrm>
+          <a:prstGeom prst="rect">
+            <a:avLst/>
+          </a:prstGeom>
+          <a:noFill/>
+        </p:spPr>
+        <p:txBody>
+          <a:bodyPr wrap="none" lIns="91440" tIns="45720" rIns="91440" bIns="45720">
+            <a:spAutoFit/>
+          </a:bodyPr>
+          <a:lstStyle/>
+          <a:p>
+            <a:pPr algn="ctr"/>
+            <a:r>
+              <a:rPr lang="en-US" sz="4000" b="0" cap="none" spc="0" dirty="0">
+                <a:ln w="0"/>
+                <a:solidFill>
+                  <a:schemeClr val="tx1"/>
+                </a:solidFill>
+                <a:effectLst>
+                  <a:outerShdw blurRad="38100" dist="19050" dir="2700000" algn="tl" rotWithShape="0">
+                    <a:schemeClr val="dk1">
+                      <a:alpha val="40000"/>
+                    </a:schemeClr>
+                  </a:outerShdw>
+                </a:effectLst>
+              </a:rPr>
+              <a:t>SAP Fiori</a:t>
+            </a:r>
+          </a:p>
+        </p:txBody>
+      </p:sp>
+      <p:pic>
+        <p:nvPicPr>
+          <p:cNvPr id="21" name="Picture 14" descr="Image result for ui5 logo">
+            <a:extLst>
+              <a:ext uri="{FF2B5EF4-FFF2-40B4-BE49-F238E27FC236}">
+                <a16:creationId xmlns:a16="http://schemas.microsoft.com/office/drawing/2014/main" id="{38B60D88-FFED-480C-B6E5-DDDC868AD17F}"/>
+              </a:ext>
+            </a:extLst>
+          </p:cNvPr>
+          <p:cNvPicPr>
+            <a:picLocks noChangeAspect="1" noChangeArrowheads="1"/>
+          </p:cNvPicPr>
+          <p:nvPr/>
+        </p:nvPicPr>
+        <p:blipFill rotWithShape="1">
+          <a:blip r:embed="rId4" cstate="print">
+            <a:extLst>
+              <a:ext uri="{28A0092B-C50C-407E-A947-70E740481C1C}">
+                <a14:useLocalDpi xmlns:a14="http://schemas.microsoft.com/office/drawing/2010/main" val="0"/>
+              </a:ext>
+            </a:extLst>
+          </a:blip>
+          <a:srcRect l="21578" r="20941"/>
+          <a:stretch/>
+        </p:blipFill>
+        <p:spPr bwMode="auto">
+          <a:xfrm>
+            <a:off x="2613958" y="2221231"/>
+            <a:ext cx="1788609" cy="1750316"/>
+          </a:xfrm>
+          <a:prstGeom prst="rect">
+            <a:avLst/>
+          </a:prstGeom>
+          <a:noFill/>
+          <a:extLst>
+            <a:ext uri="{909E8E84-426E-40DD-AFC4-6F175D3DCCD1}">
+              <a14:hiddenFill xmlns:a14="http://schemas.microsoft.com/office/drawing/2010/main">
+                <a:solidFill>
+                  <a:srgbClr val="FFFFFF"/>
+                </a:solidFill>
+              </a14:hiddenFill>
+            </a:ext>
+          </a:extLst>
+        </p:spPr>
+      </p:pic>
+      <p:sp>
+        <p:nvSpPr>
+          <p:cNvPr id="26" name="AutoShape 2" descr="Image result for sap fiori">
+            <a:extLst>
+              <a:ext uri="{FF2B5EF4-FFF2-40B4-BE49-F238E27FC236}">
+                <a16:creationId xmlns:a16="http://schemas.microsoft.com/office/drawing/2014/main" id="{D67E372E-D2C9-4235-92C4-285F62ED55B9}"/>
+              </a:ext>
+            </a:extLst>
+          </p:cNvPr>
+          <p:cNvSpPr txBox="1">
+            <a:spLocks noChangeAspect="1" noChangeArrowheads="1"/>
+          </p:cNvSpPr>
+          <p:nvPr/>
+        </p:nvSpPr>
+        <p:spPr bwMode="auto">
+          <a:xfrm>
+            <a:off x="364785" y="1269937"/>
+            <a:ext cx="11497490" cy="1044619"/>
+          </a:xfrm>
+          <a:prstGeom prst="rect">
+            <a:avLst/>
+          </a:prstGeom>
+          <a:noFill/>
+          <a:extLst>
+            <a:ext uri="{909E8E84-426E-40DD-AFC4-6F175D3DCCD1}">
+              <a14:hiddenFill xmlns:a14="http://schemas.microsoft.com/office/drawing/2010/main">
+                <a:solidFill>
+                  <a:srgbClr val="FFFFFF"/>
+                </a:solidFill>
+              </a14:hiddenFill>
+            </a:ext>
+          </a:extLst>
+        </p:spPr>
+        <p:txBody>
+          <a:bodyPr vert="horz" wrap="square" lIns="91440" tIns="45720" rIns="91440" bIns="45720" numCol="1" anchor="t" anchorCtr="0" compatLnSpc="1">
+            <a:prstTxWarp prst="textNoShape">
+              <a:avLst/>
+            </a:prstTxWarp>
+          </a:bodyPr>
+          <a:lstStyle>
+            <a:lvl1pPr marL="0" indent="0" algn="l" defTabSz="1088558" rtl="0" eaLnBrk="1" latinLnBrk="0" hangingPunct="1">
+              <a:spcBef>
+                <a:spcPts val="1800"/>
+              </a:spcBef>
+              <a:buClr>
+                <a:schemeClr val="accent1"/>
+              </a:buClr>
+              <a:buSzPct val="80000"/>
+              <a:buFontTx/>
+              <a:buNone/>
+              <a:defRPr sz="2000" b="0" kern="1200">
+                <a:solidFill>
+                  <a:schemeClr val="tx1"/>
+                </a:solidFill>
+                <a:latin typeface="+mn-lt"/>
+                <a:ea typeface="+mn-ea"/>
+                <a:cs typeface="+mn-cs"/>
+              </a:defRPr>
+            </a:lvl1pPr>
+            <a:lvl2pPr marL="179964" indent="-179964" algn="l" defTabSz="1088558" rtl="0" eaLnBrk="1" latinLnBrk="0" hangingPunct="1">
+              <a:spcBef>
+                <a:spcPts val="600"/>
+              </a:spcBef>
+              <a:buClr>
+                <a:schemeClr val="accent1"/>
+              </a:buClr>
+              <a:buSzPct val="100000"/>
+              <a:buFont typeface="Wingdings" pitchFamily="2" charset="2"/>
+              <a:buChar char="§"/>
+              <a:defRPr sz="1800" kern="1200">
+                <a:solidFill>
+                  <a:schemeClr val="tx1"/>
+                </a:solidFill>
+                <a:latin typeface="+mn-lt"/>
+                <a:ea typeface="+mn-ea"/>
+                <a:cs typeface="+mn-cs"/>
+              </a:defRPr>
+            </a:lvl2pPr>
+            <a:lvl3pPr marL="358775" indent="-179388" algn="l" defTabSz="1088558" rtl="0" eaLnBrk="1" latinLnBrk="0" hangingPunct="1">
+              <a:spcBef>
+                <a:spcPts val="300"/>
+              </a:spcBef>
+              <a:buClr>
+                <a:schemeClr val="tx1"/>
+              </a:buClr>
+              <a:buSzPct val="100000"/>
+              <a:buFont typeface="Arial" panose="020B0604020202020204" pitchFamily="34" charset="0"/>
+              <a:buChar char="–"/>
+              <a:defRPr lang="en-US" sz="1800" kern="1200" noProof="0" dirty="0" smtClean="0">
+                <a:solidFill>
+                  <a:schemeClr val="tx1"/>
+                </a:solidFill>
+                <a:latin typeface="+mn-lt"/>
+                <a:ea typeface="+mn-ea"/>
+                <a:cs typeface="+mn-cs"/>
+              </a:defRPr>
+            </a:lvl3pPr>
+            <a:lvl4pPr marL="539892" indent="-179964" algn="l" defTabSz="1088558" rtl="0" eaLnBrk="1" latinLnBrk="0" hangingPunct="1">
+              <a:spcBef>
+                <a:spcPts val="300"/>
+              </a:spcBef>
+              <a:buClr>
+                <a:schemeClr val="tx1"/>
+              </a:buClr>
+              <a:buSzPct val="120000"/>
+              <a:buFont typeface="Arial" pitchFamily="34" charset="0"/>
+              <a:buChar char="▫"/>
+              <a:defRPr sz="1600" kern="1200">
+                <a:solidFill>
+                  <a:schemeClr val="tx1"/>
+                </a:solidFill>
+                <a:latin typeface="+mn-lt"/>
+                <a:ea typeface="+mn-ea"/>
+                <a:cs typeface="+mn-cs"/>
+              </a:defRPr>
+            </a:lvl4pPr>
+            <a:lvl5pPr marL="719856" indent="-179964" algn="l" defTabSz="1088558" rtl="0" eaLnBrk="1" latinLnBrk="0" hangingPunct="1">
+              <a:spcBef>
+                <a:spcPts val="100"/>
+              </a:spcBef>
+              <a:buClr>
+                <a:schemeClr val="tx1"/>
+              </a:buClr>
+              <a:buSzPct val="100000"/>
+              <a:buFont typeface="Symbol" panose="05050102010706020507" pitchFamily="18" charset="2"/>
+              <a:buChar char="-"/>
+              <a:defRPr sz="1400" kern="1200" baseline="0">
+                <a:solidFill>
+                  <a:schemeClr val="tx1"/>
+                </a:solidFill>
+                <a:latin typeface="+mn-lt"/>
+                <a:ea typeface="+mn-ea"/>
+                <a:cs typeface="+mn-cs"/>
+              </a:defRPr>
+            </a:lvl5pPr>
+            <a:lvl6pPr marL="2993535" indent="-272140" algn="l" defTabSz="1088558" rtl="0" eaLnBrk="1" latinLnBrk="0" hangingPunct="1">
+              <a:spcBef>
+                <a:spcPct val="20000"/>
+              </a:spcBef>
+              <a:buFont typeface="Arial" pitchFamily="34" charset="0"/>
+              <a:buChar char="•"/>
+              <a:defRPr sz="2400" kern="1200">
+                <a:solidFill>
+                  <a:schemeClr val="tx1"/>
+                </a:solidFill>
+                <a:latin typeface="+mn-lt"/>
+                <a:ea typeface="+mn-ea"/>
+                <a:cs typeface="+mn-cs"/>
+              </a:defRPr>
+            </a:lvl6pPr>
+            <a:lvl7pPr marL="3537814" indent="-272140" algn="l" defTabSz="1088558" rtl="0" eaLnBrk="1" latinLnBrk="0" hangingPunct="1">
+              <a:spcBef>
+                <a:spcPct val="20000"/>
+              </a:spcBef>
+              <a:buFont typeface="Arial" pitchFamily="34" charset="0"/>
+              <a:buChar char="•"/>
+              <a:defRPr sz="2400" kern="1200">
+                <a:solidFill>
+                  <a:schemeClr val="tx1"/>
+                </a:solidFill>
+                <a:latin typeface="+mn-lt"/>
+                <a:ea typeface="+mn-ea"/>
+                <a:cs typeface="+mn-cs"/>
+              </a:defRPr>
+            </a:lvl7pPr>
+            <a:lvl8pPr marL="4082093" indent="-272140" algn="l" defTabSz="1088558" rtl="0" eaLnBrk="1" latinLnBrk="0" hangingPunct="1">
+              <a:spcBef>
+                <a:spcPct val="20000"/>
+              </a:spcBef>
+              <a:buFont typeface="Arial" pitchFamily="34" charset="0"/>
+              <a:buChar char="•"/>
+              <a:defRPr sz="2400" kern="1200">
+                <a:solidFill>
+                  <a:schemeClr val="tx1"/>
+                </a:solidFill>
+                <a:latin typeface="+mn-lt"/>
+                <a:ea typeface="+mn-ea"/>
+                <a:cs typeface="+mn-cs"/>
+              </a:defRPr>
+            </a:lvl8pPr>
+            <a:lvl9pPr marL="4626373" indent="-272140" algn="l" defTabSz="1088558" rtl="0" eaLnBrk="1" latinLnBrk="0" hangingPunct="1">
+              <a:spcBef>
+                <a:spcPct val="20000"/>
+              </a:spcBef>
+              <a:buFont typeface="Arial" pitchFamily="34" charset="0"/>
+              <a:buChar char="•"/>
+              <a:defRPr sz="2400" kern="1200">
+                <a:solidFill>
+                  <a:schemeClr val="tx1"/>
+                </a:solidFill>
+                <a:latin typeface="+mn-lt"/>
+                <a:ea typeface="+mn-ea"/>
+                <a:cs typeface="+mn-cs"/>
+              </a:defRPr>
+            </a:lvl9pPr>
+          </a:lstStyle>
+          <a:p>
+            <a:pPr marL="342900" indent="-342900">
+              <a:buFont typeface="Arial" panose="020B0604020202020204" pitchFamily="34" charset="0"/>
+              <a:buChar char="•"/>
+            </a:pPr>
+            <a:r>
+              <a:rPr lang="en-IN" dirty="0"/>
+              <a:t>Fiori is a set of design guidelines.</a:t>
+            </a:r>
+          </a:p>
+          <a:p>
+            <a:pPr marL="342900" indent="-342900">
+              <a:buFont typeface="Arial" panose="020B0604020202020204" pitchFamily="34" charset="0"/>
+              <a:buChar char="•"/>
+            </a:pPr>
+            <a:r>
+              <a:rPr lang="en-IN" dirty="0"/>
+              <a:t>UI5 is a technology used to build web apps.</a:t>
+            </a:r>
+          </a:p>
+          <a:p>
+            <a:pPr marL="342900" indent="-342900">
+              <a:buFont typeface="Arial" panose="020B0604020202020204" pitchFamily="34" charset="0"/>
+              <a:buChar char="•"/>
+            </a:pPr>
+            <a:endParaRPr lang="en-IN" dirty="0"/>
+          </a:p>
+        </p:txBody>
+      </p:sp>
+      <p:pic>
+        <p:nvPicPr>
+          <p:cNvPr id="27" name="Picture 4" descr="Image result for sap fiori">
+            <a:extLst>
+              <a:ext uri="{FF2B5EF4-FFF2-40B4-BE49-F238E27FC236}">
+                <a16:creationId xmlns:a16="http://schemas.microsoft.com/office/drawing/2014/main" id="{39A5A9E1-A7E3-4598-A5F7-578ECC1DC6DE}"/>
+              </a:ext>
+            </a:extLst>
+          </p:cNvPr>
+          <p:cNvPicPr>
+            <a:picLocks noChangeAspect="1" noChangeArrowheads="1"/>
+          </p:cNvPicPr>
+          <p:nvPr/>
+        </p:nvPicPr>
+        <p:blipFill>
+          <a:blip r:embed="rId5">
+            <a:extLst>
+              <a:ext uri="{28A0092B-C50C-407E-A947-70E740481C1C}">
+                <a14:useLocalDpi xmlns:a14="http://schemas.microsoft.com/office/drawing/2010/main" val="0"/>
+              </a:ext>
+            </a:extLst>
+          </a:blip>
+          <a:srcRect/>
+          <a:stretch>
+            <a:fillRect/>
+          </a:stretch>
+        </p:blipFill>
+        <p:spPr bwMode="auto">
+          <a:xfrm>
+            <a:off x="2549221" y="4543445"/>
+            <a:ext cx="1855066" cy="1422217"/>
+          </a:xfrm>
+          <a:prstGeom prst="rect">
+            <a:avLst/>
+          </a:prstGeom>
+          <a:noFill/>
+          <a:extLst>
+            <a:ext uri="{909E8E84-426E-40DD-AFC4-6F175D3DCCD1}">
+              <a14:hiddenFill xmlns:a14="http://schemas.microsoft.com/office/drawing/2010/main">
+                <a:solidFill>
+                  <a:srgbClr val="FFFFFF"/>
+                </a:solidFill>
+              </a14:hiddenFill>
+            </a:ext>
+          </a:extLst>
+        </p:spPr>
+      </p:pic>
+    </p:spTree>
+    <p:extLst>
+      <p:ext uri="{BB962C8B-B14F-4D97-AF65-F5344CB8AC3E}">
+        <p14:creationId xmlns:p14="http://schemas.microsoft.com/office/powerpoint/2010/main" val="4171040222"/>
+      </p:ext>
+    </p:extLst>
+  </p:cSld>
+  <p:clrMapOvr>
+    <a:masterClrMapping/>
+  </p:clrMapOvr>
+</p:sld>
+</file>
+
+<file path=ppt/slides/slide6.xml><?xml version="1.0" encoding="utf-8"?>
+<p:sld xmlns:a="http://schemas.openxmlformats.org/drawingml/2006/main" xmlns:r="http://schemas.openxmlformats.org/officeDocument/2006/relationships" xmlns:p="http://schemas.openxmlformats.org/presentationml/2006/main">
+  <p:cSld>
+    <p:spTree>
+      <p:nvGrpSpPr>
+        <p:cNvPr id="1" name=""/>
+        <p:cNvGrpSpPr/>
+        <p:nvPr/>
+      </p:nvGrpSpPr>
+      <p:grpSpPr>
+        <a:xfrm>
+          <a:off x="0" y="0"/>
+          <a:ext cx="0" cy="0"/>
+          <a:chOff x="0" y="0"/>
+          <a:chExt cx="0" cy="0"/>
+        </a:xfrm>
+      </p:grpSpPr>
+      <p:pic>
+        <p:nvPicPr>
+          <p:cNvPr id="1030" name="Picture 6" descr="Image result for webcomponents">
+            <a:extLst>
+              <a:ext uri="{FF2B5EF4-FFF2-40B4-BE49-F238E27FC236}">
+                <a16:creationId xmlns:a16="http://schemas.microsoft.com/office/drawing/2014/main" id="{FAED3F3B-330B-4979-8DA1-5D0FF9536854}"/>
+              </a:ext>
+            </a:extLst>
+          </p:cNvPr>
+          <p:cNvPicPr>
+            <a:picLocks noChangeAspect="1" noChangeArrowheads="1"/>
+          </p:cNvPicPr>
+          <p:nvPr/>
+        </p:nvPicPr>
+        <p:blipFill rotWithShape="1">
+          <a:blip r:embed="rId2">
+            <a:extLst>
+              <a:ext uri="{28A0092B-C50C-407E-A947-70E740481C1C}">
+                <a14:useLocalDpi xmlns:a14="http://schemas.microsoft.com/office/drawing/2010/main" val="0"/>
+              </a:ext>
+            </a:extLst>
+          </a:blip>
+          <a:srcRect l="21308" t="32215" r="34196" b="32946"/>
+          <a:stretch/>
+        </p:blipFill>
+        <p:spPr bwMode="auto">
+          <a:xfrm>
+            <a:off x="410256" y="620744"/>
+            <a:ext cx="4250987" cy="992222"/>
+          </a:xfrm>
+          <a:prstGeom prst="rect">
+            <a:avLst/>
+          </a:prstGeom>
+          <a:noFill/>
+          <a:extLst>
+            <a:ext uri="{909E8E84-426E-40DD-AFC4-6F175D3DCCD1}">
+              <a14:hiddenFill xmlns:a14="http://schemas.microsoft.com/office/drawing/2010/main">
+                <a:solidFill>
+                  <a:srgbClr val="FFFFFF"/>
+                </a:solidFill>
+              </a14:hiddenFill>
+            </a:ext>
+          </a:extLst>
+        </p:spPr>
+      </p:pic>
+      <p:sp>
+        <p:nvSpPr>
+          <p:cNvPr id="3" name="TextBox 2">
+            <a:extLst>
+              <a:ext uri="{FF2B5EF4-FFF2-40B4-BE49-F238E27FC236}">
+                <a16:creationId xmlns:a16="http://schemas.microsoft.com/office/drawing/2014/main" id="{815B524F-1C91-4FC5-A6FC-00A19F075B09}"/>
+              </a:ext>
+            </a:extLst>
+          </p:cNvPr>
+          <p:cNvSpPr txBox="1"/>
+          <p:nvPr/>
+        </p:nvSpPr>
+        <p:spPr>
+          <a:xfrm>
+            <a:off x="4172504" y="1802167"/>
+            <a:ext cx="65" cy="276999"/>
+          </a:xfrm>
+          <a:prstGeom prst="rect">
+            <a:avLst/>
+          </a:prstGeom>
+          <a:noFill/>
+        </p:spPr>
+        <p:txBody>
+          <a:bodyPr wrap="none" lIns="0" tIns="0" rIns="0" bIns="0" rtlCol="0">
+            <a:spAutoFit/>
+          </a:bodyPr>
+          <a:lstStyle/>
+          <a:p>
+            <a:pPr fontAlgn="base">
+              <a:spcBef>
+                <a:spcPct val="50000"/>
+              </a:spcBef>
+              <a:spcAft>
+                <a:spcPct val="0"/>
+              </a:spcAft>
+              <a:buClr>
+                <a:srgbClr val="F0AB00"/>
+              </a:buClr>
+              <a:buSzPct val="80000"/>
+            </a:pPr>
+            <a:endParaRPr lang="en-IN" sz="1800" kern="0" dirty="0" err="1">
+              <a:ea typeface="Arial Unicode MS" pitchFamily="34" charset="-128"/>
+              <a:cs typeface="Arial Unicode MS" pitchFamily="34" charset="-128"/>
+            </a:endParaRPr>
+          </a:p>
+        </p:txBody>
+      </p:sp>
+      <p:sp>
+        <p:nvSpPr>
+          <p:cNvPr id="7" name="TextBox 6">
+            <a:extLst>
+              <a:ext uri="{FF2B5EF4-FFF2-40B4-BE49-F238E27FC236}">
+                <a16:creationId xmlns:a16="http://schemas.microsoft.com/office/drawing/2014/main" id="{C422AC2E-016D-4440-90C4-483A6C881574}"/>
+              </a:ext>
+            </a:extLst>
+          </p:cNvPr>
+          <p:cNvSpPr txBox="1"/>
+          <p:nvPr/>
+        </p:nvSpPr>
+        <p:spPr>
+          <a:xfrm>
+            <a:off x="410256" y="2079166"/>
+            <a:ext cx="11002884" cy="1292662"/>
+          </a:xfrm>
+          <a:prstGeom prst="rect">
+            <a:avLst/>
+          </a:prstGeom>
+          <a:noFill/>
+        </p:spPr>
+        <p:txBody>
+          <a:bodyPr wrap="none" lIns="0" tIns="0" rIns="0" bIns="0" rtlCol="0">
+            <a:spAutoFit/>
+          </a:bodyPr>
+          <a:lstStyle/>
+          <a:p>
+            <a:pPr fontAlgn="base">
+              <a:spcBef>
+                <a:spcPct val="50000"/>
+              </a:spcBef>
+              <a:spcAft>
+                <a:spcPct val="0"/>
+              </a:spcAft>
+              <a:buClr>
+                <a:srgbClr val="F0AB00"/>
+              </a:buClr>
+              <a:buSzPct val="80000"/>
+            </a:pPr>
+            <a:r>
+              <a:rPr lang="en-US" dirty="0"/>
+              <a:t>Web Components is a suite of different technologies allowing you to create reusable </a:t>
+            </a:r>
+            <a:r>
+              <a:rPr lang="en-US" b="1" dirty="0"/>
+              <a:t>custom </a:t>
+            </a:r>
+          </a:p>
+          <a:p>
+            <a:pPr fontAlgn="base">
+              <a:spcBef>
+                <a:spcPct val="50000"/>
+              </a:spcBef>
+              <a:spcAft>
+                <a:spcPct val="0"/>
+              </a:spcAft>
+              <a:buClr>
+                <a:srgbClr val="F0AB00"/>
+              </a:buClr>
+              <a:buSzPct val="80000"/>
+            </a:pPr>
+            <a:r>
+              <a:rPr lang="en-US" b="1" dirty="0"/>
+              <a:t>elements</a:t>
+            </a:r>
+            <a:r>
+              <a:rPr lang="en-US" dirty="0"/>
+              <a:t> — </a:t>
+            </a:r>
+            <a:r>
+              <a:rPr lang="en-US" b="1" dirty="0"/>
+              <a:t>with their functionality encapsulated away from the rest of your code </a:t>
+            </a:r>
+            <a:r>
+              <a:rPr lang="en-US" dirty="0"/>
+              <a:t>— </a:t>
+            </a:r>
+          </a:p>
+          <a:p>
+            <a:pPr fontAlgn="base">
+              <a:spcBef>
+                <a:spcPct val="50000"/>
+              </a:spcBef>
+              <a:spcAft>
+                <a:spcPct val="0"/>
+              </a:spcAft>
+              <a:buClr>
+                <a:srgbClr val="F0AB00"/>
+              </a:buClr>
+              <a:buSzPct val="80000"/>
+            </a:pPr>
+            <a:r>
+              <a:rPr lang="en-US" dirty="0"/>
+              <a:t>and utilize them in your web apps.</a:t>
+            </a:r>
+            <a:endParaRPr lang="en-IN" sz="1800" kern="0" dirty="0" err="1">
+              <a:ea typeface="Arial Unicode MS" pitchFamily="34" charset="-128"/>
+              <a:cs typeface="Arial Unicode MS" pitchFamily="34" charset="-128"/>
+            </a:endParaRPr>
+          </a:p>
+        </p:txBody>
+      </p:sp>
+      <p:pic>
+        <p:nvPicPr>
+          <p:cNvPr id="8" name="Picture 7">
+            <a:extLst>
+              <a:ext uri="{FF2B5EF4-FFF2-40B4-BE49-F238E27FC236}">
+                <a16:creationId xmlns:a16="http://schemas.microsoft.com/office/drawing/2014/main" id="{A27FA9BC-2A9F-48CC-866A-693E261E0AFD}"/>
+              </a:ext>
+            </a:extLst>
+          </p:cNvPr>
+          <p:cNvPicPr>
+            <a:picLocks noChangeAspect="1"/>
+          </p:cNvPicPr>
+          <p:nvPr/>
+        </p:nvPicPr>
+        <p:blipFill>
+          <a:blip r:embed="rId3"/>
+          <a:stretch>
+            <a:fillRect/>
+          </a:stretch>
+        </p:blipFill>
+        <p:spPr>
+          <a:xfrm>
+            <a:off x="1675998" y="3818872"/>
+            <a:ext cx="1190625" cy="504825"/>
+          </a:xfrm>
+          <a:prstGeom prst="rect">
+            <a:avLst/>
+          </a:prstGeom>
+        </p:spPr>
+      </p:pic>
+      <p:pic>
+        <p:nvPicPr>
+          <p:cNvPr id="9" name="Picture 8">
+            <a:extLst>
+              <a:ext uri="{FF2B5EF4-FFF2-40B4-BE49-F238E27FC236}">
+                <a16:creationId xmlns:a16="http://schemas.microsoft.com/office/drawing/2014/main" id="{C06D3622-CE60-4EF9-A7DB-9C122D7E1E32}"/>
+              </a:ext>
+            </a:extLst>
+          </p:cNvPr>
+          <p:cNvPicPr>
+            <a:picLocks noChangeAspect="1"/>
+          </p:cNvPicPr>
+          <p:nvPr/>
+        </p:nvPicPr>
+        <p:blipFill>
+          <a:blip r:embed="rId4"/>
+          <a:stretch>
+            <a:fillRect/>
+          </a:stretch>
+        </p:blipFill>
+        <p:spPr>
+          <a:xfrm>
+            <a:off x="8884665" y="3818872"/>
+            <a:ext cx="1190625" cy="504825"/>
+          </a:xfrm>
+          <a:prstGeom prst="rect">
+            <a:avLst/>
+          </a:prstGeom>
+        </p:spPr>
+      </p:pic>
+      <p:sp>
+        <p:nvSpPr>
+          <p:cNvPr id="13" name="Arrow: Right 12">
+            <a:extLst>
+              <a:ext uri="{FF2B5EF4-FFF2-40B4-BE49-F238E27FC236}">
+                <a16:creationId xmlns:a16="http://schemas.microsoft.com/office/drawing/2014/main" id="{0356350A-02C8-492D-B4AE-4A01E7CBE7C8}"/>
+              </a:ext>
+            </a:extLst>
+          </p:cNvPr>
+          <p:cNvSpPr/>
+          <p:nvPr/>
+        </p:nvSpPr>
+        <p:spPr bwMode="gray">
+          <a:xfrm>
+            <a:off x="2866623" y="3971412"/>
+            <a:ext cx="5940025" cy="221942"/>
+          </a:xfrm>
+          <a:prstGeom prst="rightArrow">
+            <a:avLst/>
+          </a:prstGeom>
+          <a:solidFill>
+            <a:schemeClr val="accent1"/>
+          </a:solidFill>
+          <a:ln w="25400" algn="ctr">
+            <a:solidFill>
+              <a:schemeClr val="tx1"/>
+            </a:solidFill>
+            <a:miter lim="800000"/>
+            <a:headEnd/>
+            <a:tailEnd/>
+          </a:ln>
+        </p:spPr>
+        <p:txBody>
+          <a:bodyPr lIns="90000" tIns="72000" rIns="90000" bIns="72000" rtlCol="0" anchor="ctr"/>
+          <a:lstStyle/>
+          <a:p>
+            <a:pPr marR="0" algn="ctr" defTabSz="914400" eaLnBrk="1" fontAlgn="base" latinLnBrk="0" hangingPunct="1">
+              <a:lnSpc>
+                <a:spcPct val="100000"/>
+              </a:lnSpc>
+              <a:spcBef>
+                <a:spcPct val="50000"/>
+              </a:spcBef>
+              <a:spcAft>
+                <a:spcPct val="0"/>
+              </a:spcAft>
+              <a:buClr>
+                <a:srgbClr val="F0AB00"/>
+              </a:buClr>
+              <a:buSzPct val="80000"/>
+              <a:tabLst/>
+            </a:pPr>
+            <a:endParaRPr kumimoji="0" lang="en-IN" sz="1800" b="0" i="0" u="none" strike="noStrike" kern="0" cap="none" spc="0" normalizeH="0" baseline="0" noProof="0" dirty="0" err="1">
+              <a:ln>
+                <a:noFill/>
+              </a:ln>
+              <a:effectLst/>
+              <a:uLnTx/>
+              <a:uFillTx/>
+              <a:ea typeface="Arial Unicode MS" pitchFamily="34" charset="-128"/>
+              <a:cs typeface="Arial Unicode MS" pitchFamily="34" charset="-128"/>
+            </a:endParaRPr>
+          </a:p>
+        </p:txBody>
+      </p:sp>
+      <p:sp>
+        <p:nvSpPr>
+          <p:cNvPr id="14" name="TextBox 13">
+            <a:extLst>
+              <a:ext uri="{FF2B5EF4-FFF2-40B4-BE49-F238E27FC236}">
+                <a16:creationId xmlns:a16="http://schemas.microsoft.com/office/drawing/2014/main" id="{59F45202-B561-49A1-9099-652CE8CBAF2E}"/>
+              </a:ext>
+            </a:extLst>
+          </p:cNvPr>
+          <p:cNvSpPr txBox="1"/>
+          <p:nvPr/>
+        </p:nvSpPr>
+        <p:spPr>
+          <a:xfrm>
+            <a:off x="3649262" y="3702569"/>
+            <a:ext cx="3924151" cy="276999"/>
+          </a:xfrm>
+          <a:prstGeom prst="rect">
+            <a:avLst/>
+          </a:prstGeom>
+          <a:noFill/>
+        </p:spPr>
+        <p:txBody>
+          <a:bodyPr wrap="none" lIns="0" tIns="0" rIns="0" bIns="0" rtlCol="0">
+            <a:spAutoFit/>
+          </a:bodyPr>
+          <a:lstStyle/>
+          <a:p>
+            <a:pPr fontAlgn="base">
+              <a:spcBef>
+                <a:spcPct val="50000"/>
+              </a:spcBef>
+              <a:spcAft>
+                <a:spcPct val="0"/>
+              </a:spcAft>
+              <a:buClr>
+                <a:srgbClr val="F0AB00"/>
+              </a:buClr>
+              <a:buSzPct val="80000"/>
+            </a:pPr>
+            <a:r>
+              <a:rPr lang="en-IN" sz="1800" kern="0" dirty="0">
+                <a:ea typeface="Arial Unicode MS" pitchFamily="34" charset="-128"/>
+                <a:cs typeface="Arial Unicode MS" pitchFamily="34" charset="-128"/>
+              </a:rPr>
+              <a:t>Add some HTML, CSS and JavaScript</a:t>
+            </a:r>
+          </a:p>
+        </p:txBody>
+      </p:sp>
+      <p:sp>
+        <p:nvSpPr>
+          <p:cNvPr id="16" name="Flowchart: Terminator 15">
+            <a:extLst>
+              <a:ext uri="{FF2B5EF4-FFF2-40B4-BE49-F238E27FC236}">
+                <a16:creationId xmlns:a16="http://schemas.microsoft.com/office/drawing/2014/main" id="{BC3561B8-229D-4F7A-85A6-DFAE1F160D57}"/>
+              </a:ext>
+            </a:extLst>
+          </p:cNvPr>
+          <p:cNvSpPr/>
+          <p:nvPr/>
+        </p:nvSpPr>
+        <p:spPr bwMode="gray">
+          <a:xfrm>
+            <a:off x="1373820" y="5003968"/>
+            <a:ext cx="3560271" cy="1065320"/>
+          </a:xfrm>
+          <a:prstGeom prst="flowChartTerminator">
+            <a:avLst/>
+          </a:prstGeom>
+          <a:solidFill>
+            <a:schemeClr val="accent3">
+              <a:lumMod val="20000"/>
+              <a:lumOff val="80000"/>
+            </a:schemeClr>
+          </a:solidFill>
+          <a:ln w="25400" algn="ctr">
+            <a:solidFill>
+              <a:schemeClr val="tx1"/>
+            </a:solidFill>
+            <a:miter lim="800000"/>
+            <a:headEnd/>
+            <a:tailEnd/>
+          </a:ln>
+        </p:spPr>
+        <p:txBody>
+          <a:bodyPr lIns="90000" tIns="72000" rIns="90000" bIns="72000" rtlCol="0" anchor="ctr"/>
+          <a:lstStyle/>
+          <a:p>
+            <a:pPr marR="0" algn="ctr" defTabSz="914400" eaLnBrk="1" fontAlgn="base" latinLnBrk="0" hangingPunct="1">
+              <a:lnSpc>
+                <a:spcPct val="100000"/>
+              </a:lnSpc>
+              <a:spcBef>
+                <a:spcPct val="50000"/>
+              </a:spcBef>
+              <a:spcAft>
+                <a:spcPct val="0"/>
+              </a:spcAft>
+              <a:buClr>
+                <a:srgbClr val="F0AB00"/>
+              </a:buClr>
+              <a:buSzPct val="80000"/>
+              <a:tabLst/>
+            </a:pPr>
+            <a:endParaRPr kumimoji="0" lang="en-IN" sz="1800" b="0" i="0" u="none" strike="noStrike" kern="0" cap="none" spc="0" normalizeH="0" baseline="0" noProof="0" dirty="0" err="1">
+              <a:ln>
+                <a:noFill/>
+              </a:ln>
+              <a:effectLst/>
+              <a:uLnTx/>
+              <a:uFillTx/>
+              <a:ea typeface="Arial Unicode MS" pitchFamily="34" charset="-128"/>
+              <a:cs typeface="Arial Unicode MS" pitchFamily="34" charset="-128"/>
+            </a:endParaRPr>
+          </a:p>
+        </p:txBody>
+      </p:sp>
+      <p:sp>
+        <p:nvSpPr>
+          <p:cNvPr id="20" name="Arrow: Right 19">
+            <a:extLst>
+              <a:ext uri="{FF2B5EF4-FFF2-40B4-BE49-F238E27FC236}">
+                <a16:creationId xmlns:a16="http://schemas.microsoft.com/office/drawing/2014/main" id="{7295E3E4-4DA9-484F-8D57-F3E1309F464B}"/>
+              </a:ext>
+            </a:extLst>
+          </p:cNvPr>
+          <p:cNvSpPr/>
+          <p:nvPr/>
+        </p:nvSpPr>
+        <p:spPr bwMode="gray">
+          <a:xfrm>
+            <a:off x="5092355" y="5425657"/>
+            <a:ext cx="2312304" cy="221942"/>
+          </a:xfrm>
+          <a:prstGeom prst="rightArrow">
+            <a:avLst/>
+          </a:prstGeom>
+          <a:solidFill>
+            <a:schemeClr val="accent1"/>
+          </a:solidFill>
+          <a:ln w="25400" algn="ctr">
+            <a:solidFill>
+              <a:schemeClr val="tx1"/>
+            </a:solidFill>
+            <a:miter lim="800000"/>
+            <a:headEnd/>
+            <a:tailEnd/>
+          </a:ln>
+        </p:spPr>
+        <p:txBody>
+          <a:bodyPr lIns="90000" tIns="72000" rIns="90000" bIns="72000" rtlCol="0" anchor="ctr"/>
+          <a:lstStyle/>
+          <a:p>
+            <a:pPr marR="0" algn="ctr" defTabSz="914400" eaLnBrk="1" fontAlgn="base" latinLnBrk="0" hangingPunct="1">
+              <a:lnSpc>
+                <a:spcPct val="100000"/>
+              </a:lnSpc>
+              <a:spcBef>
+                <a:spcPct val="50000"/>
+              </a:spcBef>
+              <a:spcAft>
+                <a:spcPct val="0"/>
+              </a:spcAft>
+              <a:buClr>
+                <a:srgbClr val="F0AB00"/>
+              </a:buClr>
+              <a:buSzPct val="80000"/>
+              <a:tabLst/>
+            </a:pPr>
+            <a:endParaRPr kumimoji="0" lang="en-IN" sz="1800" b="0" i="0" u="none" strike="noStrike" kern="0" cap="none" spc="0" normalizeH="0" baseline="0" noProof="0" dirty="0" err="1">
+              <a:ln>
+                <a:noFill/>
+              </a:ln>
+              <a:effectLst/>
+              <a:uLnTx/>
+              <a:uFillTx/>
+              <a:ea typeface="Arial Unicode MS" pitchFamily="34" charset="-128"/>
+              <a:cs typeface="Arial Unicode MS" pitchFamily="34" charset="-128"/>
+            </a:endParaRPr>
+          </a:p>
+        </p:txBody>
+      </p:sp>
+      <p:sp>
+        <p:nvSpPr>
+          <p:cNvPr id="15" name="TextBox 14">
+            <a:extLst>
+              <a:ext uri="{FF2B5EF4-FFF2-40B4-BE49-F238E27FC236}">
+                <a16:creationId xmlns:a16="http://schemas.microsoft.com/office/drawing/2014/main" id="{6E2FF6D7-8C5F-4696-A2F7-E2161B9693EE}"/>
+              </a:ext>
+            </a:extLst>
+          </p:cNvPr>
+          <p:cNvSpPr txBox="1"/>
+          <p:nvPr/>
+        </p:nvSpPr>
+        <p:spPr>
+          <a:xfrm>
+            <a:off x="1637514" y="5271496"/>
+            <a:ext cx="3032882" cy="553998"/>
+          </a:xfrm>
+          <a:prstGeom prst="rect">
+            <a:avLst/>
+          </a:prstGeom>
+          <a:noFill/>
+        </p:spPr>
+        <p:txBody>
+          <a:bodyPr wrap="none" lIns="0" tIns="0" rIns="0" bIns="0" rtlCol="0">
+            <a:spAutoFit/>
+          </a:bodyPr>
+          <a:lstStyle/>
+          <a:p>
+            <a:pPr algn="ctr" fontAlgn="base">
+              <a:spcBef>
+                <a:spcPct val="50000"/>
+              </a:spcBef>
+              <a:spcAft>
+                <a:spcPct val="0"/>
+              </a:spcAft>
+              <a:buClr>
+                <a:srgbClr val="F0AB00"/>
+              </a:buClr>
+              <a:buSzPct val="80000"/>
+            </a:pPr>
+            <a:r>
+              <a:rPr lang="en-IN" sz="1800" kern="0" dirty="0">
+                <a:ea typeface="Arial Unicode MS" pitchFamily="34" charset="-128"/>
+                <a:cs typeface="Arial Unicode MS" pitchFamily="34" charset="-128"/>
+              </a:rPr>
+              <a:t>&lt;button&gt; + some HTML, CSS</a:t>
+            </a:r>
+            <a:br>
+              <a:rPr lang="en-IN" sz="1800" kern="0" dirty="0">
+                <a:ea typeface="Arial Unicode MS" pitchFamily="34" charset="-128"/>
+                <a:cs typeface="Arial Unicode MS" pitchFamily="34" charset="-128"/>
+              </a:rPr>
+            </a:br>
+            <a:r>
+              <a:rPr lang="en-IN" sz="1800" kern="0" dirty="0">
+                <a:ea typeface="Arial Unicode MS" pitchFamily="34" charset="-128"/>
+                <a:cs typeface="Arial Unicode MS" pitchFamily="34" charset="-128"/>
+              </a:rPr>
+              <a:t>and JavaScript</a:t>
+            </a:r>
+          </a:p>
+        </p:txBody>
+      </p:sp>
+      <p:sp>
+        <p:nvSpPr>
+          <p:cNvPr id="17" name="TextBox 16">
+            <a:extLst>
+              <a:ext uri="{FF2B5EF4-FFF2-40B4-BE49-F238E27FC236}">
+                <a16:creationId xmlns:a16="http://schemas.microsoft.com/office/drawing/2014/main" id="{2DD5A91D-A4D3-4520-8831-4A63BC7D8B3A}"/>
+              </a:ext>
+            </a:extLst>
+          </p:cNvPr>
+          <p:cNvSpPr txBox="1"/>
+          <p:nvPr/>
+        </p:nvSpPr>
+        <p:spPr>
+          <a:xfrm>
+            <a:off x="7562923" y="5333051"/>
+            <a:ext cx="2718693" cy="430887"/>
+          </a:xfrm>
+          <a:prstGeom prst="rect">
+            <a:avLst/>
+          </a:prstGeom>
+          <a:noFill/>
+        </p:spPr>
+        <p:txBody>
+          <a:bodyPr wrap="none" lIns="0" tIns="0" rIns="0" bIns="0" rtlCol="0">
+            <a:spAutoFit/>
+          </a:bodyPr>
+          <a:lstStyle/>
+          <a:p>
+            <a:pPr fontAlgn="base">
+              <a:spcBef>
+                <a:spcPct val="50000"/>
+              </a:spcBef>
+              <a:spcAft>
+                <a:spcPct val="0"/>
+              </a:spcAft>
+              <a:buClr>
+                <a:srgbClr val="F0AB00"/>
+              </a:buClr>
+              <a:buSzPct val="80000"/>
+            </a:pPr>
+            <a:r>
+              <a:rPr lang="en-IN" sz="2800" kern="0" dirty="0">
+                <a:ea typeface="Arial Unicode MS" pitchFamily="34" charset="-128"/>
+                <a:cs typeface="Arial Unicode MS" pitchFamily="34" charset="-128"/>
+              </a:rPr>
+              <a:t>&lt;RefreshButton&gt;</a:t>
+            </a:r>
+          </a:p>
+        </p:txBody>
+      </p:sp>
+      <p:cxnSp>
+        <p:nvCxnSpPr>
+          <p:cNvPr id="19" name="Straight Arrow Connector 18">
+            <a:extLst>
+              <a:ext uri="{FF2B5EF4-FFF2-40B4-BE49-F238E27FC236}">
+                <a16:creationId xmlns:a16="http://schemas.microsoft.com/office/drawing/2014/main" id="{762A6ACF-84AB-4DC8-889B-E7E8E75C69EB}"/>
+              </a:ext>
+            </a:extLst>
+          </p:cNvPr>
+          <p:cNvCxnSpPr>
+            <a:cxnSpLocks/>
+          </p:cNvCxnSpPr>
+          <p:nvPr/>
+        </p:nvCxnSpPr>
+        <p:spPr>
+          <a:xfrm flipV="1">
+            <a:off x="9454718" y="4396339"/>
+            <a:ext cx="0" cy="936712"/>
+          </a:xfrm>
+          <a:prstGeom prst="straightConnector1">
+            <a:avLst/>
+          </a:prstGeom>
+          <a:ln w="25400">
+            <a:solidFill>
+              <a:schemeClr val="tx1"/>
+            </a:solidFill>
+            <a:headEnd type="none" w="med" len="med"/>
+            <a:tailEnd type="triangle"/>
+          </a:ln>
+        </p:spPr>
+        <p:style>
+          <a:lnRef idx="1">
+            <a:schemeClr val="accent1"/>
+          </a:lnRef>
+          <a:fillRef idx="0">
+            <a:schemeClr val="accent1"/>
+          </a:fillRef>
+          <a:effectRef idx="0">
+            <a:schemeClr val="accent1"/>
+          </a:effectRef>
+          <a:fontRef idx="minor">
+            <a:schemeClr val="tx1"/>
+          </a:fontRef>
+        </p:style>
+      </p:cxnSp>
+    </p:spTree>
+    <p:extLst>
+      <p:ext uri="{BB962C8B-B14F-4D97-AF65-F5344CB8AC3E}">
+        <p14:creationId xmlns:p14="http://schemas.microsoft.com/office/powerpoint/2010/main" val="251018130"/>
+      </p:ext>
+    </p:extLst>
+  </p:cSld>
+  <p:clrMapOvr>
+    <a:masterClrMapping/>
+  </p:clrMapOvr>
+  <p:timing>
+    <p:tnLst>
+      <p:par>
+        <p:cTn id="1" dur="indefinite" restart="never" nodeType="tmRoot">
+          <p:childTnLst>
+            <p:seq concurrent="1" nextAc="seek">
+              <p:cTn id="2" dur="indefinite" nodeType="mainSeq">
+                <p:childTnLst>
+                  <p:par>
+                    <p:cTn id="3" fill="hold">
+                      <p:stCondLst>
+                        <p:cond delay="indefinite"/>
+                      </p:stCondLst>
+                      <p:childTnLst>
+                        <p:par>
+                          <p:cTn id="4" fill="hold">
+                            <p:stCondLst>
+                              <p:cond delay="0"/>
+                            </p:stCondLst>
+                            <p:childTnLst>
+                              <p:par>
+                                <p:cTn id="5" presetID="2" presetClass="entr" presetSubtype="4" fill="hold" nodeType="clickEffect">
+                                  <p:stCondLst>
+                                    <p:cond delay="0"/>
+                                  </p:stCondLst>
+                                  <p:childTnLst>
+                                    <p:set>
+                                      <p:cBhvr>
+                                        <p:cTn id="6" dur="1" fill="hold">
+                                          <p:stCondLst>
+                                            <p:cond delay="0"/>
+                                          </p:stCondLst>
+                                        </p:cTn>
+                                        <p:tgtEl>
+                                          <p:spTgt spid="8"/>
+                                        </p:tgtEl>
+                                        <p:attrNameLst>
+                                          <p:attrName>style.visibility</p:attrName>
+                                        </p:attrNameLst>
+                                      </p:cBhvr>
+                                      <p:to>
+                                        <p:strVal val="visible"/>
+                                      </p:to>
+                                    </p:set>
+                                    <p:anim calcmode="lin" valueType="num">
+                                      <p:cBhvr additive="base">
+                                        <p:cTn id="7" dur="500" fill="hold"/>
+                                        <p:tgtEl>
+                                          <p:spTgt spid="8"/>
+                                        </p:tgtEl>
+                                        <p:attrNameLst>
+                                          <p:attrName>ppt_x</p:attrName>
+                                        </p:attrNameLst>
+                                      </p:cBhvr>
+                                      <p:tavLst>
+                                        <p:tav tm="0">
+                                          <p:val>
+                                            <p:strVal val="#ppt_x"/>
+                                          </p:val>
+                                        </p:tav>
+                                        <p:tav tm="100000">
+                                          <p:val>
+                                            <p:strVal val="#ppt_x"/>
+                                          </p:val>
+                                        </p:tav>
+                                      </p:tavLst>
+                                    </p:anim>
+                                    <p:anim calcmode="lin" valueType="num">
+                                      <p:cBhvr additive="base">
+                                        <p:cTn id="8" dur="500" fill="hold"/>
+                                        <p:tgtEl>
+                                          <p:spTgt spid="8"/>
+                                        </p:tgtEl>
+                                        <p:attrNameLst>
+                                          <p:attrName>ppt_y</p:attrName>
+                                        </p:attrNameLst>
+                                      </p:cBhvr>
+                                      <p:tavLst>
+                                        <p:tav tm="0">
+                                          <p:val>
+                                            <p:strVal val="1+#ppt_h/2"/>
+                                          </p:val>
+                                        </p:tav>
+                                        <p:tav tm="100000">
+                                          <p:val>
+                                            <p:strVal val="#ppt_y"/>
+                                          </p:val>
+                                        </p:tav>
+                                      </p:tavLst>
+                                    </p:anim>
+                                  </p:childTnLst>
+                                </p:cTn>
+                              </p:par>
+                            </p:childTnLst>
+                          </p:cTn>
+                        </p:par>
+                      </p:childTnLst>
+                    </p:cTn>
+                  </p:par>
+                  <p:par>
+                    <p:cTn id="9" fill="hold">
+                      <p:stCondLst>
+                        <p:cond delay="indefinite"/>
+                      </p:stCondLst>
+                      <p:childTnLst>
+                        <p:par>
+                          <p:cTn id="10" fill="hold">
+                            <p:stCondLst>
+                              <p:cond delay="0"/>
+                            </p:stCondLst>
+                            <p:childTnLst>
+                              <p:par>
+                                <p:cTn id="11" presetID="2" presetClass="entr" presetSubtype="4" fill="hold" grpId="0" nodeType="clickEffect">
+                                  <p:stCondLst>
+                                    <p:cond delay="0"/>
+                                  </p:stCondLst>
+                                  <p:childTnLst>
+                                    <p:set>
+                                      <p:cBhvr>
+                                        <p:cTn id="12" dur="1" fill="hold">
+                                          <p:stCondLst>
+                                            <p:cond delay="0"/>
+                                          </p:stCondLst>
+                                        </p:cTn>
+                                        <p:tgtEl>
+                                          <p:spTgt spid="13"/>
+                                        </p:tgtEl>
+                                        <p:attrNameLst>
+                                          <p:attrName>style.visibility</p:attrName>
+                                        </p:attrNameLst>
+                                      </p:cBhvr>
+                                      <p:to>
+                                        <p:strVal val="visible"/>
+                                      </p:to>
+                                    </p:set>
+                                    <p:anim calcmode="lin" valueType="num">
+                                      <p:cBhvr additive="base">
+                                        <p:cTn id="13" dur="500" fill="hold"/>
+                                        <p:tgtEl>
+                                          <p:spTgt spid="13"/>
+                                        </p:tgtEl>
+                                        <p:attrNameLst>
+                                          <p:attrName>ppt_x</p:attrName>
+                                        </p:attrNameLst>
+                                      </p:cBhvr>
+                                      <p:tavLst>
+                                        <p:tav tm="0">
+                                          <p:val>
+                                            <p:strVal val="#ppt_x"/>
+                                          </p:val>
+                                        </p:tav>
+                                        <p:tav tm="100000">
+                                          <p:val>
+                                            <p:strVal val="#ppt_x"/>
+                                          </p:val>
+                                        </p:tav>
+                                      </p:tavLst>
+                                    </p:anim>
+                                    <p:anim calcmode="lin" valueType="num">
+                                      <p:cBhvr additive="base">
+                                        <p:cTn id="14" dur="500" fill="hold"/>
+                                        <p:tgtEl>
+                                          <p:spTgt spid="13"/>
+                                        </p:tgtEl>
+                                        <p:attrNameLst>
+                                          <p:attrName>ppt_y</p:attrName>
+                                        </p:attrNameLst>
+                                      </p:cBhvr>
+                                      <p:tavLst>
+                                        <p:tav tm="0">
+                                          <p:val>
+                                            <p:strVal val="1+#ppt_h/2"/>
+                                          </p:val>
+                                        </p:tav>
+                                        <p:tav tm="100000">
+                                          <p:val>
+                                            <p:strVal val="#ppt_y"/>
+                                          </p:val>
+                                        </p:tav>
+                                      </p:tavLst>
+                                    </p:anim>
+                                  </p:childTnLst>
+                                </p:cTn>
+                              </p:par>
+                              <p:par>
+                                <p:cTn id="15" presetID="2" presetClass="entr" presetSubtype="4" fill="hold" grpId="0" nodeType="withEffect">
+                                  <p:stCondLst>
+                                    <p:cond delay="0"/>
+                                  </p:stCondLst>
+                                  <p:childTnLst>
+                                    <p:set>
+                                      <p:cBhvr>
+                                        <p:cTn id="16" dur="1" fill="hold">
+                                          <p:stCondLst>
+                                            <p:cond delay="0"/>
+                                          </p:stCondLst>
+                                        </p:cTn>
+                                        <p:tgtEl>
+                                          <p:spTgt spid="14"/>
+                                        </p:tgtEl>
+                                        <p:attrNameLst>
+                                          <p:attrName>style.visibility</p:attrName>
+                                        </p:attrNameLst>
+                                      </p:cBhvr>
+                                      <p:to>
+                                        <p:strVal val="visible"/>
+                                      </p:to>
+                                    </p:set>
+                                    <p:anim calcmode="lin" valueType="num">
+                                      <p:cBhvr additive="base">
+                                        <p:cTn id="17" dur="500" fill="hold"/>
+                                        <p:tgtEl>
+                                          <p:spTgt spid="14"/>
+                                        </p:tgtEl>
+                                        <p:attrNameLst>
+                                          <p:attrName>ppt_x</p:attrName>
+                                        </p:attrNameLst>
+                                      </p:cBhvr>
+                                      <p:tavLst>
+                                        <p:tav tm="0">
+                                          <p:val>
+                                            <p:strVal val="#ppt_x"/>
+                                          </p:val>
+                                        </p:tav>
+                                        <p:tav tm="100000">
+                                          <p:val>
+                                            <p:strVal val="#ppt_x"/>
+                                          </p:val>
+                                        </p:tav>
+                                      </p:tavLst>
+                                    </p:anim>
+                                    <p:anim calcmode="lin" valueType="num">
+                                      <p:cBhvr additive="base">
+                                        <p:cTn id="18" dur="500" fill="hold"/>
+                                        <p:tgtEl>
+                                          <p:spTgt spid="14"/>
+                                        </p:tgtEl>
+                                        <p:attrNameLst>
+                                          <p:attrName>ppt_y</p:attrName>
+                                        </p:attrNameLst>
+                                      </p:cBhvr>
+                                      <p:tavLst>
+                                        <p:tav tm="0">
+                                          <p:val>
+                                            <p:strVal val="1+#ppt_h/2"/>
+                                          </p:val>
+                                        </p:tav>
+                                        <p:tav tm="100000">
+                                          <p:val>
+                                            <p:strVal val="#ppt_y"/>
+                                          </p:val>
+                                        </p:tav>
+                                      </p:tavLst>
+                                    </p:anim>
+                                  </p:childTnLst>
+                                </p:cTn>
+                              </p:par>
+                            </p:childTnLst>
+                          </p:cTn>
+                        </p:par>
+                      </p:childTnLst>
+                    </p:cTn>
+                  </p:par>
+                  <p:par>
+                    <p:cTn id="19" fill="hold">
+                      <p:stCondLst>
+                        <p:cond delay="indefinite"/>
+                      </p:stCondLst>
+                      <p:childTnLst>
+                        <p:par>
+                          <p:cTn id="20" fill="hold">
+                            <p:stCondLst>
+                              <p:cond delay="0"/>
+                            </p:stCondLst>
+                            <p:childTnLst>
+                              <p:par>
+                                <p:cTn id="21" presetID="2" presetClass="entr" presetSubtype="4" fill="hold" nodeType="clickEffect">
+                                  <p:stCondLst>
+                                    <p:cond delay="0"/>
+                                  </p:stCondLst>
+                                  <p:childTnLst>
+                                    <p:set>
+                                      <p:cBhvr>
+                                        <p:cTn id="22" dur="1" fill="hold">
+                                          <p:stCondLst>
+                                            <p:cond delay="0"/>
+                                          </p:stCondLst>
+                                        </p:cTn>
+                                        <p:tgtEl>
+                                          <p:spTgt spid="9"/>
+                                        </p:tgtEl>
+                                        <p:attrNameLst>
+                                          <p:attrName>style.visibility</p:attrName>
+                                        </p:attrNameLst>
+                                      </p:cBhvr>
+                                      <p:to>
+                                        <p:strVal val="visible"/>
+                                      </p:to>
+                                    </p:set>
+                                    <p:anim calcmode="lin" valueType="num">
+                                      <p:cBhvr additive="base">
+                                        <p:cTn id="23" dur="500" fill="hold"/>
+                                        <p:tgtEl>
+                                          <p:spTgt spid="9"/>
+                                        </p:tgtEl>
+                                        <p:attrNameLst>
+                                          <p:attrName>ppt_x</p:attrName>
+                                        </p:attrNameLst>
+                                      </p:cBhvr>
+                                      <p:tavLst>
+                                        <p:tav tm="0">
+                                          <p:val>
+                                            <p:strVal val="#ppt_x"/>
+                                          </p:val>
+                                        </p:tav>
+                                        <p:tav tm="100000">
+                                          <p:val>
+                                            <p:strVal val="#ppt_x"/>
+                                          </p:val>
+                                        </p:tav>
+                                      </p:tavLst>
+                                    </p:anim>
+                                    <p:anim calcmode="lin" valueType="num">
+                                      <p:cBhvr additive="base">
+                                        <p:cTn id="24" dur="500" fill="hold"/>
+                                        <p:tgtEl>
+                                          <p:spTgt spid="9"/>
+                                        </p:tgtEl>
+                                        <p:attrNameLst>
+                                          <p:attrName>ppt_y</p:attrName>
+                                        </p:attrNameLst>
+                                      </p:cBhvr>
+                                      <p:tavLst>
+                                        <p:tav tm="0">
+                                          <p:val>
+                                            <p:strVal val="1+#ppt_h/2"/>
+                                          </p:val>
+                                        </p:tav>
+                                        <p:tav tm="100000">
+                                          <p:val>
+                                            <p:strVal val="#ppt_y"/>
+                                          </p:val>
+                                        </p:tav>
+                                      </p:tavLst>
+                                    </p:anim>
+                                  </p:childTnLst>
+                                </p:cTn>
+                              </p:par>
+                            </p:childTnLst>
+                          </p:cTn>
+                        </p:par>
+                      </p:childTnLst>
+                    </p:cTn>
+                  </p:par>
+                  <p:par>
+                    <p:cTn id="25" fill="hold">
+                      <p:stCondLst>
+                        <p:cond delay="indefinite"/>
+                      </p:stCondLst>
+                      <p:childTnLst>
+                        <p:par>
+                          <p:cTn id="26" fill="hold">
+                            <p:stCondLst>
+                              <p:cond delay="0"/>
+                            </p:stCondLst>
+                            <p:childTnLst>
+                              <p:par>
+                                <p:cTn id="27" presetID="2" presetClass="entr" presetSubtype="4" fill="hold" grpId="0" nodeType="clickEffect">
+                                  <p:stCondLst>
+                                    <p:cond delay="0"/>
+                                  </p:stCondLst>
+                                  <p:childTnLst>
+                                    <p:set>
+                                      <p:cBhvr>
+                                        <p:cTn id="28" dur="1" fill="hold">
+                                          <p:stCondLst>
+                                            <p:cond delay="0"/>
+                                          </p:stCondLst>
+                                        </p:cTn>
+                                        <p:tgtEl>
+                                          <p:spTgt spid="15"/>
+                                        </p:tgtEl>
+                                        <p:attrNameLst>
+                                          <p:attrName>style.visibility</p:attrName>
+                                        </p:attrNameLst>
+                                      </p:cBhvr>
+                                      <p:to>
+                                        <p:strVal val="visible"/>
+                                      </p:to>
+                                    </p:set>
+                                    <p:anim calcmode="lin" valueType="num">
+                                      <p:cBhvr additive="base">
+                                        <p:cTn id="29" dur="500" fill="hold"/>
+                                        <p:tgtEl>
+                                          <p:spTgt spid="15"/>
+                                        </p:tgtEl>
+                                        <p:attrNameLst>
+                                          <p:attrName>ppt_x</p:attrName>
+                                        </p:attrNameLst>
+                                      </p:cBhvr>
+                                      <p:tavLst>
+                                        <p:tav tm="0">
+                                          <p:val>
+                                            <p:strVal val="#ppt_x"/>
+                                          </p:val>
+                                        </p:tav>
+                                        <p:tav tm="100000">
+                                          <p:val>
+                                            <p:strVal val="#ppt_x"/>
+                                          </p:val>
+                                        </p:tav>
+                                      </p:tavLst>
+                                    </p:anim>
+                                    <p:anim calcmode="lin" valueType="num">
+                                      <p:cBhvr additive="base">
+                                        <p:cTn id="30" dur="500" fill="hold"/>
+                                        <p:tgtEl>
+                                          <p:spTgt spid="15"/>
+                                        </p:tgtEl>
+                                        <p:attrNameLst>
+                                          <p:attrName>ppt_y</p:attrName>
+                                        </p:attrNameLst>
+                                      </p:cBhvr>
+                                      <p:tavLst>
+                                        <p:tav tm="0">
+                                          <p:val>
+                                            <p:strVal val="1+#ppt_h/2"/>
+                                          </p:val>
+                                        </p:tav>
+                                        <p:tav tm="100000">
+                                          <p:val>
+                                            <p:strVal val="#ppt_y"/>
+                                          </p:val>
+                                        </p:tav>
+                                      </p:tavLst>
+                                    </p:anim>
+                                  </p:childTnLst>
+                                </p:cTn>
+                              </p:par>
+                            </p:childTnLst>
+                          </p:cTn>
+                        </p:par>
+                      </p:childTnLst>
+                    </p:cTn>
+                  </p:par>
+                  <p:par>
+                    <p:cTn id="31" fill="hold">
+                      <p:stCondLst>
+                        <p:cond delay="indefinite"/>
+                      </p:stCondLst>
+                      <p:childTnLst>
+                        <p:par>
+                          <p:cTn id="32" fill="hold">
+                            <p:stCondLst>
+                              <p:cond delay="0"/>
+                            </p:stCondLst>
+                            <p:childTnLst>
+                              <p:par>
+                                <p:cTn id="33" presetID="16" presetClass="entr" presetSubtype="21" fill="hold" grpId="0" nodeType="clickEffect">
+                                  <p:stCondLst>
+                                    <p:cond delay="0"/>
+                                  </p:stCondLst>
+                                  <p:childTnLst>
+                                    <p:set>
+                                      <p:cBhvr>
+                                        <p:cTn id="34" dur="1" fill="hold">
+                                          <p:stCondLst>
+                                            <p:cond delay="0"/>
+                                          </p:stCondLst>
+                                        </p:cTn>
+                                        <p:tgtEl>
+                                          <p:spTgt spid="16"/>
+                                        </p:tgtEl>
+                                        <p:attrNameLst>
+                                          <p:attrName>style.visibility</p:attrName>
+                                        </p:attrNameLst>
+                                      </p:cBhvr>
+                                      <p:to>
+                                        <p:strVal val="visible"/>
+                                      </p:to>
+                                    </p:set>
+                                    <p:animEffect transition="in" filter="barn(inVertical)">
+                                      <p:cBhvr>
+                                        <p:cTn id="35" dur="500"/>
+                                        <p:tgtEl>
+                                          <p:spTgt spid="16"/>
+                                        </p:tgtEl>
+                                      </p:cBhvr>
+                                    </p:animEffect>
+                                  </p:childTnLst>
+                                </p:cTn>
+                              </p:par>
+                            </p:childTnLst>
+                          </p:cTn>
+                        </p:par>
+                      </p:childTnLst>
+                    </p:cTn>
+                  </p:par>
+                  <p:par>
+                    <p:cTn id="36" fill="hold">
+                      <p:stCondLst>
+                        <p:cond delay="indefinite"/>
+                      </p:stCondLst>
+                      <p:childTnLst>
+                        <p:par>
+                          <p:cTn id="37" fill="hold">
+                            <p:stCondLst>
+                              <p:cond delay="0"/>
+                            </p:stCondLst>
+                            <p:childTnLst>
+                              <p:par>
+                                <p:cTn id="38" presetID="2" presetClass="entr" presetSubtype="4" fill="hold" grpId="0" nodeType="clickEffect">
+                                  <p:stCondLst>
+                                    <p:cond delay="0"/>
+                                  </p:stCondLst>
+                                  <p:childTnLst>
+                                    <p:set>
+                                      <p:cBhvr>
+                                        <p:cTn id="39" dur="1" fill="hold">
+                                          <p:stCondLst>
+                                            <p:cond delay="0"/>
+                                          </p:stCondLst>
+                                        </p:cTn>
+                                        <p:tgtEl>
+                                          <p:spTgt spid="20"/>
+                                        </p:tgtEl>
+                                        <p:attrNameLst>
+                                          <p:attrName>style.visibility</p:attrName>
+                                        </p:attrNameLst>
+                                      </p:cBhvr>
+                                      <p:to>
+                                        <p:strVal val="visible"/>
+                                      </p:to>
+                                    </p:set>
+                                    <p:anim calcmode="lin" valueType="num">
+                                      <p:cBhvr additive="base">
+                                        <p:cTn id="40" dur="500" fill="hold"/>
+                                        <p:tgtEl>
+                                          <p:spTgt spid="20"/>
+                                        </p:tgtEl>
+                                        <p:attrNameLst>
+                                          <p:attrName>ppt_x</p:attrName>
+                                        </p:attrNameLst>
+                                      </p:cBhvr>
+                                      <p:tavLst>
+                                        <p:tav tm="0">
+                                          <p:val>
+                                            <p:strVal val="#ppt_x"/>
+                                          </p:val>
+                                        </p:tav>
+                                        <p:tav tm="100000">
+                                          <p:val>
+                                            <p:strVal val="#ppt_x"/>
+                                          </p:val>
+                                        </p:tav>
+                                      </p:tavLst>
+                                    </p:anim>
+                                    <p:anim calcmode="lin" valueType="num">
+                                      <p:cBhvr additive="base">
+                                        <p:cTn id="41" dur="500" fill="hold"/>
+                                        <p:tgtEl>
+                                          <p:spTgt spid="20"/>
+                                        </p:tgtEl>
+                                        <p:attrNameLst>
+                                          <p:attrName>ppt_y</p:attrName>
+                                        </p:attrNameLst>
+                                      </p:cBhvr>
+                                      <p:tavLst>
+                                        <p:tav tm="0">
+                                          <p:val>
+                                            <p:strVal val="1+#ppt_h/2"/>
+                                          </p:val>
+                                        </p:tav>
+                                        <p:tav tm="100000">
+                                          <p:val>
+                                            <p:strVal val="#ppt_y"/>
+                                          </p:val>
+                                        </p:tav>
+                                      </p:tavLst>
+                                    </p:anim>
+                                  </p:childTnLst>
+                                </p:cTn>
+                              </p:par>
+                            </p:childTnLst>
+                          </p:cTn>
+                        </p:par>
+                      </p:childTnLst>
+                    </p:cTn>
+                  </p:par>
+                  <p:par>
+                    <p:cTn id="42" fill="hold">
+                      <p:stCondLst>
+                        <p:cond delay="indefinite"/>
+                      </p:stCondLst>
+                      <p:childTnLst>
+                        <p:par>
+                          <p:cTn id="43" fill="hold">
+                            <p:stCondLst>
+                              <p:cond delay="0"/>
+                            </p:stCondLst>
+                            <p:childTnLst>
+                              <p:par>
+                                <p:cTn id="44" presetID="42" presetClass="entr" presetSubtype="0" fill="hold" grpId="0" nodeType="clickEffect">
+                                  <p:stCondLst>
+                                    <p:cond delay="0"/>
+                                  </p:stCondLst>
+                                  <p:childTnLst>
+                                    <p:set>
+                                      <p:cBhvr>
+                                        <p:cTn id="45" dur="1" fill="hold">
+                                          <p:stCondLst>
+                                            <p:cond delay="0"/>
+                                          </p:stCondLst>
+                                        </p:cTn>
+                                        <p:tgtEl>
+                                          <p:spTgt spid="17"/>
+                                        </p:tgtEl>
+                                        <p:attrNameLst>
+                                          <p:attrName>style.visibility</p:attrName>
+                                        </p:attrNameLst>
+                                      </p:cBhvr>
+                                      <p:to>
+                                        <p:strVal val="visible"/>
+                                      </p:to>
+                                    </p:set>
+                                    <p:animEffect transition="in" filter="fade">
+                                      <p:cBhvr>
+                                        <p:cTn id="46" dur="1000"/>
+                                        <p:tgtEl>
+                                          <p:spTgt spid="17"/>
+                                        </p:tgtEl>
+                                      </p:cBhvr>
+                                    </p:animEffect>
+                                    <p:anim calcmode="lin" valueType="num">
+                                      <p:cBhvr>
+                                        <p:cTn id="47" dur="1000" fill="hold"/>
+                                        <p:tgtEl>
+                                          <p:spTgt spid="17"/>
+                                        </p:tgtEl>
+                                        <p:attrNameLst>
+                                          <p:attrName>ppt_x</p:attrName>
+                                        </p:attrNameLst>
+                                      </p:cBhvr>
+                                      <p:tavLst>
+                                        <p:tav tm="0">
+                                          <p:val>
+                                            <p:strVal val="#ppt_x"/>
+                                          </p:val>
+                                        </p:tav>
+                                        <p:tav tm="100000">
+                                          <p:val>
+                                            <p:strVal val="#ppt_x"/>
+                                          </p:val>
+                                        </p:tav>
+                                      </p:tavLst>
+                                    </p:anim>
+                                    <p:anim calcmode="lin" valueType="num">
+                                      <p:cBhvr>
+                                        <p:cTn id="48" dur="1000" fill="hold"/>
+                                        <p:tgtEl>
+                                          <p:spTgt spid="17"/>
+                                        </p:tgtEl>
+                                        <p:attrNameLst>
+                                          <p:attrName>ppt_y</p:attrName>
+                                        </p:attrNameLst>
+                                      </p:cBhvr>
+                                      <p:tavLst>
+                                        <p:tav tm="0">
+                                          <p:val>
+                                            <p:strVal val="#ppt_y+.1"/>
+                                          </p:val>
+                                        </p:tav>
+                                        <p:tav tm="100000">
+                                          <p:val>
+                                            <p:strVal val="#ppt_y"/>
+                                          </p:val>
+                                        </p:tav>
+                                      </p:tavLst>
+                                    </p:anim>
+                                  </p:childTnLst>
+                                </p:cTn>
+                              </p:par>
+                            </p:childTnLst>
+                          </p:cTn>
+                        </p:par>
+                      </p:childTnLst>
+                    </p:cTn>
+                  </p:par>
+                  <p:par>
+                    <p:cTn id="49" fill="hold">
+                      <p:stCondLst>
+                        <p:cond delay="indefinite"/>
+                      </p:stCondLst>
+                      <p:childTnLst>
+                        <p:par>
+                          <p:cTn id="50" fill="hold">
+                            <p:stCondLst>
+                              <p:cond delay="0"/>
+                            </p:stCondLst>
+                            <p:childTnLst>
+                              <p:par>
+                                <p:cTn id="51" presetID="22" presetClass="entr" presetSubtype="4" fill="hold" nodeType="clickEffect">
+                                  <p:stCondLst>
+                                    <p:cond delay="0"/>
+                                  </p:stCondLst>
+                                  <p:childTnLst>
+                                    <p:set>
+                                      <p:cBhvr>
+                                        <p:cTn id="52" dur="1" fill="hold">
+                                          <p:stCondLst>
+                                            <p:cond delay="0"/>
+                                          </p:stCondLst>
+                                        </p:cTn>
+                                        <p:tgtEl>
+                                          <p:spTgt spid="19"/>
+                                        </p:tgtEl>
+                                        <p:attrNameLst>
+                                          <p:attrName>style.visibility</p:attrName>
+                                        </p:attrNameLst>
+                                      </p:cBhvr>
+                                      <p:to>
+                                        <p:strVal val="visible"/>
+                                      </p:to>
+                                    </p:set>
+                                    <p:animEffect transition="in" filter="wipe(down)">
+                                      <p:cBhvr>
+                                        <p:cTn id="53" dur="500"/>
+                                        <p:tgtEl>
+                                          <p:spTgt spid="19"/>
+                                        </p:tgtEl>
+                                      </p:cBhvr>
+                                    </p:animEffect>
+                                  </p:childTnLst>
+                                </p:cTn>
+                              </p:par>
+                            </p:childTnLst>
+                          </p:cTn>
+                        </p:par>
+                      </p:childTnLst>
+                    </p:cTn>
+                  </p:par>
+                </p:childTnLst>
+              </p:cTn>
+              <p:prevCondLst>
+                <p:cond evt="onPrev" delay="0">
+                  <p:tgtEl>
+                    <p:sldTgt/>
+                  </p:tgtEl>
+                </p:cond>
+              </p:prevCondLst>
+              <p:nextCondLst>
+                <p:cond evt="onNext" delay="0">
+                  <p:tgtEl>
+                    <p:sldTgt/>
+                  </p:tgtEl>
+                </p:cond>
+              </p:nextCondLst>
+            </p:seq>
+          </p:childTnLst>
+        </p:cTn>
+      </p:par>
+    </p:tnLst>
+    <p:bldLst>
+      <p:bldP spid="13" grpId="0" animBg="1"/>
+      <p:bldP spid="14" grpId="0"/>
+      <p:bldP spid="16" grpId="0" animBg="1"/>
+      <p:bldP spid="20" grpId="0" animBg="1"/>
+      <p:bldP spid="15" grpId="0"/>
+      <p:bldP spid="17" grpId="0"/>
+    </p:bldLst>
+  </p:timing>
+</p:sld>
+</file>
+
+<file path=ppt/slides/slide7.xml><?xml version="1.0" encoding="utf-8"?>
+<p:sld xmlns:a="http://schemas.openxmlformats.org/drawingml/2006/main" xmlns:r="http://schemas.openxmlformats.org/officeDocument/2006/relationships" xmlns:p="http://schemas.openxmlformats.org/presentationml/2006/main">
+  <p:cSld>
+    <p:spTree>
+      <p:nvGrpSpPr>
+        <p:cNvPr id="1" name=""/>
+        <p:cNvGrpSpPr/>
+        <p:nvPr/>
+      </p:nvGrpSpPr>
+      <p:grpSpPr>
+        <a:xfrm>
+          <a:off x="0" y="0"/>
+          <a:ext cx="0" cy="0"/>
+          <a:chOff x="0" y="0"/>
+          <a:chExt cx="0" cy="0"/>
+        </a:xfrm>
+      </p:grpSpPr>
+      <p:pic>
+        <p:nvPicPr>
+          <p:cNvPr id="2" name="Picture 1">
+            <a:extLst>
+              <a:ext uri="{FF2B5EF4-FFF2-40B4-BE49-F238E27FC236}">
+                <a16:creationId xmlns:a16="http://schemas.microsoft.com/office/drawing/2014/main" id="{9B998D16-931F-4FBF-8543-585B267D5410}"/>
               </a:ext>
             </a:extLst>
           </p:cNvPr>
@@ -3910,18 +8700,2439 @@
         </p:blipFill>
         <p:spPr>
           <a:xfrm>
-            <a:off x="4828207" y="1250609"/>
-            <a:ext cx="7256701" cy="3553723"/>
+            <a:off x="459611" y="633213"/>
+            <a:ext cx="4067175" cy="1085850"/>
           </a:xfrm>
           <a:prstGeom prst="rect">
             <a:avLst/>
           </a:prstGeom>
+        </p:spPr>
+      </p:pic>
+      <p:sp>
+        <p:nvSpPr>
+          <p:cNvPr id="3" name="TextBox 2">
+            <a:extLst>
+              <a:ext uri="{FF2B5EF4-FFF2-40B4-BE49-F238E27FC236}">
+                <a16:creationId xmlns:a16="http://schemas.microsoft.com/office/drawing/2014/main" id="{815B524F-1C91-4FC5-A6FC-00A19F075B09}"/>
+              </a:ext>
+            </a:extLst>
+          </p:cNvPr>
+          <p:cNvSpPr txBox="1"/>
+          <p:nvPr/>
+        </p:nvSpPr>
+        <p:spPr>
+          <a:xfrm>
+            <a:off x="4021584" y="1988598"/>
+            <a:ext cx="65" cy="276999"/>
+          </a:xfrm>
+          <a:prstGeom prst="rect">
+            <a:avLst/>
+          </a:prstGeom>
+          <a:noFill/>
+        </p:spPr>
+        <p:txBody>
+          <a:bodyPr wrap="none" lIns="0" tIns="0" rIns="0" bIns="0" rtlCol="0">
+            <a:spAutoFit/>
+          </a:bodyPr>
+          <a:lstStyle/>
+          <a:p>
+            <a:pPr fontAlgn="base">
+              <a:spcBef>
+                <a:spcPct val="50000"/>
+              </a:spcBef>
+              <a:spcAft>
+                <a:spcPct val="0"/>
+              </a:spcAft>
+              <a:buClr>
+                <a:srgbClr val="F0AB00"/>
+              </a:buClr>
+              <a:buSzPct val="80000"/>
+            </a:pPr>
+            <a:endParaRPr lang="en-IN" sz="1800" kern="0" dirty="0" err="1">
+              <a:ea typeface="Arial Unicode MS" pitchFamily="34" charset="-128"/>
+              <a:cs typeface="Arial Unicode MS" pitchFamily="34" charset="-128"/>
+            </a:endParaRPr>
+          </a:p>
+        </p:txBody>
+      </p:sp>
+      <p:sp>
+        <p:nvSpPr>
+          <p:cNvPr id="7" name="TextBox 6">
+            <a:extLst>
+              <a:ext uri="{FF2B5EF4-FFF2-40B4-BE49-F238E27FC236}">
+                <a16:creationId xmlns:a16="http://schemas.microsoft.com/office/drawing/2014/main" id="{562938D6-547D-4EC6-91B0-B6D89B56948B}"/>
+              </a:ext>
+            </a:extLst>
+          </p:cNvPr>
+          <p:cNvSpPr txBox="1"/>
+          <p:nvPr/>
+        </p:nvSpPr>
+        <p:spPr>
+          <a:xfrm>
+            <a:off x="454814" y="2373549"/>
+            <a:ext cx="9894888" cy="323165"/>
+          </a:xfrm>
+          <a:prstGeom prst="rect">
+            <a:avLst/>
+          </a:prstGeom>
+          <a:noFill/>
+        </p:spPr>
+        <p:txBody>
+          <a:bodyPr wrap="none" lIns="0" tIns="0" rIns="0" bIns="0" rtlCol="0">
+            <a:spAutoFit/>
+          </a:bodyPr>
+          <a:lstStyle/>
+          <a:p>
+            <a:pPr fontAlgn="base">
+              <a:spcBef>
+                <a:spcPct val="50000"/>
+              </a:spcBef>
+              <a:spcAft>
+                <a:spcPct val="0"/>
+              </a:spcAft>
+              <a:buClr>
+                <a:srgbClr val="F0AB00"/>
+              </a:buClr>
+              <a:buSzPct val="80000"/>
+            </a:pPr>
+            <a:r>
+              <a:rPr lang="en-US" dirty="0"/>
+              <a:t>SAP Fiori Fundamentals is a light-weight </a:t>
+            </a:r>
+            <a:r>
+              <a:rPr lang="en-US" b="1" dirty="0"/>
+              <a:t>presentation layer </a:t>
+            </a:r>
+            <a:r>
+              <a:rPr lang="en-US" dirty="0"/>
+              <a:t>using HTML and CSS.</a:t>
+            </a:r>
+            <a:endParaRPr lang="en-IN" sz="1800" kern="0" dirty="0" err="1">
+              <a:ea typeface="Arial Unicode MS" pitchFamily="34" charset="-128"/>
+              <a:cs typeface="Arial Unicode MS" pitchFamily="34" charset="-128"/>
+            </a:endParaRPr>
+          </a:p>
+        </p:txBody>
+      </p:sp>
+      <p:sp>
+        <p:nvSpPr>
+          <p:cNvPr id="9" name="Rectangle 8">
+            <a:extLst>
+              <a:ext uri="{FF2B5EF4-FFF2-40B4-BE49-F238E27FC236}">
+                <a16:creationId xmlns:a16="http://schemas.microsoft.com/office/drawing/2014/main" id="{C50F89B8-11A2-4CCF-A211-7FF424DA9075}"/>
+              </a:ext>
+            </a:extLst>
+          </p:cNvPr>
+          <p:cNvSpPr/>
+          <p:nvPr/>
+        </p:nvSpPr>
+        <p:spPr>
+          <a:xfrm>
+            <a:off x="366037" y="4234407"/>
+            <a:ext cx="11285546" cy="415498"/>
+          </a:xfrm>
+          <a:prstGeom prst="rect">
+            <a:avLst/>
+          </a:prstGeom>
+        </p:spPr>
+        <p:txBody>
+          <a:bodyPr wrap="square">
+            <a:spAutoFit/>
+          </a:bodyPr>
+          <a:lstStyle/>
+          <a:p>
+            <a:r>
+              <a:rPr lang="en-US" dirty="0">
+                <a:solidFill>
+                  <a:schemeClr val="bg2">
+                    <a:lumMod val="75000"/>
+                  </a:schemeClr>
+                </a:solidFill>
+                <a:latin typeface="Consolas" panose="020B0609020204030204" pitchFamily="49" charset="0"/>
+              </a:rPr>
+              <a:t>&lt;</a:t>
+            </a:r>
+            <a:r>
+              <a:rPr lang="en-US" dirty="0">
+                <a:solidFill>
+                  <a:schemeClr val="accent3"/>
+                </a:solidFill>
+                <a:latin typeface="Consolas" panose="020B0609020204030204" pitchFamily="49" charset="0"/>
+              </a:rPr>
+              <a:t>button</a:t>
+            </a:r>
+            <a:r>
+              <a:rPr lang="en-US" dirty="0">
+                <a:solidFill>
+                  <a:srgbClr val="D4D4D4"/>
+                </a:solidFill>
+                <a:latin typeface="Consolas" panose="020B0609020204030204" pitchFamily="49" charset="0"/>
+              </a:rPr>
+              <a:t> </a:t>
+            </a:r>
+            <a:r>
+              <a:rPr lang="en-US" dirty="0">
+                <a:solidFill>
+                  <a:schemeClr val="accent4"/>
+                </a:solidFill>
+                <a:latin typeface="Consolas" panose="020B0609020204030204" pitchFamily="49" charset="0"/>
+              </a:rPr>
+              <a:t>class</a:t>
+            </a:r>
+            <a:r>
+              <a:rPr lang="en-US" dirty="0">
+                <a:solidFill>
+                  <a:schemeClr val="bg2">
+                    <a:lumMod val="75000"/>
+                  </a:schemeClr>
+                </a:solidFill>
+                <a:latin typeface="Consolas" panose="020B0609020204030204" pitchFamily="49" charset="0"/>
+              </a:rPr>
+              <a:t>=</a:t>
+            </a:r>
+            <a:r>
+              <a:rPr lang="en-US" dirty="0">
+                <a:solidFill>
+                  <a:srgbClr val="CE9178"/>
+                </a:solidFill>
+                <a:latin typeface="Consolas" panose="020B0609020204030204" pitchFamily="49" charset="0"/>
+              </a:rPr>
+              <a:t>"fd-button--emphasized sap-icon--refresh"</a:t>
+            </a:r>
+            <a:r>
+              <a:rPr lang="en-US" dirty="0">
+                <a:solidFill>
+                  <a:schemeClr val="bg2">
+                    <a:lumMod val="75000"/>
+                  </a:schemeClr>
+                </a:solidFill>
+                <a:latin typeface="Consolas" panose="020B0609020204030204" pitchFamily="49" charset="0"/>
+              </a:rPr>
+              <a:t>&gt;</a:t>
+            </a:r>
+            <a:r>
+              <a:rPr lang="en-US" dirty="0">
+                <a:latin typeface="Consolas" panose="020B0609020204030204" pitchFamily="49" charset="0"/>
+              </a:rPr>
+              <a:t>Refresh</a:t>
+            </a:r>
+            <a:r>
+              <a:rPr lang="en-US" dirty="0">
+                <a:solidFill>
+                  <a:schemeClr val="bg2">
+                    <a:lumMod val="75000"/>
+                  </a:schemeClr>
+                </a:solidFill>
+                <a:latin typeface="Consolas" panose="020B0609020204030204" pitchFamily="49" charset="0"/>
+              </a:rPr>
+              <a:t>&lt;/</a:t>
+            </a:r>
+            <a:r>
+              <a:rPr lang="en-US" dirty="0">
+                <a:solidFill>
+                  <a:schemeClr val="accent3"/>
+                </a:solidFill>
+                <a:latin typeface="Consolas" panose="020B0609020204030204" pitchFamily="49" charset="0"/>
+              </a:rPr>
+              <a:t>button</a:t>
+            </a:r>
+            <a:r>
+              <a:rPr lang="en-US" dirty="0">
+                <a:solidFill>
+                  <a:schemeClr val="bg2">
+                    <a:lumMod val="75000"/>
+                  </a:schemeClr>
+                </a:solidFill>
+                <a:latin typeface="Consolas" panose="020B0609020204030204" pitchFamily="49" charset="0"/>
+              </a:rPr>
+              <a:t>&gt;</a:t>
+            </a:r>
+            <a:endParaRPr lang="en-US" b="0" dirty="0">
+              <a:solidFill>
+                <a:schemeClr val="bg2">
+                  <a:lumMod val="75000"/>
+                </a:schemeClr>
+              </a:solidFill>
+              <a:effectLst/>
+              <a:latin typeface="Consolas" panose="020B0609020204030204" pitchFamily="49" charset="0"/>
+            </a:endParaRPr>
+          </a:p>
+        </p:txBody>
+      </p:sp>
+      <p:sp>
+        <p:nvSpPr>
+          <p:cNvPr id="10" name="Rectangle 9">
+            <a:extLst>
+              <a:ext uri="{FF2B5EF4-FFF2-40B4-BE49-F238E27FC236}">
+                <a16:creationId xmlns:a16="http://schemas.microsoft.com/office/drawing/2014/main" id="{A47E1551-1638-4002-A855-D9596785E97A}"/>
+              </a:ext>
+            </a:extLst>
+          </p:cNvPr>
+          <p:cNvSpPr/>
+          <p:nvPr/>
+        </p:nvSpPr>
+        <p:spPr>
+          <a:xfrm>
+            <a:off x="366037" y="3162261"/>
+            <a:ext cx="10941620" cy="738664"/>
+          </a:xfrm>
+          <a:prstGeom prst="rect">
+            <a:avLst/>
+          </a:prstGeom>
+        </p:spPr>
+        <p:txBody>
+          <a:bodyPr wrap="square">
+            <a:spAutoFit/>
+          </a:bodyPr>
+          <a:lstStyle/>
+          <a:p>
+            <a:r>
+              <a:rPr lang="en-US" dirty="0">
+                <a:solidFill>
+                  <a:schemeClr val="tx2">
+                    <a:lumMod val="50000"/>
+                  </a:schemeClr>
+                </a:solidFill>
+                <a:latin typeface="Consolas" panose="020B0609020204030204" pitchFamily="49" charset="0"/>
+              </a:rPr>
+              <a:t>&lt;</a:t>
+            </a:r>
+            <a:r>
+              <a:rPr lang="en-US" dirty="0">
+                <a:solidFill>
+                  <a:schemeClr val="accent3"/>
+                </a:solidFill>
+                <a:latin typeface="Consolas" panose="020B0609020204030204" pitchFamily="49" charset="0"/>
+              </a:rPr>
+              <a:t>link</a:t>
+            </a:r>
+            <a:r>
+              <a:rPr lang="en-US" dirty="0">
+                <a:solidFill>
+                  <a:srgbClr val="D4D4D4"/>
+                </a:solidFill>
+                <a:latin typeface="Consolas" panose="020B0609020204030204" pitchFamily="49" charset="0"/>
+              </a:rPr>
+              <a:t> </a:t>
+            </a:r>
+            <a:r>
+              <a:rPr lang="en-US" dirty="0">
+                <a:solidFill>
+                  <a:schemeClr val="accent4"/>
+                </a:solidFill>
+                <a:latin typeface="Consolas" panose="020B0609020204030204" pitchFamily="49" charset="0"/>
+              </a:rPr>
+              <a:t>rel</a:t>
+            </a:r>
+            <a:r>
+              <a:rPr lang="en-US" dirty="0">
+                <a:solidFill>
+                  <a:schemeClr val="tx2">
+                    <a:lumMod val="50000"/>
+                  </a:schemeClr>
+                </a:solidFill>
+                <a:latin typeface="Consolas" panose="020B0609020204030204" pitchFamily="49" charset="0"/>
+              </a:rPr>
+              <a:t>=</a:t>
+            </a:r>
+            <a:r>
+              <a:rPr lang="en-US" dirty="0">
+                <a:solidFill>
+                  <a:srgbClr val="CE9178"/>
+                </a:solidFill>
+                <a:latin typeface="Consolas" panose="020B0609020204030204" pitchFamily="49" charset="0"/>
+              </a:rPr>
+              <a:t>'stylesheet'</a:t>
+            </a:r>
+            <a:r>
+              <a:rPr lang="en-US" dirty="0">
+                <a:solidFill>
+                  <a:srgbClr val="D4D4D4"/>
+                </a:solidFill>
+                <a:latin typeface="Consolas" panose="020B0609020204030204" pitchFamily="49" charset="0"/>
+              </a:rPr>
+              <a:t> </a:t>
+            </a:r>
+            <a:r>
+              <a:rPr lang="en-US" dirty="0">
+                <a:solidFill>
+                  <a:schemeClr val="accent4"/>
+                </a:solidFill>
+                <a:latin typeface="Consolas" panose="020B0609020204030204" pitchFamily="49" charset="0"/>
+              </a:rPr>
+              <a:t>type</a:t>
+            </a:r>
+            <a:r>
+              <a:rPr lang="en-US" dirty="0">
+                <a:solidFill>
+                  <a:schemeClr val="tx2">
+                    <a:lumMod val="50000"/>
+                  </a:schemeClr>
+                </a:solidFill>
+                <a:latin typeface="Consolas" panose="020B0609020204030204" pitchFamily="49" charset="0"/>
+              </a:rPr>
+              <a:t>=</a:t>
+            </a:r>
+            <a:r>
+              <a:rPr lang="en-US" dirty="0">
+                <a:solidFill>
+                  <a:srgbClr val="CE9178"/>
+                </a:solidFill>
+                <a:latin typeface="Consolas" panose="020B0609020204030204" pitchFamily="49" charset="0"/>
+              </a:rPr>
+              <a:t>'text/</a:t>
+            </a:r>
+            <a:r>
+              <a:rPr lang="en-US" dirty="0" err="1">
+                <a:solidFill>
+                  <a:srgbClr val="CE9178"/>
+                </a:solidFill>
+                <a:latin typeface="Consolas" panose="020B0609020204030204" pitchFamily="49" charset="0"/>
+              </a:rPr>
+              <a:t>css</a:t>
+            </a:r>
+            <a:r>
+              <a:rPr lang="en-US" dirty="0">
+                <a:solidFill>
+                  <a:srgbClr val="CE9178"/>
+                </a:solidFill>
+                <a:latin typeface="Consolas" panose="020B0609020204030204" pitchFamily="49" charset="0"/>
+              </a:rPr>
+              <a:t>'</a:t>
+            </a:r>
+            <a:r>
+              <a:rPr lang="en-US" dirty="0">
+                <a:solidFill>
+                  <a:srgbClr val="D4D4D4"/>
+                </a:solidFill>
+                <a:latin typeface="Consolas" panose="020B0609020204030204" pitchFamily="49" charset="0"/>
+              </a:rPr>
+              <a:t> </a:t>
+            </a:r>
+            <a:r>
+              <a:rPr lang="en-US" dirty="0" err="1">
+                <a:solidFill>
+                  <a:schemeClr val="accent4"/>
+                </a:solidFill>
+                <a:latin typeface="Consolas" panose="020B0609020204030204" pitchFamily="49" charset="0"/>
+              </a:rPr>
+              <a:t>href</a:t>
+            </a:r>
+            <a:r>
+              <a:rPr lang="en-US" dirty="0">
+                <a:solidFill>
+                  <a:schemeClr val="tx2">
+                    <a:lumMod val="50000"/>
+                  </a:schemeClr>
+                </a:solidFill>
+                <a:latin typeface="Consolas" panose="020B0609020204030204" pitchFamily="49" charset="0"/>
+              </a:rPr>
+              <a:t>=</a:t>
+            </a:r>
+            <a:r>
+              <a:rPr lang="en-US" dirty="0">
+                <a:solidFill>
+                  <a:srgbClr val="CE9178"/>
+                </a:solidFill>
+                <a:latin typeface="Consolas" panose="020B0609020204030204" pitchFamily="49" charset="0"/>
+              </a:rPr>
+              <a:t>'https://unpkg.com/fiori-fundamentals@1.5.8/</a:t>
+            </a:r>
+            <a:r>
+              <a:rPr lang="en-US" dirty="0" err="1">
+                <a:solidFill>
+                  <a:srgbClr val="CE9178"/>
+                </a:solidFill>
+                <a:latin typeface="Consolas" panose="020B0609020204030204" pitchFamily="49" charset="0"/>
+              </a:rPr>
+              <a:t>dist</a:t>
+            </a:r>
+            <a:r>
+              <a:rPr lang="en-US" dirty="0">
+                <a:solidFill>
+                  <a:srgbClr val="CE9178"/>
+                </a:solidFill>
+                <a:latin typeface="Consolas" panose="020B0609020204030204" pitchFamily="49" charset="0"/>
+              </a:rPr>
+              <a:t>/fiori-fundamentals.min.css'</a:t>
+            </a:r>
+            <a:r>
+              <a:rPr lang="en-US" dirty="0">
+                <a:solidFill>
+                  <a:schemeClr val="tx2">
+                    <a:lumMod val="50000"/>
+                  </a:schemeClr>
+                </a:solidFill>
+                <a:latin typeface="Consolas" panose="020B0609020204030204" pitchFamily="49" charset="0"/>
+              </a:rPr>
+              <a:t>&gt;</a:t>
+            </a:r>
+            <a:endParaRPr lang="en-US" b="0" dirty="0">
+              <a:solidFill>
+                <a:schemeClr val="tx2">
+                  <a:lumMod val="50000"/>
+                </a:schemeClr>
+              </a:solidFill>
+              <a:effectLst/>
+              <a:latin typeface="Consolas" panose="020B0609020204030204" pitchFamily="49" charset="0"/>
+            </a:endParaRPr>
+          </a:p>
+        </p:txBody>
+      </p:sp>
+      <p:pic>
+        <p:nvPicPr>
+          <p:cNvPr id="14" name="Picture 13">
+            <a:extLst>
+              <a:ext uri="{FF2B5EF4-FFF2-40B4-BE49-F238E27FC236}">
+                <a16:creationId xmlns:a16="http://schemas.microsoft.com/office/drawing/2014/main" id="{9EADB5DE-89ED-4143-8D33-C4C65B76258E}"/>
+              </a:ext>
+            </a:extLst>
+          </p:cNvPr>
+          <p:cNvPicPr>
+            <a:picLocks noChangeAspect="1"/>
+          </p:cNvPicPr>
+          <p:nvPr/>
+        </p:nvPicPr>
+        <p:blipFill>
+          <a:blip r:embed="rId3"/>
+          <a:stretch>
+            <a:fillRect/>
+          </a:stretch>
+        </p:blipFill>
+        <p:spPr>
+          <a:xfrm>
+            <a:off x="3043160" y="5094621"/>
+            <a:ext cx="1190625" cy="504825"/>
+          </a:xfrm>
+          <a:prstGeom prst="rect">
+            <a:avLst/>
+          </a:prstGeom>
+        </p:spPr>
+      </p:pic>
+      <p:pic>
+        <p:nvPicPr>
+          <p:cNvPr id="15" name="Picture 14">
+            <a:extLst>
+              <a:ext uri="{FF2B5EF4-FFF2-40B4-BE49-F238E27FC236}">
+                <a16:creationId xmlns:a16="http://schemas.microsoft.com/office/drawing/2014/main" id="{66BECB74-FBF5-4DCB-BE3F-6B0B9BA41084}"/>
+              </a:ext>
+            </a:extLst>
+          </p:cNvPr>
+          <p:cNvPicPr>
+            <a:picLocks noChangeAspect="1"/>
+          </p:cNvPicPr>
+          <p:nvPr/>
+        </p:nvPicPr>
+        <p:blipFill>
+          <a:blip r:embed="rId4"/>
+          <a:stretch>
+            <a:fillRect/>
+          </a:stretch>
+        </p:blipFill>
+        <p:spPr>
+          <a:xfrm>
+            <a:off x="6956333" y="5091710"/>
+            <a:ext cx="1190625" cy="504825"/>
+          </a:xfrm>
+          <a:prstGeom prst="rect">
+            <a:avLst/>
+          </a:prstGeom>
+        </p:spPr>
+      </p:pic>
+      <p:sp>
+        <p:nvSpPr>
+          <p:cNvPr id="16" name="Arrow: Right 15">
+            <a:extLst>
+              <a:ext uri="{FF2B5EF4-FFF2-40B4-BE49-F238E27FC236}">
+                <a16:creationId xmlns:a16="http://schemas.microsoft.com/office/drawing/2014/main" id="{04235B76-BAA3-4C3C-837F-31B8DC5C7A16}"/>
+              </a:ext>
+            </a:extLst>
+          </p:cNvPr>
+          <p:cNvSpPr/>
+          <p:nvPr/>
+        </p:nvSpPr>
+        <p:spPr bwMode="gray">
+          <a:xfrm>
+            <a:off x="4233786" y="5219143"/>
+            <a:ext cx="2690798" cy="249960"/>
+          </a:xfrm>
+          <a:prstGeom prst="rightArrow">
+            <a:avLst/>
+          </a:prstGeom>
+          <a:solidFill>
+            <a:schemeClr val="accent1"/>
+          </a:solidFill>
+          <a:ln w="25400" algn="ctr">
+            <a:solidFill>
+              <a:schemeClr val="tx1"/>
+            </a:solidFill>
+            <a:miter lim="800000"/>
+            <a:headEnd/>
+            <a:tailEnd/>
+          </a:ln>
+        </p:spPr>
+        <p:txBody>
+          <a:bodyPr lIns="90000" tIns="72000" rIns="90000" bIns="72000" rtlCol="0" anchor="ctr"/>
+          <a:lstStyle/>
+          <a:p>
+            <a:pPr marR="0" algn="ctr" defTabSz="914400" eaLnBrk="1" fontAlgn="base" latinLnBrk="0" hangingPunct="1">
+              <a:lnSpc>
+                <a:spcPct val="100000"/>
+              </a:lnSpc>
+              <a:spcBef>
+                <a:spcPct val="50000"/>
+              </a:spcBef>
+              <a:spcAft>
+                <a:spcPct val="0"/>
+              </a:spcAft>
+              <a:buClr>
+                <a:srgbClr val="F0AB00"/>
+              </a:buClr>
+              <a:buSzPct val="80000"/>
+              <a:tabLst/>
+            </a:pPr>
+            <a:endParaRPr kumimoji="0" lang="en-IN" sz="1800" b="0" i="0" u="none" strike="noStrike" kern="0" cap="none" spc="0" normalizeH="0" baseline="0" noProof="0" dirty="0" err="1">
+              <a:ln>
+                <a:noFill/>
+              </a:ln>
+              <a:effectLst/>
+              <a:uLnTx/>
+              <a:uFillTx/>
+              <a:ea typeface="Arial Unicode MS" pitchFamily="34" charset="-128"/>
+              <a:cs typeface="Arial Unicode MS" pitchFamily="34" charset="-128"/>
+            </a:endParaRPr>
+          </a:p>
+        </p:txBody>
+      </p:sp>
+      <p:cxnSp>
+        <p:nvCxnSpPr>
+          <p:cNvPr id="20" name="Connector: Elbow 19">
+            <a:extLst>
+              <a:ext uri="{FF2B5EF4-FFF2-40B4-BE49-F238E27FC236}">
+                <a16:creationId xmlns:a16="http://schemas.microsoft.com/office/drawing/2014/main" id="{AEA9B600-7DE9-44FE-877A-D75350FD3A1A}"/>
+              </a:ext>
+            </a:extLst>
+          </p:cNvPr>
+          <p:cNvCxnSpPr>
+            <a:cxnSpLocks/>
+          </p:cNvCxnSpPr>
+          <p:nvPr/>
+        </p:nvCxnSpPr>
+        <p:spPr>
+          <a:xfrm rot="5400000" flipH="1" flipV="1">
+            <a:off x="3129608" y="5622702"/>
+            <a:ext cx="470058" cy="372862"/>
+          </a:xfrm>
+          <a:prstGeom prst="bentConnector3">
+            <a:avLst>
+              <a:gd name="adj1" fmla="val -44432"/>
+            </a:avLst>
+          </a:prstGeom>
+          <a:ln w="25400">
+            <a:solidFill>
+              <a:schemeClr val="tx1"/>
+            </a:solidFill>
+            <a:headEnd type="none" w="med" len="med"/>
+            <a:tailEnd type="triangle"/>
+          </a:ln>
+        </p:spPr>
+        <p:style>
+          <a:lnRef idx="1">
+            <a:schemeClr val="accent1"/>
+          </a:lnRef>
+          <a:fillRef idx="0">
+            <a:schemeClr val="accent1"/>
+          </a:fillRef>
+          <a:effectRef idx="0">
+            <a:schemeClr val="accent1"/>
+          </a:effectRef>
+          <a:fontRef idx="minor">
+            <a:schemeClr val="tx1"/>
+          </a:fontRef>
+        </p:style>
+      </p:cxnSp>
+      <p:sp>
+        <p:nvSpPr>
+          <p:cNvPr id="25" name="TextBox 24">
+            <a:extLst>
+              <a:ext uri="{FF2B5EF4-FFF2-40B4-BE49-F238E27FC236}">
+                <a16:creationId xmlns:a16="http://schemas.microsoft.com/office/drawing/2014/main" id="{3CF4FC92-8D42-4CE8-B5CB-41015AAC4A3F}"/>
+              </a:ext>
+            </a:extLst>
+          </p:cNvPr>
+          <p:cNvSpPr txBox="1"/>
+          <p:nvPr/>
+        </p:nvSpPr>
+        <p:spPr>
+          <a:xfrm>
+            <a:off x="409763" y="5809133"/>
+            <a:ext cx="2693045" cy="553998"/>
+          </a:xfrm>
+          <a:prstGeom prst="rect">
+            <a:avLst/>
+          </a:prstGeom>
+          <a:noFill/>
+        </p:spPr>
+        <p:txBody>
+          <a:bodyPr wrap="none" lIns="0" tIns="0" rIns="0" bIns="0" rtlCol="0">
+            <a:spAutoFit/>
+          </a:bodyPr>
+          <a:lstStyle/>
+          <a:p>
+            <a:pPr algn="ctr" fontAlgn="base">
+              <a:spcBef>
+                <a:spcPct val="50000"/>
+              </a:spcBef>
+              <a:spcAft>
+                <a:spcPct val="0"/>
+              </a:spcAft>
+              <a:buClr>
+                <a:srgbClr val="F0AB00"/>
+              </a:buClr>
+              <a:buSzPct val="80000"/>
+            </a:pPr>
+            <a:r>
+              <a:rPr lang="en-IN" sz="1800" kern="0" dirty="0">
+                <a:ea typeface="Arial Unicode MS" pitchFamily="34" charset="-128"/>
+                <a:cs typeface="Arial Unicode MS" pitchFamily="34" charset="-128"/>
+              </a:rPr>
+              <a:t>Doesn’t follow Fiori design</a:t>
+            </a:r>
+            <a:br>
+              <a:rPr lang="en-IN" sz="1800" kern="0" dirty="0">
+                <a:ea typeface="Arial Unicode MS" pitchFamily="34" charset="-128"/>
+                <a:cs typeface="Arial Unicode MS" pitchFamily="34" charset="-128"/>
+              </a:rPr>
+            </a:br>
+            <a:r>
+              <a:rPr lang="en-IN" sz="1800" kern="0" dirty="0">
+                <a:ea typeface="Arial Unicode MS" pitchFamily="34" charset="-128"/>
+                <a:cs typeface="Arial Unicode MS" pitchFamily="34" charset="-128"/>
+              </a:rPr>
+              <a:t>principles</a:t>
+            </a:r>
+          </a:p>
+        </p:txBody>
+      </p:sp>
+      <p:sp>
+        <p:nvSpPr>
+          <p:cNvPr id="26" name="Rectangle 25">
+            <a:extLst>
+              <a:ext uri="{FF2B5EF4-FFF2-40B4-BE49-F238E27FC236}">
+                <a16:creationId xmlns:a16="http://schemas.microsoft.com/office/drawing/2014/main" id="{05A4B43B-303D-4B91-8C9C-998466A0F5ED}"/>
+              </a:ext>
+            </a:extLst>
+          </p:cNvPr>
+          <p:cNvSpPr/>
+          <p:nvPr/>
+        </p:nvSpPr>
+        <p:spPr bwMode="gray">
+          <a:xfrm>
+            <a:off x="366037" y="5809133"/>
+            <a:ext cx="2812169" cy="582789"/>
+          </a:xfrm>
+          <a:prstGeom prst="rect">
+            <a:avLst/>
+          </a:prstGeom>
+          <a:noFill/>
+          <a:ln w="25400" algn="ctr">
+            <a:solidFill>
+              <a:schemeClr val="tx1"/>
+            </a:solidFill>
+            <a:miter lim="800000"/>
+            <a:headEnd/>
+            <a:tailEnd/>
+          </a:ln>
+        </p:spPr>
+        <p:txBody>
+          <a:bodyPr lIns="90000" tIns="72000" rIns="90000" bIns="72000" rtlCol="0" anchor="ctr"/>
+          <a:lstStyle/>
+          <a:p>
+            <a:pPr marR="0" algn="ctr" defTabSz="914400" eaLnBrk="1" fontAlgn="base" latinLnBrk="0" hangingPunct="1">
+              <a:lnSpc>
+                <a:spcPct val="100000"/>
+              </a:lnSpc>
+              <a:spcBef>
+                <a:spcPct val="50000"/>
+              </a:spcBef>
+              <a:spcAft>
+                <a:spcPct val="0"/>
+              </a:spcAft>
+              <a:buClr>
+                <a:srgbClr val="F0AB00"/>
+              </a:buClr>
+              <a:buSzPct val="80000"/>
+              <a:tabLst/>
+            </a:pPr>
+            <a:endParaRPr kumimoji="0" lang="en-IN" sz="1800" b="0" i="0" u="none" strike="noStrike" kern="0" cap="none" spc="0" normalizeH="0" baseline="0" noProof="0" dirty="0" err="1">
+              <a:ln>
+                <a:noFill/>
+              </a:ln>
+              <a:effectLst/>
+              <a:uLnTx/>
+              <a:uFillTx/>
+              <a:ea typeface="Arial Unicode MS" pitchFamily="34" charset="-128"/>
+              <a:cs typeface="Arial Unicode MS" pitchFamily="34" charset="-128"/>
+            </a:endParaRPr>
+          </a:p>
+        </p:txBody>
+      </p:sp>
+      <p:sp>
+        <p:nvSpPr>
+          <p:cNvPr id="30" name="TextBox 29">
+            <a:extLst>
+              <a:ext uri="{FF2B5EF4-FFF2-40B4-BE49-F238E27FC236}">
+                <a16:creationId xmlns:a16="http://schemas.microsoft.com/office/drawing/2014/main" id="{A10A9CB0-8384-493F-80A6-4049BC27BEC8}"/>
+              </a:ext>
+            </a:extLst>
+          </p:cNvPr>
+          <p:cNvSpPr txBox="1"/>
+          <p:nvPr/>
+        </p:nvSpPr>
+        <p:spPr>
+          <a:xfrm>
+            <a:off x="8417440" y="5752231"/>
+            <a:ext cx="2039020" cy="553998"/>
+          </a:xfrm>
+          <a:prstGeom prst="rect">
+            <a:avLst/>
+          </a:prstGeom>
+          <a:noFill/>
+        </p:spPr>
+        <p:txBody>
+          <a:bodyPr wrap="none" lIns="0" tIns="0" rIns="0" bIns="0" rtlCol="0">
+            <a:spAutoFit/>
+          </a:bodyPr>
+          <a:lstStyle/>
+          <a:p>
+            <a:pPr algn="ctr" fontAlgn="base">
+              <a:spcBef>
+                <a:spcPct val="50000"/>
+              </a:spcBef>
+              <a:spcAft>
+                <a:spcPct val="0"/>
+              </a:spcAft>
+              <a:buClr>
+                <a:srgbClr val="F0AB00"/>
+              </a:buClr>
+              <a:buSzPct val="80000"/>
+            </a:pPr>
+            <a:r>
+              <a:rPr lang="en-IN" sz="1800" kern="0" dirty="0">
+                <a:ea typeface="Arial Unicode MS" pitchFamily="34" charset="-128"/>
+                <a:cs typeface="Arial Unicode MS" pitchFamily="34" charset="-128"/>
+              </a:rPr>
+              <a:t>Follows Fiori design</a:t>
+            </a:r>
+            <a:br>
+              <a:rPr lang="en-IN" sz="1800" kern="0" dirty="0">
+                <a:ea typeface="Arial Unicode MS" pitchFamily="34" charset="-128"/>
+                <a:cs typeface="Arial Unicode MS" pitchFamily="34" charset="-128"/>
+              </a:rPr>
+            </a:br>
+            <a:r>
+              <a:rPr lang="en-IN" sz="1800" kern="0" dirty="0">
+                <a:ea typeface="Arial Unicode MS" pitchFamily="34" charset="-128"/>
+                <a:cs typeface="Arial Unicode MS" pitchFamily="34" charset="-128"/>
+              </a:rPr>
+              <a:t>principles</a:t>
+            </a:r>
+          </a:p>
+        </p:txBody>
+      </p:sp>
+      <p:sp>
+        <p:nvSpPr>
+          <p:cNvPr id="31" name="Rectangle 30">
+            <a:extLst>
+              <a:ext uri="{FF2B5EF4-FFF2-40B4-BE49-F238E27FC236}">
+                <a16:creationId xmlns:a16="http://schemas.microsoft.com/office/drawing/2014/main" id="{E48AD302-7C99-4704-8092-1500EBDA4DBC}"/>
+              </a:ext>
+            </a:extLst>
+          </p:cNvPr>
+          <p:cNvSpPr/>
+          <p:nvPr/>
+        </p:nvSpPr>
+        <p:spPr bwMode="gray">
+          <a:xfrm>
+            <a:off x="8030864" y="5752231"/>
+            <a:ext cx="2812169" cy="582789"/>
+          </a:xfrm>
+          <a:prstGeom prst="rect">
+            <a:avLst/>
+          </a:prstGeom>
+          <a:noFill/>
+          <a:ln w="25400" algn="ctr">
+            <a:solidFill>
+              <a:schemeClr val="tx1"/>
+            </a:solidFill>
+            <a:miter lim="800000"/>
+            <a:headEnd/>
+            <a:tailEnd/>
+          </a:ln>
+        </p:spPr>
+        <p:txBody>
+          <a:bodyPr lIns="90000" tIns="72000" rIns="90000" bIns="72000" rtlCol="0" anchor="ctr"/>
+          <a:lstStyle/>
+          <a:p>
+            <a:pPr marR="0" algn="ctr" defTabSz="914400" eaLnBrk="1" fontAlgn="base" latinLnBrk="0" hangingPunct="1">
+              <a:lnSpc>
+                <a:spcPct val="100000"/>
+              </a:lnSpc>
+              <a:spcBef>
+                <a:spcPct val="50000"/>
+              </a:spcBef>
+              <a:spcAft>
+                <a:spcPct val="0"/>
+              </a:spcAft>
+              <a:buClr>
+                <a:srgbClr val="F0AB00"/>
+              </a:buClr>
+              <a:buSzPct val="80000"/>
+              <a:tabLst/>
+            </a:pPr>
+            <a:endParaRPr kumimoji="0" lang="en-IN" sz="1800" b="0" i="0" u="none" strike="noStrike" kern="0" cap="none" spc="0" normalizeH="0" baseline="0" noProof="0" dirty="0" err="1">
+              <a:ln>
+                <a:noFill/>
+              </a:ln>
+              <a:effectLst/>
+              <a:uLnTx/>
+              <a:uFillTx/>
+              <a:ea typeface="Arial Unicode MS" pitchFamily="34" charset="-128"/>
+              <a:cs typeface="Arial Unicode MS" pitchFamily="34" charset="-128"/>
+            </a:endParaRPr>
+          </a:p>
+        </p:txBody>
+      </p:sp>
+      <p:cxnSp>
+        <p:nvCxnSpPr>
+          <p:cNvPr id="28" name="Connector: Elbow 27">
+            <a:extLst>
+              <a:ext uri="{FF2B5EF4-FFF2-40B4-BE49-F238E27FC236}">
+                <a16:creationId xmlns:a16="http://schemas.microsoft.com/office/drawing/2014/main" id="{87334014-3A7C-4F98-8034-6A5505BC7256}"/>
+              </a:ext>
+            </a:extLst>
+          </p:cNvPr>
+          <p:cNvCxnSpPr>
+            <a:cxnSpLocks/>
+          </p:cNvCxnSpPr>
+          <p:nvPr/>
+        </p:nvCxnSpPr>
+        <p:spPr>
+          <a:xfrm rot="16200000" flipV="1">
+            <a:off x="7375696" y="5616941"/>
+            <a:ext cx="685914" cy="592752"/>
+          </a:xfrm>
+          <a:prstGeom prst="bentConnector3">
+            <a:avLst>
+              <a:gd name="adj1" fmla="val 817"/>
+            </a:avLst>
+          </a:prstGeom>
+          <a:ln w="25400">
+            <a:solidFill>
+              <a:schemeClr val="tx1"/>
+            </a:solidFill>
+            <a:headEnd type="none" w="med" len="med"/>
+            <a:tailEnd type="triangle"/>
+          </a:ln>
+        </p:spPr>
+        <p:style>
+          <a:lnRef idx="1">
+            <a:schemeClr val="accent1"/>
+          </a:lnRef>
+          <a:fillRef idx="0">
+            <a:schemeClr val="accent1"/>
+          </a:fillRef>
+          <a:effectRef idx="0">
+            <a:schemeClr val="accent1"/>
+          </a:effectRef>
+          <a:fontRef idx="minor">
+            <a:schemeClr val="tx1"/>
+          </a:fontRef>
+        </p:style>
+      </p:cxnSp>
+    </p:spTree>
+    <p:extLst>
+      <p:ext uri="{BB962C8B-B14F-4D97-AF65-F5344CB8AC3E}">
+        <p14:creationId xmlns:p14="http://schemas.microsoft.com/office/powerpoint/2010/main" val="1327262491"/>
+      </p:ext>
+    </p:extLst>
+  </p:cSld>
+  <p:clrMapOvr>
+    <a:masterClrMapping/>
+  </p:clrMapOvr>
+  <p:timing>
+    <p:tnLst>
+      <p:par>
+        <p:cTn id="1" dur="indefinite" restart="never" nodeType="tmRoot">
+          <p:childTnLst>
+            <p:seq concurrent="1" nextAc="seek">
+              <p:cTn id="2" dur="indefinite" nodeType="mainSeq">
+                <p:childTnLst>
+                  <p:par>
+                    <p:cTn id="3" fill="hold">
+                      <p:stCondLst>
+                        <p:cond delay="indefinite"/>
+                      </p:stCondLst>
+                      <p:childTnLst>
+                        <p:par>
+                          <p:cTn id="4" fill="hold">
+                            <p:stCondLst>
+                              <p:cond delay="0"/>
+                            </p:stCondLst>
+                            <p:childTnLst>
+                              <p:par>
+                                <p:cTn id="5" presetID="2" presetClass="entr" presetSubtype="4" fill="hold" grpId="0" nodeType="clickEffect">
+                                  <p:stCondLst>
+                                    <p:cond delay="0"/>
+                                  </p:stCondLst>
+                                  <p:childTnLst>
+                                    <p:set>
+                                      <p:cBhvr>
+                                        <p:cTn id="6" dur="1" fill="hold">
+                                          <p:stCondLst>
+                                            <p:cond delay="0"/>
+                                          </p:stCondLst>
+                                        </p:cTn>
+                                        <p:tgtEl>
+                                          <p:spTgt spid="10"/>
+                                        </p:tgtEl>
+                                        <p:attrNameLst>
+                                          <p:attrName>style.visibility</p:attrName>
+                                        </p:attrNameLst>
+                                      </p:cBhvr>
+                                      <p:to>
+                                        <p:strVal val="visible"/>
+                                      </p:to>
+                                    </p:set>
+                                    <p:anim calcmode="lin" valueType="num">
+                                      <p:cBhvr additive="base">
+                                        <p:cTn id="7" dur="500" fill="hold"/>
+                                        <p:tgtEl>
+                                          <p:spTgt spid="10"/>
+                                        </p:tgtEl>
+                                        <p:attrNameLst>
+                                          <p:attrName>ppt_x</p:attrName>
+                                        </p:attrNameLst>
+                                      </p:cBhvr>
+                                      <p:tavLst>
+                                        <p:tav tm="0">
+                                          <p:val>
+                                            <p:strVal val="#ppt_x"/>
+                                          </p:val>
+                                        </p:tav>
+                                        <p:tav tm="100000">
+                                          <p:val>
+                                            <p:strVal val="#ppt_x"/>
+                                          </p:val>
+                                        </p:tav>
+                                      </p:tavLst>
+                                    </p:anim>
+                                    <p:anim calcmode="lin" valueType="num">
+                                      <p:cBhvr additive="base">
+                                        <p:cTn id="8" dur="500" fill="hold"/>
+                                        <p:tgtEl>
+                                          <p:spTgt spid="10"/>
+                                        </p:tgtEl>
+                                        <p:attrNameLst>
+                                          <p:attrName>ppt_y</p:attrName>
+                                        </p:attrNameLst>
+                                      </p:cBhvr>
+                                      <p:tavLst>
+                                        <p:tav tm="0">
+                                          <p:val>
+                                            <p:strVal val="1+#ppt_h/2"/>
+                                          </p:val>
+                                        </p:tav>
+                                        <p:tav tm="100000">
+                                          <p:val>
+                                            <p:strVal val="#ppt_y"/>
+                                          </p:val>
+                                        </p:tav>
+                                      </p:tavLst>
+                                    </p:anim>
+                                  </p:childTnLst>
+                                </p:cTn>
+                              </p:par>
+                            </p:childTnLst>
+                          </p:cTn>
+                        </p:par>
+                      </p:childTnLst>
+                    </p:cTn>
+                  </p:par>
+                  <p:par>
+                    <p:cTn id="9" fill="hold">
+                      <p:stCondLst>
+                        <p:cond delay="indefinite"/>
+                      </p:stCondLst>
+                      <p:childTnLst>
+                        <p:par>
+                          <p:cTn id="10" fill="hold">
+                            <p:stCondLst>
+                              <p:cond delay="0"/>
+                            </p:stCondLst>
+                            <p:childTnLst>
+                              <p:par>
+                                <p:cTn id="11" presetID="2" presetClass="entr" presetSubtype="4" fill="hold" grpId="0" nodeType="clickEffect">
+                                  <p:stCondLst>
+                                    <p:cond delay="0"/>
+                                  </p:stCondLst>
+                                  <p:childTnLst>
+                                    <p:set>
+                                      <p:cBhvr>
+                                        <p:cTn id="12" dur="1" fill="hold">
+                                          <p:stCondLst>
+                                            <p:cond delay="0"/>
+                                          </p:stCondLst>
+                                        </p:cTn>
+                                        <p:tgtEl>
+                                          <p:spTgt spid="9"/>
+                                        </p:tgtEl>
+                                        <p:attrNameLst>
+                                          <p:attrName>style.visibility</p:attrName>
+                                        </p:attrNameLst>
+                                      </p:cBhvr>
+                                      <p:to>
+                                        <p:strVal val="visible"/>
+                                      </p:to>
+                                    </p:set>
+                                    <p:anim calcmode="lin" valueType="num">
+                                      <p:cBhvr additive="base">
+                                        <p:cTn id="13" dur="500" fill="hold"/>
+                                        <p:tgtEl>
+                                          <p:spTgt spid="9"/>
+                                        </p:tgtEl>
+                                        <p:attrNameLst>
+                                          <p:attrName>ppt_x</p:attrName>
+                                        </p:attrNameLst>
+                                      </p:cBhvr>
+                                      <p:tavLst>
+                                        <p:tav tm="0">
+                                          <p:val>
+                                            <p:strVal val="#ppt_x"/>
+                                          </p:val>
+                                        </p:tav>
+                                        <p:tav tm="100000">
+                                          <p:val>
+                                            <p:strVal val="#ppt_x"/>
+                                          </p:val>
+                                        </p:tav>
+                                      </p:tavLst>
+                                    </p:anim>
+                                    <p:anim calcmode="lin" valueType="num">
+                                      <p:cBhvr additive="base">
+                                        <p:cTn id="14" dur="500" fill="hold"/>
+                                        <p:tgtEl>
+                                          <p:spTgt spid="9"/>
+                                        </p:tgtEl>
+                                        <p:attrNameLst>
+                                          <p:attrName>ppt_y</p:attrName>
+                                        </p:attrNameLst>
+                                      </p:cBhvr>
+                                      <p:tavLst>
+                                        <p:tav tm="0">
+                                          <p:val>
+                                            <p:strVal val="1+#ppt_h/2"/>
+                                          </p:val>
+                                        </p:tav>
+                                        <p:tav tm="100000">
+                                          <p:val>
+                                            <p:strVal val="#ppt_y"/>
+                                          </p:val>
+                                        </p:tav>
+                                      </p:tavLst>
+                                    </p:anim>
+                                  </p:childTnLst>
+                                </p:cTn>
+                              </p:par>
+                            </p:childTnLst>
+                          </p:cTn>
+                        </p:par>
+                      </p:childTnLst>
+                    </p:cTn>
+                  </p:par>
+                  <p:par>
+                    <p:cTn id="15" fill="hold">
+                      <p:stCondLst>
+                        <p:cond delay="indefinite"/>
+                      </p:stCondLst>
+                      <p:childTnLst>
+                        <p:par>
+                          <p:cTn id="16" fill="hold">
+                            <p:stCondLst>
+                              <p:cond delay="0"/>
+                            </p:stCondLst>
+                            <p:childTnLst>
+                              <p:par>
+                                <p:cTn id="17" presetID="2" presetClass="entr" presetSubtype="4" fill="hold" nodeType="clickEffect">
+                                  <p:stCondLst>
+                                    <p:cond delay="0"/>
+                                  </p:stCondLst>
+                                  <p:childTnLst>
+                                    <p:set>
+                                      <p:cBhvr>
+                                        <p:cTn id="18" dur="1" fill="hold">
+                                          <p:stCondLst>
+                                            <p:cond delay="0"/>
+                                          </p:stCondLst>
+                                        </p:cTn>
+                                        <p:tgtEl>
+                                          <p:spTgt spid="14"/>
+                                        </p:tgtEl>
+                                        <p:attrNameLst>
+                                          <p:attrName>style.visibility</p:attrName>
+                                        </p:attrNameLst>
+                                      </p:cBhvr>
+                                      <p:to>
+                                        <p:strVal val="visible"/>
+                                      </p:to>
+                                    </p:set>
+                                    <p:anim calcmode="lin" valueType="num">
+                                      <p:cBhvr additive="base">
+                                        <p:cTn id="19" dur="500" fill="hold"/>
+                                        <p:tgtEl>
+                                          <p:spTgt spid="14"/>
+                                        </p:tgtEl>
+                                        <p:attrNameLst>
+                                          <p:attrName>ppt_x</p:attrName>
+                                        </p:attrNameLst>
+                                      </p:cBhvr>
+                                      <p:tavLst>
+                                        <p:tav tm="0">
+                                          <p:val>
+                                            <p:strVal val="#ppt_x"/>
+                                          </p:val>
+                                        </p:tav>
+                                        <p:tav tm="100000">
+                                          <p:val>
+                                            <p:strVal val="#ppt_x"/>
+                                          </p:val>
+                                        </p:tav>
+                                      </p:tavLst>
+                                    </p:anim>
+                                    <p:anim calcmode="lin" valueType="num">
+                                      <p:cBhvr additive="base">
+                                        <p:cTn id="20" dur="500" fill="hold"/>
+                                        <p:tgtEl>
+                                          <p:spTgt spid="14"/>
+                                        </p:tgtEl>
+                                        <p:attrNameLst>
+                                          <p:attrName>ppt_y</p:attrName>
+                                        </p:attrNameLst>
+                                      </p:cBhvr>
+                                      <p:tavLst>
+                                        <p:tav tm="0">
+                                          <p:val>
+                                            <p:strVal val="1+#ppt_h/2"/>
+                                          </p:val>
+                                        </p:tav>
+                                        <p:tav tm="100000">
+                                          <p:val>
+                                            <p:strVal val="#ppt_y"/>
+                                          </p:val>
+                                        </p:tav>
+                                      </p:tavLst>
+                                    </p:anim>
+                                  </p:childTnLst>
+                                </p:cTn>
+                              </p:par>
+                              <p:par>
+                                <p:cTn id="21" presetID="2" presetClass="entr" presetSubtype="4" fill="hold" nodeType="withEffect">
+                                  <p:stCondLst>
+                                    <p:cond delay="0"/>
+                                  </p:stCondLst>
+                                  <p:childTnLst>
+                                    <p:set>
+                                      <p:cBhvr>
+                                        <p:cTn id="22" dur="1" fill="hold">
+                                          <p:stCondLst>
+                                            <p:cond delay="0"/>
+                                          </p:stCondLst>
+                                        </p:cTn>
+                                        <p:tgtEl>
+                                          <p:spTgt spid="15"/>
+                                        </p:tgtEl>
+                                        <p:attrNameLst>
+                                          <p:attrName>style.visibility</p:attrName>
+                                        </p:attrNameLst>
+                                      </p:cBhvr>
+                                      <p:to>
+                                        <p:strVal val="visible"/>
+                                      </p:to>
+                                    </p:set>
+                                    <p:anim calcmode="lin" valueType="num">
+                                      <p:cBhvr additive="base">
+                                        <p:cTn id="23" dur="500" fill="hold"/>
+                                        <p:tgtEl>
+                                          <p:spTgt spid="15"/>
+                                        </p:tgtEl>
+                                        <p:attrNameLst>
+                                          <p:attrName>ppt_x</p:attrName>
+                                        </p:attrNameLst>
+                                      </p:cBhvr>
+                                      <p:tavLst>
+                                        <p:tav tm="0">
+                                          <p:val>
+                                            <p:strVal val="#ppt_x"/>
+                                          </p:val>
+                                        </p:tav>
+                                        <p:tav tm="100000">
+                                          <p:val>
+                                            <p:strVal val="#ppt_x"/>
+                                          </p:val>
+                                        </p:tav>
+                                      </p:tavLst>
+                                    </p:anim>
+                                    <p:anim calcmode="lin" valueType="num">
+                                      <p:cBhvr additive="base">
+                                        <p:cTn id="24" dur="500" fill="hold"/>
+                                        <p:tgtEl>
+                                          <p:spTgt spid="15"/>
+                                        </p:tgtEl>
+                                        <p:attrNameLst>
+                                          <p:attrName>ppt_y</p:attrName>
+                                        </p:attrNameLst>
+                                      </p:cBhvr>
+                                      <p:tavLst>
+                                        <p:tav tm="0">
+                                          <p:val>
+                                            <p:strVal val="1+#ppt_h/2"/>
+                                          </p:val>
+                                        </p:tav>
+                                        <p:tav tm="100000">
+                                          <p:val>
+                                            <p:strVal val="#ppt_y"/>
+                                          </p:val>
+                                        </p:tav>
+                                      </p:tavLst>
+                                    </p:anim>
+                                  </p:childTnLst>
+                                </p:cTn>
+                              </p:par>
+                              <p:par>
+                                <p:cTn id="25" presetID="2" presetClass="entr" presetSubtype="4" fill="hold" grpId="0" nodeType="withEffect">
+                                  <p:stCondLst>
+                                    <p:cond delay="0"/>
+                                  </p:stCondLst>
+                                  <p:childTnLst>
+                                    <p:set>
+                                      <p:cBhvr>
+                                        <p:cTn id="26" dur="1" fill="hold">
+                                          <p:stCondLst>
+                                            <p:cond delay="0"/>
+                                          </p:stCondLst>
+                                        </p:cTn>
+                                        <p:tgtEl>
+                                          <p:spTgt spid="16"/>
+                                        </p:tgtEl>
+                                        <p:attrNameLst>
+                                          <p:attrName>style.visibility</p:attrName>
+                                        </p:attrNameLst>
+                                      </p:cBhvr>
+                                      <p:to>
+                                        <p:strVal val="visible"/>
+                                      </p:to>
+                                    </p:set>
+                                    <p:anim calcmode="lin" valueType="num">
+                                      <p:cBhvr additive="base">
+                                        <p:cTn id="27" dur="500" fill="hold"/>
+                                        <p:tgtEl>
+                                          <p:spTgt spid="16"/>
+                                        </p:tgtEl>
+                                        <p:attrNameLst>
+                                          <p:attrName>ppt_x</p:attrName>
+                                        </p:attrNameLst>
+                                      </p:cBhvr>
+                                      <p:tavLst>
+                                        <p:tav tm="0">
+                                          <p:val>
+                                            <p:strVal val="#ppt_x"/>
+                                          </p:val>
+                                        </p:tav>
+                                        <p:tav tm="100000">
+                                          <p:val>
+                                            <p:strVal val="#ppt_x"/>
+                                          </p:val>
+                                        </p:tav>
+                                      </p:tavLst>
+                                    </p:anim>
+                                    <p:anim calcmode="lin" valueType="num">
+                                      <p:cBhvr additive="base">
+                                        <p:cTn id="28" dur="500" fill="hold"/>
+                                        <p:tgtEl>
+                                          <p:spTgt spid="16"/>
+                                        </p:tgtEl>
+                                        <p:attrNameLst>
+                                          <p:attrName>ppt_y</p:attrName>
+                                        </p:attrNameLst>
+                                      </p:cBhvr>
+                                      <p:tavLst>
+                                        <p:tav tm="0">
+                                          <p:val>
+                                            <p:strVal val="1+#ppt_h/2"/>
+                                          </p:val>
+                                        </p:tav>
+                                        <p:tav tm="100000">
+                                          <p:val>
+                                            <p:strVal val="#ppt_y"/>
+                                          </p:val>
+                                        </p:tav>
+                                      </p:tavLst>
+                                    </p:anim>
+                                  </p:childTnLst>
+                                </p:cTn>
+                              </p:par>
+                              <p:par>
+                                <p:cTn id="29" presetID="2" presetClass="entr" presetSubtype="4" fill="hold" nodeType="withEffect">
+                                  <p:stCondLst>
+                                    <p:cond delay="0"/>
+                                  </p:stCondLst>
+                                  <p:childTnLst>
+                                    <p:set>
+                                      <p:cBhvr>
+                                        <p:cTn id="30" dur="1" fill="hold">
+                                          <p:stCondLst>
+                                            <p:cond delay="0"/>
+                                          </p:stCondLst>
+                                        </p:cTn>
+                                        <p:tgtEl>
+                                          <p:spTgt spid="20"/>
+                                        </p:tgtEl>
+                                        <p:attrNameLst>
+                                          <p:attrName>style.visibility</p:attrName>
+                                        </p:attrNameLst>
+                                      </p:cBhvr>
+                                      <p:to>
+                                        <p:strVal val="visible"/>
+                                      </p:to>
+                                    </p:set>
+                                    <p:anim calcmode="lin" valueType="num">
+                                      <p:cBhvr additive="base">
+                                        <p:cTn id="31" dur="500" fill="hold"/>
+                                        <p:tgtEl>
+                                          <p:spTgt spid="20"/>
+                                        </p:tgtEl>
+                                        <p:attrNameLst>
+                                          <p:attrName>ppt_x</p:attrName>
+                                        </p:attrNameLst>
+                                      </p:cBhvr>
+                                      <p:tavLst>
+                                        <p:tav tm="0">
+                                          <p:val>
+                                            <p:strVal val="#ppt_x"/>
+                                          </p:val>
+                                        </p:tav>
+                                        <p:tav tm="100000">
+                                          <p:val>
+                                            <p:strVal val="#ppt_x"/>
+                                          </p:val>
+                                        </p:tav>
+                                      </p:tavLst>
+                                    </p:anim>
+                                    <p:anim calcmode="lin" valueType="num">
+                                      <p:cBhvr additive="base">
+                                        <p:cTn id="32" dur="500" fill="hold"/>
+                                        <p:tgtEl>
+                                          <p:spTgt spid="20"/>
+                                        </p:tgtEl>
+                                        <p:attrNameLst>
+                                          <p:attrName>ppt_y</p:attrName>
+                                        </p:attrNameLst>
+                                      </p:cBhvr>
+                                      <p:tavLst>
+                                        <p:tav tm="0">
+                                          <p:val>
+                                            <p:strVal val="1+#ppt_h/2"/>
+                                          </p:val>
+                                        </p:tav>
+                                        <p:tav tm="100000">
+                                          <p:val>
+                                            <p:strVal val="#ppt_y"/>
+                                          </p:val>
+                                        </p:tav>
+                                      </p:tavLst>
+                                    </p:anim>
+                                  </p:childTnLst>
+                                </p:cTn>
+                              </p:par>
+                              <p:par>
+                                <p:cTn id="33" presetID="2" presetClass="entr" presetSubtype="4" fill="hold" grpId="0" nodeType="withEffect">
+                                  <p:stCondLst>
+                                    <p:cond delay="0"/>
+                                  </p:stCondLst>
+                                  <p:childTnLst>
+                                    <p:set>
+                                      <p:cBhvr>
+                                        <p:cTn id="34" dur="1" fill="hold">
+                                          <p:stCondLst>
+                                            <p:cond delay="0"/>
+                                          </p:stCondLst>
+                                        </p:cTn>
+                                        <p:tgtEl>
+                                          <p:spTgt spid="25"/>
+                                        </p:tgtEl>
+                                        <p:attrNameLst>
+                                          <p:attrName>style.visibility</p:attrName>
+                                        </p:attrNameLst>
+                                      </p:cBhvr>
+                                      <p:to>
+                                        <p:strVal val="visible"/>
+                                      </p:to>
+                                    </p:set>
+                                    <p:anim calcmode="lin" valueType="num">
+                                      <p:cBhvr additive="base">
+                                        <p:cTn id="35" dur="500" fill="hold"/>
+                                        <p:tgtEl>
+                                          <p:spTgt spid="25"/>
+                                        </p:tgtEl>
+                                        <p:attrNameLst>
+                                          <p:attrName>ppt_x</p:attrName>
+                                        </p:attrNameLst>
+                                      </p:cBhvr>
+                                      <p:tavLst>
+                                        <p:tav tm="0">
+                                          <p:val>
+                                            <p:strVal val="#ppt_x"/>
+                                          </p:val>
+                                        </p:tav>
+                                        <p:tav tm="100000">
+                                          <p:val>
+                                            <p:strVal val="#ppt_x"/>
+                                          </p:val>
+                                        </p:tav>
+                                      </p:tavLst>
+                                    </p:anim>
+                                    <p:anim calcmode="lin" valueType="num">
+                                      <p:cBhvr additive="base">
+                                        <p:cTn id="36" dur="500" fill="hold"/>
+                                        <p:tgtEl>
+                                          <p:spTgt spid="25"/>
+                                        </p:tgtEl>
+                                        <p:attrNameLst>
+                                          <p:attrName>ppt_y</p:attrName>
+                                        </p:attrNameLst>
+                                      </p:cBhvr>
+                                      <p:tavLst>
+                                        <p:tav tm="0">
+                                          <p:val>
+                                            <p:strVal val="1+#ppt_h/2"/>
+                                          </p:val>
+                                        </p:tav>
+                                        <p:tav tm="100000">
+                                          <p:val>
+                                            <p:strVal val="#ppt_y"/>
+                                          </p:val>
+                                        </p:tav>
+                                      </p:tavLst>
+                                    </p:anim>
+                                  </p:childTnLst>
+                                </p:cTn>
+                              </p:par>
+                              <p:par>
+                                <p:cTn id="37" presetID="2" presetClass="entr" presetSubtype="4" fill="hold" grpId="0" nodeType="withEffect">
+                                  <p:stCondLst>
+                                    <p:cond delay="0"/>
+                                  </p:stCondLst>
+                                  <p:childTnLst>
+                                    <p:set>
+                                      <p:cBhvr>
+                                        <p:cTn id="38" dur="1" fill="hold">
+                                          <p:stCondLst>
+                                            <p:cond delay="0"/>
+                                          </p:stCondLst>
+                                        </p:cTn>
+                                        <p:tgtEl>
+                                          <p:spTgt spid="26"/>
+                                        </p:tgtEl>
+                                        <p:attrNameLst>
+                                          <p:attrName>style.visibility</p:attrName>
+                                        </p:attrNameLst>
+                                      </p:cBhvr>
+                                      <p:to>
+                                        <p:strVal val="visible"/>
+                                      </p:to>
+                                    </p:set>
+                                    <p:anim calcmode="lin" valueType="num">
+                                      <p:cBhvr additive="base">
+                                        <p:cTn id="39" dur="500" fill="hold"/>
+                                        <p:tgtEl>
+                                          <p:spTgt spid="26"/>
+                                        </p:tgtEl>
+                                        <p:attrNameLst>
+                                          <p:attrName>ppt_x</p:attrName>
+                                        </p:attrNameLst>
+                                      </p:cBhvr>
+                                      <p:tavLst>
+                                        <p:tav tm="0">
+                                          <p:val>
+                                            <p:strVal val="#ppt_x"/>
+                                          </p:val>
+                                        </p:tav>
+                                        <p:tav tm="100000">
+                                          <p:val>
+                                            <p:strVal val="#ppt_x"/>
+                                          </p:val>
+                                        </p:tav>
+                                      </p:tavLst>
+                                    </p:anim>
+                                    <p:anim calcmode="lin" valueType="num">
+                                      <p:cBhvr additive="base">
+                                        <p:cTn id="40" dur="500" fill="hold"/>
+                                        <p:tgtEl>
+                                          <p:spTgt spid="26"/>
+                                        </p:tgtEl>
+                                        <p:attrNameLst>
+                                          <p:attrName>ppt_y</p:attrName>
+                                        </p:attrNameLst>
+                                      </p:cBhvr>
+                                      <p:tavLst>
+                                        <p:tav tm="0">
+                                          <p:val>
+                                            <p:strVal val="1+#ppt_h/2"/>
+                                          </p:val>
+                                        </p:tav>
+                                        <p:tav tm="100000">
+                                          <p:val>
+                                            <p:strVal val="#ppt_y"/>
+                                          </p:val>
+                                        </p:tav>
+                                      </p:tavLst>
+                                    </p:anim>
+                                  </p:childTnLst>
+                                </p:cTn>
+                              </p:par>
+                              <p:par>
+                                <p:cTn id="41" presetID="2" presetClass="entr" presetSubtype="4" fill="hold" grpId="0" nodeType="withEffect">
+                                  <p:stCondLst>
+                                    <p:cond delay="0"/>
+                                  </p:stCondLst>
+                                  <p:childTnLst>
+                                    <p:set>
+                                      <p:cBhvr>
+                                        <p:cTn id="42" dur="1" fill="hold">
+                                          <p:stCondLst>
+                                            <p:cond delay="0"/>
+                                          </p:stCondLst>
+                                        </p:cTn>
+                                        <p:tgtEl>
+                                          <p:spTgt spid="30"/>
+                                        </p:tgtEl>
+                                        <p:attrNameLst>
+                                          <p:attrName>style.visibility</p:attrName>
+                                        </p:attrNameLst>
+                                      </p:cBhvr>
+                                      <p:to>
+                                        <p:strVal val="visible"/>
+                                      </p:to>
+                                    </p:set>
+                                    <p:anim calcmode="lin" valueType="num">
+                                      <p:cBhvr additive="base">
+                                        <p:cTn id="43" dur="500" fill="hold"/>
+                                        <p:tgtEl>
+                                          <p:spTgt spid="30"/>
+                                        </p:tgtEl>
+                                        <p:attrNameLst>
+                                          <p:attrName>ppt_x</p:attrName>
+                                        </p:attrNameLst>
+                                      </p:cBhvr>
+                                      <p:tavLst>
+                                        <p:tav tm="0">
+                                          <p:val>
+                                            <p:strVal val="#ppt_x"/>
+                                          </p:val>
+                                        </p:tav>
+                                        <p:tav tm="100000">
+                                          <p:val>
+                                            <p:strVal val="#ppt_x"/>
+                                          </p:val>
+                                        </p:tav>
+                                      </p:tavLst>
+                                    </p:anim>
+                                    <p:anim calcmode="lin" valueType="num">
+                                      <p:cBhvr additive="base">
+                                        <p:cTn id="44" dur="500" fill="hold"/>
+                                        <p:tgtEl>
+                                          <p:spTgt spid="30"/>
+                                        </p:tgtEl>
+                                        <p:attrNameLst>
+                                          <p:attrName>ppt_y</p:attrName>
+                                        </p:attrNameLst>
+                                      </p:cBhvr>
+                                      <p:tavLst>
+                                        <p:tav tm="0">
+                                          <p:val>
+                                            <p:strVal val="1+#ppt_h/2"/>
+                                          </p:val>
+                                        </p:tav>
+                                        <p:tav tm="100000">
+                                          <p:val>
+                                            <p:strVal val="#ppt_y"/>
+                                          </p:val>
+                                        </p:tav>
+                                      </p:tavLst>
+                                    </p:anim>
+                                  </p:childTnLst>
+                                </p:cTn>
+                              </p:par>
+                              <p:par>
+                                <p:cTn id="45" presetID="2" presetClass="entr" presetSubtype="4" fill="hold" grpId="0" nodeType="withEffect">
+                                  <p:stCondLst>
+                                    <p:cond delay="0"/>
+                                  </p:stCondLst>
+                                  <p:childTnLst>
+                                    <p:set>
+                                      <p:cBhvr>
+                                        <p:cTn id="46" dur="1" fill="hold">
+                                          <p:stCondLst>
+                                            <p:cond delay="0"/>
+                                          </p:stCondLst>
+                                        </p:cTn>
+                                        <p:tgtEl>
+                                          <p:spTgt spid="31"/>
+                                        </p:tgtEl>
+                                        <p:attrNameLst>
+                                          <p:attrName>style.visibility</p:attrName>
+                                        </p:attrNameLst>
+                                      </p:cBhvr>
+                                      <p:to>
+                                        <p:strVal val="visible"/>
+                                      </p:to>
+                                    </p:set>
+                                    <p:anim calcmode="lin" valueType="num">
+                                      <p:cBhvr additive="base">
+                                        <p:cTn id="47" dur="500" fill="hold"/>
+                                        <p:tgtEl>
+                                          <p:spTgt spid="31"/>
+                                        </p:tgtEl>
+                                        <p:attrNameLst>
+                                          <p:attrName>ppt_x</p:attrName>
+                                        </p:attrNameLst>
+                                      </p:cBhvr>
+                                      <p:tavLst>
+                                        <p:tav tm="0">
+                                          <p:val>
+                                            <p:strVal val="#ppt_x"/>
+                                          </p:val>
+                                        </p:tav>
+                                        <p:tav tm="100000">
+                                          <p:val>
+                                            <p:strVal val="#ppt_x"/>
+                                          </p:val>
+                                        </p:tav>
+                                      </p:tavLst>
+                                    </p:anim>
+                                    <p:anim calcmode="lin" valueType="num">
+                                      <p:cBhvr additive="base">
+                                        <p:cTn id="48" dur="500" fill="hold"/>
+                                        <p:tgtEl>
+                                          <p:spTgt spid="31"/>
+                                        </p:tgtEl>
+                                        <p:attrNameLst>
+                                          <p:attrName>ppt_y</p:attrName>
+                                        </p:attrNameLst>
+                                      </p:cBhvr>
+                                      <p:tavLst>
+                                        <p:tav tm="0">
+                                          <p:val>
+                                            <p:strVal val="1+#ppt_h/2"/>
+                                          </p:val>
+                                        </p:tav>
+                                        <p:tav tm="100000">
+                                          <p:val>
+                                            <p:strVal val="#ppt_y"/>
+                                          </p:val>
+                                        </p:tav>
+                                      </p:tavLst>
+                                    </p:anim>
+                                  </p:childTnLst>
+                                </p:cTn>
+                              </p:par>
+                              <p:par>
+                                <p:cTn id="49" presetID="2" presetClass="entr" presetSubtype="4" fill="hold" nodeType="withEffect">
+                                  <p:stCondLst>
+                                    <p:cond delay="0"/>
+                                  </p:stCondLst>
+                                  <p:childTnLst>
+                                    <p:set>
+                                      <p:cBhvr>
+                                        <p:cTn id="50" dur="1" fill="hold">
+                                          <p:stCondLst>
+                                            <p:cond delay="0"/>
+                                          </p:stCondLst>
+                                        </p:cTn>
+                                        <p:tgtEl>
+                                          <p:spTgt spid="28"/>
+                                        </p:tgtEl>
+                                        <p:attrNameLst>
+                                          <p:attrName>style.visibility</p:attrName>
+                                        </p:attrNameLst>
+                                      </p:cBhvr>
+                                      <p:to>
+                                        <p:strVal val="visible"/>
+                                      </p:to>
+                                    </p:set>
+                                    <p:anim calcmode="lin" valueType="num">
+                                      <p:cBhvr additive="base">
+                                        <p:cTn id="51" dur="500" fill="hold"/>
+                                        <p:tgtEl>
+                                          <p:spTgt spid="28"/>
+                                        </p:tgtEl>
+                                        <p:attrNameLst>
+                                          <p:attrName>ppt_x</p:attrName>
+                                        </p:attrNameLst>
+                                      </p:cBhvr>
+                                      <p:tavLst>
+                                        <p:tav tm="0">
+                                          <p:val>
+                                            <p:strVal val="#ppt_x"/>
+                                          </p:val>
+                                        </p:tav>
+                                        <p:tav tm="100000">
+                                          <p:val>
+                                            <p:strVal val="#ppt_x"/>
+                                          </p:val>
+                                        </p:tav>
+                                      </p:tavLst>
+                                    </p:anim>
+                                    <p:anim calcmode="lin" valueType="num">
+                                      <p:cBhvr additive="base">
+                                        <p:cTn id="52" dur="500" fill="hold"/>
+                                        <p:tgtEl>
+                                          <p:spTgt spid="28"/>
+                                        </p:tgtEl>
+                                        <p:attrNameLst>
+                                          <p:attrName>ppt_y</p:attrName>
+                                        </p:attrNameLst>
+                                      </p:cBhvr>
+                                      <p:tavLst>
+                                        <p:tav tm="0">
+                                          <p:val>
+                                            <p:strVal val="1+#ppt_h/2"/>
+                                          </p:val>
+                                        </p:tav>
+                                        <p:tav tm="100000">
+                                          <p:val>
+                                            <p:strVal val="#ppt_y"/>
+                                          </p:val>
+                                        </p:tav>
+                                      </p:tavLst>
+                                    </p:anim>
+                                  </p:childTnLst>
+                                </p:cTn>
+                              </p:par>
+                            </p:childTnLst>
+                          </p:cTn>
+                        </p:par>
+                      </p:childTnLst>
+                    </p:cTn>
+                  </p:par>
+                </p:childTnLst>
+              </p:cTn>
+              <p:prevCondLst>
+                <p:cond evt="onPrev" delay="0">
+                  <p:tgtEl>
+                    <p:sldTgt/>
+                  </p:tgtEl>
+                </p:cond>
+              </p:prevCondLst>
+              <p:nextCondLst>
+                <p:cond evt="onNext" delay="0">
+                  <p:tgtEl>
+                    <p:sldTgt/>
+                  </p:tgtEl>
+                </p:cond>
+              </p:nextCondLst>
+            </p:seq>
+          </p:childTnLst>
+        </p:cTn>
+      </p:par>
+    </p:tnLst>
+    <p:bldLst>
+      <p:bldP spid="9" grpId="0"/>
+      <p:bldP spid="10" grpId="0"/>
+      <p:bldP spid="16" grpId="0" animBg="1"/>
+      <p:bldP spid="25" grpId="0"/>
+      <p:bldP spid="26" grpId="0" animBg="1"/>
+      <p:bldP spid="30" grpId="0"/>
+      <p:bldP spid="31" grpId="0" animBg="1"/>
+    </p:bldLst>
+  </p:timing>
+</p:sld>
+</file>
+
+<file path=ppt/slides/slide8.xml><?xml version="1.0" encoding="utf-8"?>
+<p:sld xmlns:a="http://schemas.openxmlformats.org/drawingml/2006/main" xmlns:r="http://schemas.openxmlformats.org/officeDocument/2006/relationships" xmlns:p="http://schemas.openxmlformats.org/presentationml/2006/main">
+  <p:cSld>
+    <p:spTree>
+      <p:nvGrpSpPr>
+        <p:cNvPr id="1" name=""/>
+        <p:cNvGrpSpPr/>
+        <p:nvPr/>
+      </p:nvGrpSpPr>
+      <p:grpSpPr>
+        <a:xfrm>
+          <a:off x="0" y="0"/>
+          <a:ext cx="0" cy="0"/>
+          <a:chOff x="0" y="0"/>
+          <a:chExt cx="0" cy="0"/>
+        </a:xfrm>
+      </p:grpSpPr>
+      <p:sp>
+        <p:nvSpPr>
+          <p:cNvPr id="2" name="Divider"/>
+          <p:cNvSpPr>
+            <a:spLocks noGrp="1"/>
+          </p:cNvSpPr>
+          <p:nvPr>
+            <p:ph type="ctrTitle"/>
+          </p:nvPr>
+        </p:nvSpPr>
+        <p:spPr/>
+        <p:txBody>
+          <a:bodyPr/>
+          <a:lstStyle/>
+          <a:p>
+            <a:r>
+              <a:rPr lang="en-US" dirty="0"/>
+              <a:t>Why use </a:t>
+            </a:r>
+            <a:r>
+              <a:rPr lang="en-US" dirty="0">
+                <a:solidFill>
+                  <a:schemeClr val="accent1"/>
+                </a:solidFill>
+              </a:rPr>
+              <a:t>Web components and Fiori fundamentals?</a:t>
+            </a:r>
+          </a:p>
+        </p:txBody>
+      </p:sp>
+    </p:spTree>
+    <p:extLst>
+      <p:ext uri="{BB962C8B-B14F-4D97-AF65-F5344CB8AC3E}">
+        <p14:creationId xmlns:p14="http://schemas.microsoft.com/office/powerpoint/2010/main" val="799205039"/>
+      </p:ext>
+    </p:extLst>
+  </p:cSld>
+  <p:clrMapOvr>
+    <a:masterClrMapping/>
+  </p:clrMapOvr>
+</p:sld>
+</file>
+
+<file path=ppt/slides/slide9.xml><?xml version="1.0" encoding="utf-8"?>
+<p:sld xmlns:a="http://schemas.openxmlformats.org/drawingml/2006/main" xmlns:r="http://schemas.openxmlformats.org/officeDocument/2006/relationships" xmlns:p="http://schemas.openxmlformats.org/presentationml/2006/main">
+  <p:cSld>
+    <p:spTree>
+      <p:nvGrpSpPr>
+        <p:cNvPr id="1" name=""/>
+        <p:cNvGrpSpPr/>
+        <p:nvPr/>
+      </p:nvGrpSpPr>
+      <p:grpSpPr>
+        <a:xfrm>
+          <a:off x="0" y="0"/>
+          <a:ext cx="0" cy="0"/>
+          <a:chOff x="0" y="0"/>
+          <a:chExt cx="0" cy="0"/>
+        </a:xfrm>
+      </p:grpSpPr>
+      <p:sp>
+        <p:nvSpPr>
+          <p:cNvPr id="11" name="Text Placeholder 10"/>
+          <p:cNvSpPr>
+            <a:spLocks noGrp="1"/>
+          </p:cNvSpPr>
+          <p:nvPr>
+            <p:ph type="body" sz="quarter" idx="10"/>
+          </p:nvPr>
+        </p:nvSpPr>
+        <p:spPr>
+          <a:xfrm>
+            <a:off x="503999" y="1225118"/>
+            <a:ext cx="11186477" cy="5110882"/>
+          </a:xfrm>
+        </p:spPr>
+        <p:txBody>
+          <a:bodyPr>
+            <a:normAutofit/>
+          </a:bodyPr>
+          <a:lstStyle/>
+          <a:p>
+            <a:pPr marL="342900" lvl="0" indent="-342900">
+              <a:buFont typeface="Arial" panose="020B0604020202020204" pitchFamily="34" charset="0"/>
+              <a:buChar char="•"/>
+            </a:pPr>
+            <a:r>
+              <a:rPr lang="en-US" dirty="0"/>
+              <a:t>You get more flexibility as a developer.</a:t>
+            </a:r>
+          </a:p>
+          <a:p>
+            <a:pPr marL="342900" lvl="0" indent="-342900">
+              <a:buFont typeface="Arial" panose="020B0604020202020204" pitchFamily="34" charset="0"/>
+              <a:buChar char="•"/>
+            </a:pPr>
+            <a:endParaRPr lang="en-US" dirty="0"/>
+          </a:p>
+          <a:p>
+            <a:pPr marL="342900" lvl="0" indent="-342900">
+              <a:buFont typeface="Arial" panose="020B0604020202020204" pitchFamily="34" charset="0"/>
+              <a:buChar char="•"/>
+            </a:pPr>
+            <a:r>
+              <a:rPr lang="en-US" dirty="0"/>
+              <a:t>You can use the framework of your choice.</a:t>
+            </a:r>
+          </a:p>
+          <a:p>
+            <a:pPr marL="342900" lvl="0" indent="-342900">
+              <a:buFont typeface="Arial" panose="020B0604020202020204" pitchFamily="34" charset="0"/>
+              <a:buChar char="•"/>
+            </a:pPr>
+            <a:endParaRPr lang="en-US" dirty="0"/>
+          </a:p>
+          <a:p>
+            <a:pPr marL="342900" lvl="0" indent="-342900">
+              <a:buFont typeface="Arial" panose="020B0604020202020204" pitchFamily="34" charset="0"/>
+              <a:buChar char="•"/>
+            </a:pPr>
+            <a:r>
+              <a:rPr lang="en-US" dirty="0"/>
+              <a:t>Significant improvement in app’s performance.</a:t>
+            </a:r>
+          </a:p>
+          <a:p>
+            <a:pPr marL="342900" lvl="0" indent="-342900">
+              <a:buFont typeface="Arial" panose="020B0604020202020204" pitchFamily="34" charset="0"/>
+              <a:buChar char="•"/>
+            </a:pPr>
+            <a:endParaRPr lang="en-US" dirty="0"/>
+          </a:p>
+          <a:p>
+            <a:pPr marL="342900" lvl="0" indent="-342900">
+              <a:buFont typeface="Arial" panose="020B0604020202020204" pitchFamily="34" charset="0"/>
+              <a:buChar char="•"/>
+            </a:pPr>
+            <a:r>
+              <a:rPr lang="en-US" dirty="0"/>
+              <a:t>You get to use all the latest things. </a:t>
+            </a:r>
+          </a:p>
+          <a:p>
+            <a:pPr marL="342900" lvl="0" indent="-342900">
+              <a:buFont typeface="Arial" panose="020B0604020202020204" pitchFamily="34" charset="0"/>
+              <a:buChar char="•"/>
+            </a:pPr>
+            <a:endParaRPr lang="en-US" dirty="0"/>
+          </a:p>
+        </p:txBody>
+      </p:sp>
+      <p:sp>
+        <p:nvSpPr>
+          <p:cNvPr id="4" name="Title 3"/>
+          <p:cNvSpPr>
+            <a:spLocks noGrp="1"/>
+          </p:cNvSpPr>
+          <p:nvPr>
+            <p:ph type="title"/>
+          </p:nvPr>
+        </p:nvSpPr>
+        <p:spPr>
+          <a:xfrm>
+            <a:off x="504001" y="504000"/>
+            <a:ext cx="11186476" cy="369332"/>
+          </a:xfrm>
+        </p:spPr>
+        <p:txBody>
+          <a:bodyPr/>
+          <a:lstStyle/>
+          <a:p>
+            <a:r>
+              <a:rPr lang="en-US" dirty="0"/>
+              <a:t>This is why :</a:t>
+            </a:r>
+            <a:endParaRPr lang="en-US" sz="1800" b="0" dirty="0"/>
+          </a:p>
+        </p:txBody>
+      </p:sp>
+      <p:pic>
+        <p:nvPicPr>
+          <p:cNvPr id="5" name="Picture 8" descr="Image result for angular logo">
+            <a:extLst>
+              <a:ext uri="{FF2B5EF4-FFF2-40B4-BE49-F238E27FC236}">
+                <a16:creationId xmlns:a16="http://schemas.microsoft.com/office/drawing/2014/main" id="{C049B3D1-9061-4953-B5E8-C06569382277}"/>
+              </a:ext>
+            </a:extLst>
+          </p:cNvPr>
+          <p:cNvPicPr>
+            <a:picLocks noChangeAspect="1" noChangeArrowheads="1"/>
+          </p:cNvPicPr>
+          <p:nvPr/>
+        </p:nvPicPr>
+        <p:blipFill>
+          <a:blip r:embed="rId2">
+            <a:extLst>
+              <a:ext uri="{28A0092B-C50C-407E-A947-70E740481C1C}">
+                <a14:useLocalDpi xmlns:a14="http://schemas.microsoft.com/office/drawing/2010/main" val="0"/>
+              </a:ext>
+            </a:extLst>
+          </a:blip>
+          <a:srcRect/>
+          <a:stretch>
+            <a:fillRect/>
+          </a:stretch>
+        </p:blipFill>
+        <p:spPr bwMode="auto">
+          <a:xfrm>
+            <a:off x="5821352" y="2094356"/>
+            <a:ext cx="833435" cy="833435"/>
+          </a:xfrm>
+          <a:prstGeom prst="rect">
+            <a:avLst/>
+          </a:prstGeom>
+          <a:noFill/>
+          <a:extLst>
+            <a:ext uri="{909E8E84-426E-40DD-AFC4-6F175D3DCCD1}">
+              <a14:hiddenFill xmlns:a14="http://schemas.microsoft.com/office/drawing/2010/main">
+                <a:solidFill>
+                  <a:srgbClr val="FFFFFF"/>
+                </a:solidFill>
+              </a14:hiddenFill>
+            </a:ext>
+          </a:extLst>
+        </p:spPr>
+      </p:pic>
+      <p:pic>
+        <p:nvPicPr>
+          <p:cNvPr id="2050" name="Picture 2" descr="Image result for vue">
+            <a:extLst>
+              <a:ext uri="{FF2B5EF4-FFF2-40B4-BE49-F238E27FC236}">
+                <a16:creationId xmlns:a16="http://schemas.microsoft.com/office/drawing/2014/main" id="{D5D4F45D-AEF1-47B7-AA95-B8311945FE90}"/>
+              </a:ext>
+            </a:extLst>
+          </p:cNvPr>
+          <p:cNvPicPr>
+            <a:picLocks noChangeAspect="1" noChangeArrowheads="1"/>
+          </p:cNvPicPr>
+          <p:nvPr/>
+        </p:nvPicPr>
+        <p:blipFill>
+          <a:blip r:embed="rId3">
+            <a:extLst>
+              <a:ext uri="{28A0092B-C50C-407E-A947-70E740481C1C}">
+                <a14:useLocalDpi xmlns:a14="http://schemas.microsoft.com/office/drawing/2010/main" val="0"/>
+              </a:ext>
+            </a:extLst>
+          </a:blip>
+          <a:srcRect/>
+          <a:stretch>
+            <a:fillRect/>
+          </a:stretch>
+        </p:blipFill>
+        <p:spPr bwMode="auto">
+          <a:xfrm>
+            <a:off x="6729014" y="2244954"/>
+            <a:ext cx="682837" cy="591746"/>
+          </a:xfrm>
+          <a:prstGeom prst="rect">
+            <a:avLst/>
+          </a:prstGeom>
+          <a:noFill/>
+          <a:extLst>
+            <a:ext uri="{909E8E84-426E-40DD-AFC4-6F175D3DCCD1}">
+              <a14:hiddenFill xmlns:a14="http://schemas.microsoft.com/office/drawing/2010/main">
+                <a:solidFill>
+                  <a:srgbClr val="FFFFFF"/>
+                </a:solidFill>
+              </a14:hiddenFill>
+            </a:ext>
+          </a:extLst>
+        </p:spPr>
+      </p:pic>
+      <p:pic>
+        <p:nvPicPr>
+          <p:cNvPr id="2052" name="Picture 4" descr="Image result for react">
+            <a:extLst>
+              <a:ext uri="{FF2B5EF4-FFF2-40B4-BE49-F238E27FC236}">
+                <a16:creationId xmlns:a16="http://schemas.microsoft.com/office/drawing/2014/main" id="{06681291-4F3A-48DB-920B-42013BF1D6A6}"/>
+              </a:ext>
+            </a:extLst>
+          </p:cNvPr>
+          <p:cNvPicPr>
+            <a:picLocks noChangeAspect="1" noChangeArrowheads="1"/>
+          </p:cNvPicPr>
+          <p:nvPr/>
+        </p:nvPicPr>
+        <p:blipFill>
+          <a:blip r:embed="rId4">
+            <a:extLst>
+              <a:ext uri="{28A0092B-C50C-407E-A947-70E740481C1C}">
+                <a14:useLocalDpi xmlns:a14="http://schemas.microsoft.com/office/drawing/2010/main" val="0"/>
+              </a:ext>
+            </a:extLst>
+          </a:blip>
+          <a:srcRect/>
+          <a:stretch>
+            <a:fillRect/>
+          </a:stretch>
+        </p:blipFill>
+        <p:spPr bwMode="auto">
+          <a:xfrm>
+            <a:off x="7383357" y="2094356"/>
+            <a:ext cx="1263554" cy="892942"/>
+          </a:xfrm>
+          <a:prstGeom prst="rect">
+            <a:avLst/>
+          </a:prstGeom>
+          <a:noFill/>
+          <a:extLst>
+            <a:ext uri="{909E8E84-426E-40DD-AFC4-6F175D3DCCD1}">
+              <a14:hiddenFill xmlns:a14="http://schemas.microsoft.com/office/drawing/2010/main">
+                <a:solidFill>
+                  <a:srgbClr val="FFFFFF"/>
+                </a:solidFill>
+              </a14:hiddenFill>
+            </a:ext>
+          </a:extLst>
+        </p:spPr>
+      </p:pic>
+      <p:pic>
+        <p:nvPicPr>
+          <p:cNvPr id="2054" name="Picture 6" descr="Image result for flexibility">
+            <a:extLst>
+              <a:ext uri="{FF2B5EF4-FFF2-40B4-BE49-F238E27FC236}">
+                <a16:creationId xmlns:a16="http://schemas.microsoft.com/office/drawing/2014/main" id="{B83BE606-6A90-425B-9A5C-D924756E1FBB}"/>
+              </a:ext>
+            </a:extLst>
+          </p:cNvPr>
+          <p:cNvPicPr>
+            <a:picLocks noChangeAspect="1" noChangeArrowheads="1"/>
+          </p:cNvPicPr>
+          <p:nvPr/>
+        </p:nvPicPr>
+        <p:blipFill>
+          <a:blip r:embed="rId5">
+            <a:extLst>
+              <a:ext uri="{28A0092B-C50C-407E-A947-70E740481C1C}">
+                <a14:useLocalDpi xmlns:a14="http://schemas.microsoft.com/office/drawing/2010/main" val="0"/>
+              </a:ext>
+            </a:extLst>
+          </a:blip>
+          <a:srcRect/>
+          <a:stretch>
+            <a:fillRect/>
+          </a:stretch>
+        </p:blipFill>
+        <p:spPr bwMode="auto">
+          <a:xfrm>
+            <a:off x="6219430" y="1076094"/>
+            <a:ext cx="1263554" cy="842369"/>
+          </a:xfrm>
+          <a:prstGeom prst="rect">
+            <a:avLst/>
+          </a:prstGeom>
+          <a:noFill/>
+          <a:extLst>
+            <a:ext uri="{909E8E84-426E-40DD-AFC4-6F175D3DCCD1}">
+              <a14:hiddenFill xmlns:a14="http://schemas.microsoft.com/office/drawing/2010/main">
+                <a:solidFill>
+                  <a:srgbClr val="FFFFFF"/>
+                </a:solidFill>
+              </a14:hiddenFill>
+            </a:ext>
+          </a:extLst>
+        </p:spPr>
+      </p:pic>
+      <p:pic>
+        <p:nvPicPr>
+          <p:cNvPr id="2056" name="Picture 8" descr="Image result for performance">
+            <a:extLst>
+              <a:ext uri="{FF2B5EF4-FFF2-40B4-BE49-F238E27FC236}">
+                <a16:creationId xmlns:a16="http://schemas.microsoft.com/office/drawing/2014/main" id="{8AEFF436-94B0-458C-902D-8997DE632CE0}"/>
+              </a:ext>
+            </a:extLst>
+          </p:cNvPr>
+          <p:cNvPicPr>
+            <a:picLocks noChangeAspect="1" noChangeArrowheads="1"/>
+          </p:cNvPicPr>
+          <p:nvPr/>
+        </p:nvPicPr>
+        <p:blipFill>
+          <a:blip r:embed="rId6">
+            <a:extLst>
+              <a:ext uri="{28A0092B-C50C-407E-A947-70E740481C1C}">
+                <a14:useLocalDpi xmlns:a14="http://schemas.microsoft.com/office/drawing/2010/main" val="0"/>
+              </a:ext>
+            </a:extLst>
+          </a:blip>
+          <a:srcRect/>
+          <a:stretch>
+            <a:fillRect/>
+          </a:stretch>
+        </p:blipFill>
+        <p:spPr bwMode="auto">
+          <a:xfrm>
+            <a:off x="6219430" y="3136510"/>
+            <a:ext cx="1263554" cy="841930"/>
+          </a:xfrm>
+          <a:prstGeom prst="rect">
+            <a:avLst/>
+          </a:prstGeom>
+          <a:noFill/>
+          <a:extLst>
+            <a:ext uri="{909E8E84-426E-40DD-AFC4-6F175D3DCCD1}">
+              <a14:hiddenFill xmlns:a14="http://schemas.microsoft.com/office/drawing/2010/main">
+                <a:solidFill>
+                  <a:srgbClr val="FFFFFF"/>
+                </a:solidFill>
+              </a14:hiddenFill>
+            </a:ext>
+          </a:extLst>
+        </p:spPr>
+      </p:pic>
+      <p:pic>
+        <p:nvPicPr>
+          <p:cNvPr id="2064" name="Picture 16" descr="Related image">
+            <a:extLst>
+              <a:ext uri="{FF2B5EF4-FFF2-40B4-BE49-F238E27FC236}">
+                <a16:creationId xmlns:a16="http://schemas.microsoft.com/office/drawing/2014/main" id="{440648E1-58E1-4D39-8AAC-16B11453F4E8}"/>
+              </a:ext>
+            </a:extLst>
+          </p:cNvPr>
+          <p:cNvPicPr>
+            <a:picLocks noChangeAspect="1" noChangeArrowheads="1"/>
+          </p:cNvPicPr>
+          <p:nvPr/>
+        </p:nvPicPr>
+        <p:blipFill>
+          <a:blip r:embed="rId7">
+            <a:extLst>
+              <a:ext uri="{28A0092B-C50C-407E-A947-70E740481C1C}">
+                <a14:useLocalDpi xmlns:a14="http://schemas.microsoft.com/office/drawing/2010/main" val="0"/>
+              </a:ext>
+            </a:extLst>
+          </a:blip>
+          <a:srcRect/>
+          <a:stretch>
+            <a:fillRect/>
+          </a:stretch>
+        </p:blipFill>
+        <p:spPr bwMode="auto">
+          <a:xfrm>
+            <a:off x="4986095" y="4232367"/>
+            <a:ext cx="758829" cy="758829"/>
+          </a:xfrm>
+          <a:prstGeom prst="rect">
+            <a:avLst/>
+          </a:prstGeom>
+          <a:noFill/>
+          <a:extLst>
+            <a:ext uri="{909E8E84-426E-40DD-AFC4-6F175D3DCCD1}">
+              <a14:hiddenFill xmlns:a14="http://schemas.microsoft.com/office/drawing/2010/main">
+                <a:solidFill>
+                  <a:srgbClr val="FFFFFF"/>
+                </a:solidFill>
+              </a14:hiddenFill>
+            </a:ext>
+          </a:extLst>
+        </p:spPr>
+      </p:pic>
+      <p:pic>
+        <p:nvPicPr>
+          <p:cNvPr id="2068" name="Picture 20" descr="Image result for typescript">
+            <a:extLst>
+              <a:ext uri="{FF2B5EF4-FFF2-40B4-BE49-F238E27FC236}">
+                <a16:creationId xmlns:a16="http://schemas.microsoft.com/office/drawing/2014/main" id="{FDAEC5B9-ED82-4AC4-811C-871B3810DE13}"/>
+              </a:ext>
+            </a:extLst>
+          </p:cNvPr>
+          <p:cNvPicPr>
+            <a:picLocks noChangeAspect="1" noChangeArrowheads="1"/>
+          </p:cNvPicPr>
+          <p:nvPr/>
+        </p:nvPicPr>
+        <p:blipFill>
+          <a:blip r:embed="rId8">
+            <a:extLst>
+              <a:ext uri="{28A0092B-C50C-407E-A947-70E740481C1C}">
+                <a14:useLocalDpi xmlns:a14="http://schemas.microsoft.com/office/drawing/2010/main" val="0"/>
+              </a:ext>
+            </a:extLst>
+          </a:blip>
+          <a:srcRect/>
+          <a:stretch>
+            <a:fillRect/>
+          </a:stretch>
+        </p:blipFill>
+        <p:spPr bwMode="auto">
+          <a:xfrm>
+            <a:off x="5970184" y="4232367"/>
+            <a:ext cx="758830" cy="758830"/>
+          </a:xfrm>
+          <a:prstGeom prst="rect">
+            <a:avLst/>
+          </a:prstGeom>
+          <a:noFill/>
+          <a:extLst>
+            <a:ext uri="{909E8E84-426E-40DD-AFC4-6F175D3DCCD1}">
+              <a14:hiddenFill xmlns:a14="http://schemas.microsoft.com/office/drawing/2010/main">
+                <a:solidFill>
+                  <a:srgbClr val="FFFFFF"/>
+                </a:solidFill>
+              </a14:hiddenFill>
+            </a:ext>
+          </a:extLst>
+        </p:spPr>
+      </p:pic>
+      <p:pic>
+        <p:nvPicPr>
+          <p:cNvPr id="2070" name="Picture 22" descr="Image result for webpack">
+            <a:extLst>
+              <a:ext uri="{FF2B5EF4-FFF2-40B4-BE49-F238E27FC236}">
+                <a16:creationId xmlns:a16="http://schemas.microsoft.com/office/drawing/2014/main" id="{7BD0F574-2892-4E92-ABDE-C261EBCE0453}"/>
+              </a:ext>
+            </a:extLst>
+          </p:cNvPr>
+          <p:cNvPicPr>
+            <a:picLocks noChangeAspect="1" noChangeArrowheads="1"/>
+          </p:cNvPicPr>
+          <p:nvPr/>
+        </p:nvPicPr>
+        <p:blipFill rotWithShape="1">
+          <a:blip r:embed="rId9">
+            <a:extLst>
+              <a:ext uri="{28A0092B-C50C-407E-A947-70E740481C1C}">
+                <a14:useLocalDpi xmlns:a14="http://schemas.microsoft.com/office/drawing/2010/main" val="0"/>
+              </a:ext>
+            </a:extLst>
+          </a:blip>
+          <a:srcRect l="10300" t="17242" r="8623" b="18512"/>
+          <a:stretch/>
+        </p:blipFill>
+        <p:spPr bwMode="auto">
+          <a:xfrm>
+            <a:off x="6954274" y="4177334"/>
+            <a:ext cx="2733473" cy="841930"/>
+          </a:xfrm>
+          <a:prstGeom prst="rect">
+            <a:avLst/>
+          </a:prstGeom>
+          <a:noFill/>
+          <a:extLst>
+            <a:ext uri="{909E8E84-426E-40DD-AFC4-6F175D3DCCD1}">
+              <a14:hiddenFill xmlns:a14="http://schemas.microsoft.com/office/drawing/2010/main">
+                <a:solidFill>
+                  <a:srgbClr val="FFFFFF"/>
+                </a:solidFill>
+              </a14:hiddenFill>
+            </a:ext>
+          </a:extLst>
         </p:spPr>
       </p:pic>
     </p:spTree>
     <p:extLst>
       <p:ext uri="{BB962C8B-B14F-4D97-AF65-F5344CB8AC3E}">
-        <p14:creationId xmlns:p14="http://schemas.microsoft.com/office/powerpoint/2010/main" val="1881851238"/>
+        <p14:creationId xmlns:p14="http://schemas.microsoft.com/office/powerpoint/2010/main" val="657780071"/>
       </p:ext>
     </p:extLst>
   </p:cSld>

--- a/UI5con.pptx
+++ b/UI5con.pptx
@@ -4108,7 +4108,7 @@
           <a:p>
             <a:r>
               <a:rPr lang="en-US" dirty="0"/>
-              <a:t>Ease of Development (If used on their own)</a:t>
+              <a:t>Ease of Development</a:t>
             </a:r>
             <a:br>
               <a:rPr lang="en-US" dirty="0"/>
@@ -5457,7 +5457,7 @@
             </a:pPr>
             <a:r>
               <a:rPr lang="en-US" dirty="0"/>
-              <a:t>There are some noticeable design inconsistencies between the three.</a:t>
+              <a:t>There are some noticeable design inconsistencies compared to UI5.</a:t>
             </a:r>
           </a:p>
           <a:p>
@@ -5474,11 +5474,11 @@
             </a:pPr>
             <a:r>
               <a:rPr lang="en-US" dirty="0"/>
-              <a:t>Latter 2 have less number of UI controls compared to </a:t>
+              <a:t>Latter 2 have less number of UI controls compared to UI5</a:t>
             </a:r>
             <a:r>
               <a:rPr lang="en-US" b="1" dirty="0"/>
-              <a:t>UI5.</a:t>
+              <a:t>.</a:t>
             </a:r>
           </a:p>
         </p:txBody>
@@ -9365,7 +9365,7 @@
         </p:nvSpPr>
         <p:spPr>
           <a:xfrm>
-            <a:off x="409763" y="5809133"/>
+            <a:off x="417638" y="5947788"/>
             <a:ext cx="2693045" cy="553998"/>
           </a:xfrm>
           <a:prstGeom prst="rect">
@@ -9404,13 +9404,10 @@
                 <a:cs typeface="Arial Unicode MS" pitchFamily="34" charset="-128"/>
               </a:rPr>
             </a:br>
-            <a:r>
-              <a:rPr lang="en-IN" sz="1800" kern="0" dirty="0">
-                <a:ea typeface="Arial Unicode MS" pitchFamily="34" charset="-128"/>
-                <a:cs typeface="Arial Unicode MS" pitchFamily="34" charset="-128"/>
-              </a:rPr>
-              <a:t>principles</a:t>
-            </a:r>
+            <a:endParaRPr lang="en-IN" sz="1800" kern="0" dirty="0">
+              <a:ea typeface="Arial Unicode MS" pitchFamily="34" charset="-128"/>
+              <a:cs typeface="Arial Unicode MS" pitchFamily="34" charset="-128"/>
+            </a:endParaRPr>
           </a:p>
         </p:txBody>
       </p:sp>
@@ -9491,7 +9488,7 @@
         </p:nvSpPr>
         <p:spPr>
           <a:xfrm>
-            <a:off x="8417440" y="5752231"/>
+            <a:off x="8417438" y="5901781"/>
             <a:ext cx="2039020" cy="553998"/>
           </a:xfrm>
           <a:prstGeom prst="rect">
@@ -9530,13 +9527,10 @@
                 <a:cs typeface="Arial Unicode MS" pitchFamily="34" charset="-128"/>
               </a:rPr>
             </a:br>
-            <a:r>
-              <a:rPr lang="en-IN" sz="1800" kern="0" dirty="0">
-                <a:ea typeface="Arial Unicode MS" pitchFamily="34" charset="-128"/>
-                <a:cs typeface="Arial Unicode MS" pitchFamily="34" charset="-128"/>
-              </a:rPr>
-              <a:t>principles</a:t>
-            </a:r>
+            <a:endParaRPr lang="en-IN" sz="1800" kern="0" dirty="0">
+              <a:ea typeface="Arial Unicode MS" pitchFamily="34" charset="-128"/>
+              <a:cs typeface="Arial Unicode MS" pitchFamily="34" charset="-128"/>
+            </a:endParaRPr>
           </a:p>
         </p:txBody>
       </p:sp>

--- a/UI5con.pptx
+++ b/UI5con.pptx
@@ -5424,7 +5424,7 @@
             </a:r>
             <a:r>
               <a:rPr lang="en-US" dirty="0"/>
-              <a:t> itself is quite mature framework, </a:t>
+              <a:t> itself is quite mature, </a:t>
             </a:r>
             <a:r>
               <a:rPr lang="en-US" b="1" dirty="0"/>
@@ -6076,6 +6076,190 @@
           </a:p>
         </p:txBody>
       </p:sp>
+      <p:pic>
+        <p:nvPicPr>
+          <p:cNvPr id="4" name="Picture 14" descr="Image result for ui5 logo">
+            <a:extLst>
+              <a:ext uri="{FF2B5EF4-FFF2-40B4-BE49-F238E27FC236}">
+                <a16:creationId xmlns:a16="http://schemas.microsoft.com/office/drawing/2014/main" id="{D4BDD4F0-0599-43FB-B8ED-EA235E1CF7A4}"/>
+              </a:ext>
+            </a:extLst>
+          </p:cNvPr>
+          <p:cNvPicPr>
+            <a:picLocks noChangeAspect="1" noChangeArrowheads="1"/>
+          </p:cNvPicPr>
+          <p:nvPr/>
+        </p:nvPicPr>
+        <p:blipFill rotWithShape="1">
+          <a:blip r:embed="rId2" cstate="print">
+            <a:extLst>
+              <a:ext uri="{28A0092B-C50C-407E-A947-70E740481C1C}">
+                <a14:useLocalDpi xmlns:a14="http://schemas.microsoft.com/office/drawing/2010/main" val="0"/>
+              </a:ext>
+            </a:extLst>
+          </a:blip>
+          <a:srcRect l="21578" r="20941"/>
+          <a:stretch/>
+        </p:blipFill>
+        <p:spPr bwMode="auto">
+          <a:xfrm>
+            <a:off x="6734749" y="3426977"/>
+            <a:ext cx="778213" cy="761551"/>
+          </a:xfrm>
+          <a:prstGeom prst="rect">
+            <a:avLst/>
+          </a:prstGeom>
+          <a:noFill/>
+          <a:extLst>
+            <a:ext uri="{909E8E84-426E-40DD-AFC4-6F175D3DCCD1}">
+              <a14:hiddenFill xmlns:a14="http://schemas.microsoft.com/office/drawing/2010/main">
+                <a:solidFill>
+                  <a:srgbClr val="FFFFFF"/>
+                </a:solidFill>
+              </a14:hiddenFill>
+            </a:ext>
+          </a:extLst>
+        </p:spPr>
+      </p:pic>
+      <p:pic>
+        <p:nvPicPr>
+          <p:cNvPr id="1028" name="Picture 4" descr="Image result for sap">
+            <a:extLst>
+              <a:ext uri="{FF2B5EF4-FFF2-40B4-BE49-F238E27FC236}">
+                <a16:creationId xmlns:a16="http://schemas.microsoft.com/office/drawing/2014/main" id="{2C735045-CCB0-481C-8C21-4CE93AE1AA1E}"/>
+              </a:ext>
+            </a:extLst>
+          </p:cNvPr>
+          <p:cNvPicPr>
+            <a:picLocks noChangeAspect="1" noChangeArrowheads="1"/>
+          </p:cNvPicPr>
+          <p:nvPr/>
+        </p:nvPicPr>
+        <p:blipFill>
+          <a:blip r:embed="rId3">
+            <a:extLst>
+              <a:ext uri="{28A0092B-C50C-407E-A947-70E740481C1C}">
+                <a14:useLocalDpi xmlns:a14="http://schemas.microsoft.com/office/drawing/2010/main" val="0"/>
+              </a:ext>
+            </a:extLst>
+          </a:blip>
+          <a:srcRect/>
+          <a:stretch>
+            <a:fillRect/>
+          </a:stretch>
+        </p:blipFill>
+        <p:spPr bwMode="auto">
+          <a:xfrm>
+            <a:off x="7036399" y="2159237"/>
+            <a:ext cx="1261386" cy="643307"/>
+          </a:xfrm>
+          <a:prstGeom prst="rect">
+            <a:avLst/>
+          </a:prstGeom>
+          <a:noFill/>
+          <a:extLst>
+            <a:ext uri="{909E8E84-426E-40DD-AFC4-6F175D3DCCD1}">
+              <a14:hiddenFill xmlns:a14="http://schemas.microsoft.com/office/drawing/2010/main">
+                <a:solidFill>
+                  <a:srgbClr val="FFFFFF"/>
+                </a:solidFill>
+              </a14:hiddenFill>
+            </a:ext>
+          </a:extLst>
+        </p:spPr>
+      </p:pic>
+      <p:pic>
+        <p:nvPicPr>
+          <p:cNvPr id="1032" name="Picture 8" descr="Image result for evorait solutions logo">
+            <a:extLst>
+              <a:ext uri="{FF2B5EF4-FFF2-40B4-BE49-F238E27FC236}">
+                <a16:creationId xmlns:a16="http://schemas.microsoft.com/office/drawing/2014/main" id="{21791701-E3DA-4DF8-BB54-BB38394A0F05}"/>
+              </a:ext>
+            </a:extLst>
+          </p:cNvPr>
+          <p:cNvPicPr>
+            <a:picLocks noChangeAspect="1" noChangeArrowheads="1"/>
+          </p:cNvPicPr>
+          <p:nvPr/>
+        </p:nvPicPr>
+        <p:blipFill rotWithShape="1">
+          <a:blip r:embed="rId4">
+            <a:extLst>
+              <a:ext uri="{28A0092B-C50C-407E-A947-70E740481C1C}">
+                <a14:useLocalDpi xmlns:a14="http://schemas.microsoft.com/office/drawing/2010/main" val="0"/>
+              </a:ext>
+            </a:extLst>
+          </a:blip>
+          <a:srcRect t="22541" b="30851"/>
+          <a:stretch/>
+        </p:blipFill>
+        <p:spPr bwMode="auto">
+          <a:xfrm>
+            <a:off x="7754549" y="2906330"/>
+            <a:ext cx="1117077" cy="520647"/>
+          </a:xfrm>
+          <a:prstGeom prst="rect">
+            <a:avLst/>
+          </a:prstGeom>
+          <a:noFill/>
+          <a:extLst>
+            <a:ext uri="{909E8E84-426E-40DD-AFC4-6F175D3DCCD1}">
+              <a14:hiddenFill xmlns:a14="http://schemas.microsoft.com/office/drawing/2010/main">
+                <a:solidFill>
+                  <a:srgbClr val="FFFFFF"/>
+                </a:solidFill>
+              </a14:hiddenFill>
+            </a:ext>
+          </a:extLst>
+        </p:spPr>
+      </p:pic>
+      <p:pic>
+        <p:nvPicPr>
+          <p:cNvPr id="1034" name="Picture 10" descr="Image result for web">
+            <a:extLst>
+              <a:ext uri="{FF2B5EF4-FFF2-40B4-BE49-F238E27FC236}">
+                <a16:creationId xmlns:a16="http://schemas.microsoft.com/office/drawing/2014/main" id="{5D25BD82-7801-4297-BB45-10A5AC1508A6}"/>
+              </a:ext>
+            </a:extLst>
+          </p:cNvPr>
+          <p:cNvPicPr>
+            <a:picLocks noChangeAspect="1" noChangeArrowheads="1"/>
+          </p:cNvPicPr>
+          <p:nvPr/>
+        </p:nvPicPr>
+        <p:blipFill>
+          <a:blip r:embed="rId5">
+            <a:extLst>
+              <a:ext uri="{28A0092B-C50C-407E-A947-70E740481C1C}">
+                <a14:useLocalDpi xmlns:a14="http://schemas.microsoft.com/office/drawing/2010/main" val="0"/>
+              </a:ext>
+            </a:extLst>
+          </a:blip>
+          <a:srcRect/>
+          <a:stretch>
+            <a:fillRect/>
+          </a:stretch>
+        </p:blipFill>
+        <p:spPr bwMode="auto">
+          <a:xfrm>
+            <a:off x="4529914" y="1397304"/>
+            <a:ext cx="761933" cy="761933"/>
+          </a:xfrm>
+          <a:prstGeom prst="rect">
+            <a:avLst/>
+          </a:prstGeom>
+          <a:noFill/>
+          <a:extLst>
+            <a:ext uri="{909E8E84-426E-40DD-AFC4-6F175D3DCCD1}">
+              <a14:hiddenFill xmlns:a14="http://schemas.microsoft.com/office/drawing/2010/main">
+                <a:solidFill>
+                  <a:srgbClr val="FFFFFF"/>
+                </a:solidFill>
+              </a14:hiddenFill>
+            </a:ext>
+          </a:extLst>
+        </p:spPr>
+      </p:pic>
     </p:spTree>
     <p:extLst>
       <p:ext uri="{BB962C8B-B14F-4D97-AF65-F5344CB8AC3E}">
@@ -7186,6 +7370,106 @@
           </a:extLst>
         </p:spPr>
       </p:pic>
+      <p:sp>
+        <p:nvSpPr>
+          <p:cNvPr id="2" name="TextBox 1">
+            <a:extLst>
+              <a:ext uri="{FF2B5EF4-FFF2-40B4-BE49-F238E27FC236}">
+                <a16:creationId xmlns:a16="http://schemas.microsoft.com/office/drawing/2014/main" id="{29C3EEDC-18DC-4708-A40B-1D19575F9D0D}"/>
+              </a:ext>
+            </a:extLst>
+          </p:cNvPr>
+          <p:cNvSpPr txBox="1"/>
+          <p:nvPr/>
+        </p:nvSpPr>
+        <p:spPr>
+          <a:xfrm>
+            <a:off x="5287624" y="2714345"/>
+            <a:ext cx="705321" cy="276999"/>
+          </a:xfrm>
+          <a:prstGeom prst="rect">
+            <a:avLst/>
+          </a:prstGeom>
+          <a:noFill/>
+        </p:spPr>
+        <p:txBody>
+          <a:bodyPr wrap="none" lIns="0" tIns="0" rIns="0" bIns="0" rtlCol="0">
+            <a:spAutoFit/>
+          </a:bodyPr>
+          <a:lstStyle/>
+          <a:p>
+            <a:pPr fontAlgn="base">
+              <a:spcBef>
+                <a:spcPct val="50000"/>
+              </a:spcBef>
+              <a:spcAft>
+                <a:spcPct val="0"/>
+              </a:spcAft>
+              <a:buClr>
+                <a:srgbClr val="F0AB00"/>
+              </a:buClr>
+              <a:buSzPct val="80000"/>
+            </a:pPr>
+            <a:r>
+              <a:rPr lang="en-IN" sz="1800" kern="0" dirty="0">
+                <a:ea typeface="Arial Unicode MS" pitchFamily="34" charset="-128"/>
+                <a:cs typeface="Arial Unicode MS" pitchFamily="34" charset="-128"/>
+              </a:rPr>
+              <a:t>Similar</a:t>
+            </a:r>
+          </a:p>
+        </p:txBody>
+      </p:sp>
+      <p:sp>
+        <p:nvSpPr>
+          <p:cNvPr id="22" name="TextBox 21">
+            <a:extLst>
+              <a:ext uri="{FF2B5EF4-FFF2-40B4-BE49-F238E27FC236}">
+                <a16:creationId xmlns:a16="http://schemas.microsoft.com/office/drawing/2014/main" id="{60DB7D97-774F-4811-A34B-B6AD1F32C4C6}"/>
+              </a:ext>
+            </a:extLst>
+          </p:cNvPr>
+          <p:cNvSpPr txBox="1"/>
+          <p:nvPr/>
+        </p:nvSpPr>
+        <p:spPr>
+          <a:xfrm>
+            <a:off x="5271651" y="4843530"/>
+            <a:ext cx="705321" cy="276999"/>
+          </a:xfrm>
+          <a:prstGeom prst="rect">
+            <a:avLst/>
+          </a:prstGeom>
+          <a:noFill/>
+        </p:spPr>
+        <p:txBody>
+          <a:bodyPr wrap="none" lIns="0" tIns="0" rIns="0" bIns="0" rtlCol="0">
+            <a:spAutoFit/>
+          </a:bodyPr>
+          <a:lstStyle/>
+          <a:p>
+            <a:pPr fontAlgn="base">
+              <a:spcBef>
+                <a:spcPct val="50000"/>
+              </a:spcBef>
+              <a:spcAft>
+                <a:spcPct val="0"/>
+              </a:spcAft>
+              <a:buClr>
+                <a:srgbClr val="F0AB00"/>
+              </a:buClr>
+              <a:buSzPct val="80000"/>
+            </a:pPr>
+            <a:r>
+              <a:rPr lang="en-IN" sz="1800" kern="0" dirty="0">
+                <a:ea typeface="Arial Unicode MS" pitchFamily="34" charset="-128"/>
+                <a:cs typeface="Arial Unicode MS" pitchFamily="34" charset="-128"/>
+              </a:rPr>
+              <a:t>Similar</a:t>
+            </a:r>
+          </a:p>
+        </p:txBody>
+      </p:sp>
     </p:spTree>
     <p:extLst>
       <p:ext uri="{BB962C8B-B14F-4D97-AF65-F5344CB8AC3E}">
@@ -10642,7 +10926,7 @@
         </p:nvSpPr>
         <p:spPr>
           <a:xfrm>
-            <a:off x="503999" y="1225118"/>
+            <a:off x="504001" y="1243118"/>
             <a:ext cx="11186477" cy="5110882"/>
           </a:xfrm>
         </p:spPr>
@@ -11123,6 +11407,56 @@
           </a:extLst>
         </p:spPr>
       </p:pic>
+      <p:sp>
+        <p:nvSpPr>
+          <p:cNvPr id="2" name="TextBox 1">
+            <a:extLst>
+              <a:ext uri="{FF2B5EF4-FFF2-40B4-BE49-F238E27FC236}">
+                <a16:creationId xmlns:a16="http://schemas.microsoft.com/office/drawing/2014/main" id="{CCBC0A10-B18E-46E1-BFA9-361B76121C14}"/>
+              </a:ext>
+            </a:extLst>
+          </p:cNvPr>
+          <p:cNvSpPr txBox="1"/>
+          <p:nvPr/>
+        </p:nvSpPr>
+        <p:spPr>
+          <a:xfrm>
+            <a:off x="9807832" y="4382855"/>
+            <a:ext cx="838371" cy="430887"/>
+          </a:xfrm>
+          <a:prstGeom prst="rect">
+            <a:avLst/>
+          </a:prstGeom>
+          <a:noFill/>
+        </p:spPr>
+        <p:txBody>
+          <a:bodyPr wrap="none" lIns="0" tIns="0" rIns="0" bIns="0" rtlCol="0">
+            <a:spAutoFit/>
+          </a:bodyPr>
+          <a:lstStyle/>
+          <a:p>
+            <a:pPr fontAlgn="base">
+              <a:spcBef>
+                <a:spcPct val="50000"/>
+              </a:spcBef>
+              <a:spcAft>
+                <a:spcPct val="0"/>
+              </a:spcAft>
+              <a:buClr>
+                <a:srgbClr val="F0AB00"/>
+              </a:buClr>
+              <a:buSzPct val="80000"/>
+            </a:pPr>
+            <a:r>
+              <a:rPr lang="en-IN" sz="2800" kern="0" dirty="0">
+                <a:ea typeface="Arial Unicode MS" pitchFamily="34" charset="-128"/>
+                <a:cs typeface="Arial Unicode MS" pitchFamily="34" charset="-128"/>
+              </a:rPr>
+              <a:t>etc…</a:t>
+            </a:r>
+          </a:p>
+        </p:txBody>
+      </p:sp>
     </p:spTree>
     <p:extLst>
       <p:ext uri="{BB962C8B-B14F-4D97-AF65-F5344CB8AC3E}">
